--- a/presentations/ioam-ippm-ietf102.pptx
+++ b/presentations/ioam-ippm-ietf102.pptx
@@ -220,7 +220,7 @@
           <a:p>
             <a:fld id="{616853EC-143C-4648-8EB4-0EA15AAFE799}" type="datetimeFigureOut">
               <a:rPr lang="en-US" smtClean="0"/>
-              <a:t>7/16/18</a:t>
+              <a:t>7/17/2018</a:t>
             </a:fld>
             <a:endParaRPr lang="en-US"/>
           </a:p>
@@ -1795,7 +1795,7 @@
           <a:p>
             <a:fld id="{4FF60DEF-4CB3-DB44-B301-DFA6EBEC847B}" type="datetimeFigureOut">
               <a:rPr lang="en-US" smtClean="0"/>
-              <a:t>7/16/18</a:t>
+              <a:t>7/17/2018</a:t>
             </a:fld>
             <a:endParaRPr lang="en-US"/>
           </a:p>
@@ -1965,7 +1965,7 @@
           <a:p>
             <a:fld id="{4FF60DEF-4CB3-DB44-B301-DFA6EBEC847B}" type="datetimeFigureOut">
               <a:rPr lang="en-US" smtClean="0"/>
-              <a:t>7/16/18</a:t>
+              <a:t>7/17/2018</a:t>
             </a:fld>
             <a:endParaRPr lang="en-US"/>
           </a:p>
@@ -2145,7 +2145,7 @@
           <a:p>
             <a:fld id="{4FF60DEF-4CB3-DB44-B301-DFA6EBEC847B}" type="datetimeFigureOut">
               <a:rPr lang="en-US" smtClean="0"/>
-              <a:t>7/16/18</a:t>
+              <a:t>7/17/2018</a:t>
             </a:fld>
             <a:endParaRPr lang="en-US"/>
           </a:p>
@@ -2564,7 +2564,7 @@
               </a14:hiddenLine>
             </a:ext>
             <a:ext uri="{FAA26D3D-D897-4be2-8F04-BA451C77F1D7}">
-              <ma14:placeholderFlag xmlns:ma14="http://schemas.microsoft.com/office/mac/drawingml/2011/main" val="1"/>
+              <ma14:placeholderFlag xmlns:ma14="http://schemas.microsoft.com/office/mac/drawingml/2011/main" xmlns="" val="1"/>
             </a:ext>
           </a:extLst>
         </p:spPr>
@@ -2710,7 +2710,7 @@
           <a:p>
             <a:fld id="{4FF60DEF-4CB3-DB44-B301-DFA6EBEC847B}" type="datetimeFigureOut">
               <a:rPr lang="en-US" smtClean="0"/>
-              <a:t>7/16/18</a:t>
+              <a:t>7/17/2018</a:t>
             </a:fld>
             <a:endParaRPr lang="en-US"/>
           </a:p>
@@ -2956,7 +2956,7 @@
           <a:p>
             <a:fld id="{4FF60DEF-4CB3-DB44-B301-DFA6EBEC847B}" type="datetimeFigureOut">
               <a:rPr lang="en-US" smtClean="0"/>
-              <a:t>7/16/18</a:t>
+              <a:t>7/17/2018</a:t>
             </a:fld>
             <a:endParaRPr lang="en-US"/>
           </a:p>
@@ -3188,7 +3188,7 @@
           <a:p>
             <a:fld id="{4FF60DEF-4CB3-DB44-B301-DFA6EBEC847B}" type="datetimeFigureOut">
               <a:rPr lang="en-US" smtClean="0"/>
-              <a:t>7/16/18</a:t>
+              <a:t>7/17/2018</a:t>
             </a:fld>
             <a:endParaRPr lang="en-US"/>
           </a:p>
@@ -3555,7 +3555,7 @@
           <a:p>
             <a:fld id="{4FF60DEF-4CB3-DB44-B301-DFA6EBEC847B}" type="datetimeFigureOut">
               <a:rPr lang="en-US" smtClean="0"/>
-              <a:t>7/16/18</a:t>
+              <a:t>7/17/2018</a:t>
             </a:fld>
             <a:endParaRPr lang="en-US"/>
           </a:p>
@@ -3673,7 +3673,7 @@
           <a:p>
             <a:fld id="{4FF60DEF-4CB3-DB44-B301-DFA6EBEC847B}" type="datetimeFigureOut">
               <a:rPr lang="en-US" smtClean="0"/>
-              <a:t>7/16/18</a:t>
+              <a:t>7/17/2018</a:t>
             </a:fld>
             <a:endParaRPr lang="en-US"/>
           </a:p>
@@ -3768,7 +3768,7 @@
           <a:p>
             <a:fld id="{4FF60DEF-4CB3-DB44-B301-DFA6EBEC847B}" type="datetimeFigureOut">
               <a:rPr lang="en-US" smtClean="0"/>
-              <a:t>7/16/18</a:t>
+              <a:t>7/17/2018</a:t>
             </a:fld>
             <a:endParaRPr lang="en-US"/>
           </a:p>
@@ -4045,7 +4045,7 @@
           <a:p>
             <a:fld id="{4FF60DEF-4CB3-DB44-B301-DFA6EBEC847B}" type="datetimeFigureOut">
               <a:rPr lang="en-US" smtClean="0"/>
-              <a:t>7/16/18</a:t>
+              <a:t>7/17/2018</a:t>
             </a:fld>
             <a:endParaRPr lang="en-US"/>
           </a:p>
@@ -4298,7 +4298,7 @@
           <a:p>
             <a:fld id="{4FF60DEF-4CB3-DB44-B301-DFA6EBEC847B}" type="datetimeFigureOut">
               <a:rPr lang="en-US" smtClean="0"/>
-              <a:t>7/16/18</a:t>
+              <a:t>7/17/2018</a:t>
             </a:fld>
             <a:endParaRPr lang="en-US"/>
           </a:p>
@@ -4511,7 +4511,7 @@
           <a:p>
             <a:fld id="{4FF60DEF-4CB3-DB44-B301-DFA6EBEC847B}" type="datetimeFigureOut">
               <a:rPr lang="en-US" smtClean="0"/>
-              <a:t>7/16/18</a:t>
+              <a:t>7/17/2018</a:t>
             </a:fld>
             <a:endParaRPr lang="en-US"/>
           </a:p>
@@ -6008,11 +6008,41 @@
             <a:tbl>
               <a:tblPr/>
               <a:tblGrid>
-                <a:gridCol w="553479"/>
-                <a:gridCol w="2338405"/>
-                <a:gridCol w="1271239"/>
-                <a:gridCol w="1037063"/>
-                <a:gridCol w="5454804"/>
+                <a:gridCol w="553479">
+                  <a:extLst>
+                    <a:ext uri="{9D8B030D-6E8A-4147-A177-3AD203B41FA5}">
+                      <a16:colId xmlns:a16="http://schemas.microsoft.com/office/drawing/2014/main" val="20000"/>
+                    </a:ext>
+                  </a:extLst>
+                </a:gridCol>
+                <a:gridCol w="2338405">
+                  <a:extLst>
+                    <a:ext uri="{9D8B030D-6E8A-4147-A177-3AD203B41FA5}">
+                      <a16:colId xmlns:a16="http://schemas.microsoft.com/office/drawing/2014/main" val="20001"/>
+                    </a:ext>
+                  </a:extLst>
+                </a:gridCol>
+                <a:gridCol w="1271239">
+                  <a:extLst>
+                    <a:ext uri="{9D8B030D-6E8A-4147-A177-3AD203B41FA5}">
+                      <a16:colId xmlns:a16="http://schemas.microsoft.com/office/drawing/2014/main" val="20002"/>
+                    </a:ext>
+                  </a:extLst>
+                </a:gridCol>
+                <a:gridCol w="1037063">
+                  <a:extLst>
+                    <a:ext uri="{9D8B030D-6E8A-4147-A177-3AD203B41FA5}">
+                      <a16:colId xmlns:a16="http://schemas.microsoft.com/office/drawing/2014/main" val="20003"/>
+                    </a:ext>
+                  </a:extLst>
+                </a:gridCol>
+                <a:gridCol w="5454804">
+                  <a:extLst>
+                    <a:ext uri="{9D8B030D-6E8A-4147-A177-3AD203B41FA5}">
+                      <a16:colId xmlns:a16="http://schemas.microsoft.com/office/drawing/2014/main" val="20004"/>
+                    </a:ext>
+                  </a:extLst>
+                </a:gridCol>
               </a:tblGrid>
               <a:tr h="1142290">
                 <a:tc>
@@ -6271,6 +6301,11 @@
                     </a:lnB>
                   </a:tcPr>
                 </a:tc>
+                <a:extLst>
+                  <a:ext uri="{0D108BD9-81ED-4DB2-BD59-A6C34878D82A}">
+                    <a16:rowId xmlns:a16="http://schemas.microsoft.com/office/drawing/2014/main" val="10000"/>
+                  </a:ext>
+                </a:extLst>
               </a:tr>
               <a:tr h="1669500">
                 <a:tc>
@@ -6553,6 +6588,11 @@
                     </a:lnB>
                   </a:tcPr>
                 </a:tc>
+                <a:extLst>
+                  <a:ext uri="{0D108BD9-81ED-4DB2-BD59-A6C34878D82A}">
+                    <a16:rowId xmlns:a16="http://schemas.microsoft.com/office/drawing/2014/main" val="10001"/>
+                  </a:ext>
+                </a:extLst>
               </a:tr>
               <a:tr h="1405895">
                 <a:tc>
@@ -6805,6 +6845,11 @@
                     </a:lnB>
                   </a:tcPr>
                 </a:tc>
+                <a:extLst>
+                  <a:ext uri="{0D108BD9-81ED-4DB2-BD59-A6C34878D82A}">
+                    <a16:rowId xmlns:a16="http://schemas.microsoft.com/office/drawing/2014/main" val="10002"/>
+                  </a:ext>
+                </a:extLst>
               </a:tr>
               <a:tr h="641021">
                 <a:tc>
@@ -7060,6 +7105,11 @@
                     </a:lnB>
                   </a:tcPr>
                 </a:tc>
+                <a:extLst>
+                  <a:ext uri="{0D108BD9-81ED-4DB2-BD59-A6C34878D82A}">
+                    <a16:rowId xmlns:a16="http://schemas.microsoft.com/office/drawing/2014/main" val="10003"/>
+                  </a:ext>
+                </a:extLst>
               </a:tr>
               <a:tr h="831513">
                 <a:tc>
@@ -7297,6 +7347,11 @@
                     </a:lnB>
                   </a:tcPr>
                 </a:tc>
+                <a:extLst>
+                  <a:ext uri="{0D108BD9-81ED-4DB2-BD59-A6C34878D82A}">
+                    <a16:rowId xmlns:a16="http://schemas.microsoft.com/office/drawing/2014/main" val="10004"/>
+                  </a:ext>
+                </a:extLst>
               </a:tr>
             </a:tbl>
           </a:graphicData>
@@ -7606,10 +7661,34 @@
             <a:tbl>
               <a:tblPr/>
               <a:tblGrid>
-                <a:gridCol w="3018869"/>
-                <a:gridCol w="1281480"/>
-                <a:gridCol w="1145937"/>
-                <a:gridCol w="6173282"/>
+                <a:gridCol w="3018869">
+                  <a:extLst>
+                    <a:ext uri="{9D8B030D-6E8A-4147-A177-3AD203B41FA5}">
+                      <a16:colId xmlns:a16="http://schemas.microsoft.com/office/drawing/2014/main" val="20000"/>
+                    </a:ext>
+                  </a:extLst>
+                </a:gridCol>
+                <a:gridCol w="1281480">
+                  <a:extLst>
+                    <a:ext uri="{9D8B030D-6E8A-4147-A177-3AD203B41FA5}">
+                      <a16:colId xmlns:a16="http://schemas.microsoft.com/office/drawing/2014/main" val="20001"/>
+                    </a:ext>
+                  </a:extLst>
+                </a:gridCol>
+                <a:gridCol w="1145937">
+                  <a:extLst>
+                    <a:ext uri="{9D8B030D-6E8A-4147-A177-3AD203B41FA5}">
+                      <a16:colId xmlns:a16="http://schemas.microsoft.com/office/drawing/2014/main" val="20002"/>
+                    </a:ext>
+                  </a:extLst>
+                </a:gridCol>
+                <a:gridCol w="6173282">
+                  <a:extLst>
+                    <a:ext uri="{9D8B030D-6E8A-4147-A177-3AD203B41FA5}">
+                      <a16:colId xmlns:a16="http://schemas.microsoft.com/office/drawing/2014/main" val="20003"/>
+                    </a:ext>
+                  </a:extLst>
+                </a:gridCol>
               </a:tblGrid>
               <a:tr h="2262216">
                 <a:tc>
@@ -8000,6 +8079,11 @@
                     </a:lnB>
                   </a:tcPr>
                 </a:tc>
+                <a:extLst>
+                  <a:ext uri="{0D108BD9-81ED-4DB2-BD59-A6C34878D82A}">
+                    <a16:rowId xmlns:a16="http://schemas.microsoft.com/office/drawing/2014/main" val="10000"/>
+                  </a:ext>
+                </a:extLst>
               </a:tr>
               <a:tr h="1046394">
                 <a:tc>
@@ -8468,6 +8552,11 @@
                     </a:lnB>
                   </a:tcPr>
                 </a:tc>
+                <a:extLst>
+                  <a:ext uri="{0D108BD9-81ED-4DB2-BD59-A6C34878D82A}">
+                    <a16:rowId xmlns:a16="http://schemas.microsoft.com/office/drawing/2014/main" val="10001"/>
+                  </a:ext>
+                </a:extLst>
               </a:tr>
               <a:tr h="406648">
                 <a:tc>
@@ -8667,6 +8756,11 @@
                     </a:lnB>
                   </a:tcPr>
                 </a:tc>
+                <a:extLst>
+                  <a:ext uri="{0D108BD9-81ED-4DB2-BD59-A6C34878D82A}">
+                    <a16:rowId xmlns:a16="http://schemas.microsoft.com/office/drawing/2014/main" val="10002"/>
+                  </a:ext>
+                </a:extLst>
               </a:tr>
               <a:tr h="401444">
                 <a:tc>
@@ -8870,6 +8964,11 @@
                     </a:lnB>
                   </a:tcPr>
                 </a:tc>
+                <a:extLst>
+                  <a:ext uri="{0D108BD9-81ED-4DB2-BD59-A6C34878D82A}">
+                    <a16:rowId xmlns:a16="http://schemas.microsoft.com/office/drawing/2014/main" val="10003"/>
+                  </a:ext>
+                </a:extLst>
               </a:tr>
               <a:tr h="346844">
                 <a:tc>
@@ -9073,6 +9172,11 @@
                     </a:lnB>
                   </a:tcPr>
                 </a:tc>
+                <a:extLst>
+                  <a:ext uri="{0D108BD9-81ED-4DB2-BD59-A6C34878D82A}">
+                    <a16:rowId xmlns:a16="http://schemas.microsoft.com/office/drawing/2014/main" val="10004"/>
+                  </a:ext>
+                </a:extLst>
               </a:tr>
               <a:tr h="381547">
                 <a:tc>
@@ -9276,6 +9380,11 @@
                     </a:lnB>
                   </a:tcPr>
                 </a:tc>
+                <a:extLst>
+                  <a:ext uri="{0D108BD9-81ED-4DB2-BD59-A6C34878D82A}">
+                    <a16:rowId xmlns:a16="http://schemas.microsoft.com/office/drawing/2014/main" val="10005"/>
+                  </a:ext>
+                </a:extLst>
               </a:tr>
             </a:tbl>
           </a:graphicData>
@@ -18164,7 +18273,9 @@
         </p:nvSpPr>
         <p:spPr/>
         <p:txBody>
-          <a:bodyPr/>
+          <a:bodyPr>
+            <a:normAutofit fontScale="92500" lnSpcReduction="10000"/>
+          </a:bodyPr>
           <a:lstStyle/>
           <a:p>
             <a:pPr marL="514350" indent="-514350">
@@ -18174,14 +18285,21 @@
               <a:rPr lang="en-US" dirty="0" smtClean="0"/>
               <a:t>Layering: </a:t>
             </a:r>
-          </a:p>
-          <a:p>
-            <a:pPr marL="457200" lvl="1" indent="0">
-              <a:buNone/>
-            </a:pPr>
+            <a:endParaRPr lang="en-US" dirty="0" smtClean="0"/>
+          </a:p>
+          <a:p>
+            <a:pPr lvl="1"/>
             <a:r>
               <a:rPr lang="en-US" dirty="0" smtClean="0"/>
-              <a:t>If several encapsulation protocols (e.g., in case of tunneling) are stacked on top of each other, IOAM data-records could be present at every layer. The behavior follows the ships-in-the- night model. </a:t>
+              <a:t>If </a:t>
+            </a:r>
+            <a:r>
+              <a:rPr lang="en-US" dirty="0" smtClean="0"/>
+              <a:t>several encapsulation protocols (e.g., in case of tunneling) are stacked on top of each other, IOAM data-records could be present at every layer. The behavior follows the ships-in-the- night </a:t>
+            </a:r>
+            <a:r>
+              <a:rPr lang="en-US" dirty="0" smtClean="0"/>
+              <a:t>model</a:t>
             </a:r>
             <a:r>
               <a:rPr lang="en-US" b="1" dirty="0" smtClean="0">
@@ -18189,7 +18307,15 @@
                   <a:srgbClr val="00B050"/>
                 </a:solidFill>
               </a:rPr>
-              <a:t>model, i.e. IOAM data in one layer is independent from IOAM data in another layer. Layering allows operators to instrument the protocol layer they want to measure. The different layers could, but do not have to share the same IOAM encapsulation and </a:t>
+              <a:t>, </a:t>
+            </a:r>
+            <a:r>
+              <a:rPr lang="en-US" b="1" dirty="0" smtClean="0">
+                <a:solidFill>
+                  <a:srgbClr val="00B050"/>
+                </a:solidFill>
+              </a:rPr>
+              <a:t>i.e. IOAM data in one layer is independent from IOAM data in another layer. Layering allows operators to instrument the protocol layer they want to measure. The different layers could, but do not have to share the same IOAM encapsulation and </a:t>
             </a:r>
             <a:r>
               <a:rPr lang="en-US" b="1" dirty="0" err="1" smtClean="0">
@@ -18207,6 +18333,48 @@
               <a:rPr lang="en-US" dirty="0" smtClean="0"/>
               <a:t> </a:t>
             </a:r>
+            <a:endParaRPr lang="en-US" dirty="0" smtClean="0"/>
+          </a:p>
+          <a:p>
+            <a:pPr lvl="1"/>
+            <a:r>
+              <a:rPr lang="en-US" dirty="0" smtClean="0"/>
+              <a:t>Encapsulation drafts include RFC7605 based considerations:</a:t>
+            </a:r>
+            <a:br>
+              <a:rPr lang="en-US" dirty="0" smtClean="0"/>
+            </a:br>
+            <a:r>
+              <a:rPr lang="en-US" dirty="0" smtClean="0"/>
+              <a:t>Ensure that transit devices don’t change IOAM data in environments where UDP port numbers aren’t controlled.</a:t>
+            </a:r>
+            <a:endParaRPr lang="en-US" dirty="0" smtClean="0"/>
+          </a:p>
+          <a:p>
+            <a:pPr marL="514350" indent="-514350">
+              <a:buFont typeface="+mj-lt"/>
+              <a:buAutoNum type="arabicPeriod"/>
+            </a:pPr>
+            <a:r>
+              <a:rPr lang="en-US" dirty="0" smtClean="0"/>
+              <a:t>Security Considerations</a:t>
+            </a:r>
+            <a:endParaRPr lang="en-US" dirty="0" smtClean="0"/>
+          </a:p>
+          <a:p>
+            <a:pPr lvl="1"/>
+            <a:r>
+              <a:rPr lang="en-US" dirty="0" smtClean="0"/>
+              <a:t>Details on next slide</a:t>
+            </a:r>
+            <a:r>
+              <a:rPr lang="en-US" dirty="0" smtClean="0"/>
+              <a:t/>
+            </a:r>
+            <a:br>
+              <a:rPr lang="en-US" dirty="0" smtClean="0"/>
+            </a:br>
+            <a:endParaRPr lang="en-US" dirty="0"/>
           </a:p>
         </p:txBody>
       </p:sp>
@@ -18405,7 +18573,7 @@
     </p:spTree>
     <p:extLst>
       <p:ext uri="{BB962C8B-B14F-4D97-AF65-F5344CB8AC3E}">
-        <p14:creationId xmlns:p14="http://schemas.microsoft.com/office/powerpoint/2010/main" val="847610084"/>
+        <p14:creationId xmlns:p14="http://schemas.microsoft.com/office/powerpoint/2010/main" val="1154299018"/>
       </p:ext>
     </p:extLst>
   </p:cSld>

--- a/presentations/ioam-ippm-ietf102.pptx
+++ b/presentations/ioam-ippm-ietf102.pptx
@@ -5,33 +5,37 @@
     <p:sldMasterId id="2147483648" r:id="rId1"/>
   </p:sldMasterIdLst>
   <p:notesMasterIdLst>
-    <p:notesMasterId r:id="rId26"/>
+    <p:notesMasterId r:id="rId30"/>
   </p:notesMasterIdLst>
   <p:sldIdLst>
     <p:sldId id="256" r:id="rId2"/>
     <p:sldId id="257" r:id="rId3"/>
     <p:sldId id="258" r:id="rId4"/>
     <p:sldId id="285" r:id="rId5"/>
-    <p:sldId id="261" r:id="rId6"/>
-    <p:sldId id="259" r:id="rId7"/>
-    <p:sldId id="260" r:id="rId8"/>
-    <p:sldId id="268" r:id="rId9"/>
-    <p:sldId id="262" r:id="rId10"/>
-    <p:sldId id="263" r:id="rId11"/>
-    <p:sldId id="281" r:id="rId12"/>
-    <p:sldId id="269" r:id="rId13"/>
-    <p:sldId id="270" r:id="rId14"/>
-    <p:sldId id="273" r:id="rId15"/>
-    <p:sldId id="275" r:id="rId16"/>
-    <p:sldId id="279" r:id="rId17"/>
-    <p:sldId id="264" r:id="rId18"/>
-    <p:sldId id="283" r:id="rId19"/>
-    <p:sldId id="266" r:id="rId20"/>
-    <p:sldId id="282" r:id="rId21"/>
-    <p:sldId id="280" r:id="rId22"/>
-    <p:sldId id="284" r:id="rId23"/>
-    <p:sldId id="274" r:id="rId24"/>
-    <p:sldId id="277" r:id="rId25"/>
+    <p:sldId id="286" r:id="rId6"/>
+    <p:sldId id="287" r:id="rId7"/>
+    <p:sldId id="288" r:id="rId8"/>
+    <p:sldId id="261" r:id="rId9"/>
+    <p:sldId id="259" r:id="rId10"/>
+    <p:sldId id="260" r:id="rId11"/>
+    <p:sldId id="268" r:id="rId12"/>
+    <p:sldId id="262" r:id="rId13"/>
+    <p:sldId id="263" r:id="rId14"/>
+    <p:sldId id="281" r:id="rId15"/>
+    <p:sldId id="269" r:id="rId16"/>
+    <p:sldId id="270" r:id="rId17"/>
+    <p:sldId id="273" r:id="rId18"/>
+    <p:sldId id="275" r:id="rId19"/>
+    <p:sldId id="279" r:id="rId20"/>
+    <p:sldId id="289" r:id="rId21"/>
+    <p:sldId id="264" r:id="rId22"/>
+    <p:sldId id="283" r:id="rId23"/>
+    <p:sldId id="266" r:id="rId24"/>
+    <p:sldId id="282" r:id="rId25"/>
+    <p:sldId id="280" r:id="rId26"/>
+    <p:sldId id="284" r:id="rId27"/>
+    <p:sldId id="274" r:id="rId28"/>
+    <p:sldId id="277" r:id="rId29"/>
   </p:sldIdLst>
   <p:sldSz cx="12192000" cy="6858000"/>
   <p:notesSz cx="6858000" cy="9144000"/>
@@ -220,7 +224,7 @@
           <a:p>
             <a:fld id="{616853EC-143C-4648-8EB4-0EA15AAFE799}" type="datetimeFigureOut">
               <a:rPr lang="en-US" smtClean="0"/>
-              <a:t>7/17/2018</a:t>
+              <a:t>7/18/18</a:t>
             </a:fld>
             <a:endParaRPr lang="en-US"/>
           </a:p>
@@ -635,9 +639,9 @@
           <a:bodyPr/>
           <a:lstStyle/>
           <a:p>
-            <a:fld id="{CFBC1337-9904-C24C-AEC2-18519D49AD96}" type="slidenum">
+            <a:fld id="{CDBC1743-6B79-8E4F-9948-67464FCCCF76}" type="slidenum">
               <a:rPr lang="en-US" smtClean="0"/>
-              <a:t>15</a:t>
+              <a:t>12</a:t>
             </a:fld>
             <a:endParaRPr lang="en-US"/>
           </a:p>
@@ -646,7 +650,7 @@
     </p:spTree>
     <p:extLst>
       <p:ext uri="{BB962C8B-B14F-4D97-AF65-F5344CB8AC3E}">
-        <p14:creationId xmlns:p14="http://schemas.microsoft.com/office/powerpoint/2010/main" val="63580128"/>
+        <p14:creationId xmlns:p14="http://schemas.microsoft.com/office/powerpoint/2010/main" val="201593702"/>
       </p:ext>
     </p:extLst>
   </p:cSld>
@@ -719,9 +723,9 @@
           <a:bodyPr/>
           <a:lstStyle/>
           <a:p>
-            <a:fld id="{CFBC1337-9904-C24C-AEC2-18519D49AD96}" type="slidenum">
+            <a:fld id="{CDBC1743-6B79-8E4F-9948-67464FCCCF76}" type="slidenum">
               <a:rPr lang="en-US" smtClean="0"/>
-              <a:t>16</a:t>
+              <a:t>14</a:t>
             </a:fld>
             <a:endParaRPr lang="en-US"/>
           </a:p>
@@ -730,7 +734,7 @@
     </p:spTree>
     <p:extLst>
       <p:ext uri="{BB962C8B-B14F-4D97-AF65-F5344CB8AC3E}">
-        <p14:creationId xmlns:p14="http://schemas.microsoft.com/office/powerpoint/2010/main" val="1273826049"/>
+        <p14:creationId xmlns:p14="http://schemas.microsoft.com/office/powerpoint/2010/main" val="221818676"/>
       </p:ext>
     </p:extLst>
   </p:cSld>
@@ -803,9 +807,9 @@
           <a:bodyPr/>
           <a:lstStyle/>
           <a:p>
-            <a:fld id="{CDBC1743-6B79-8E4F-9948-67464FCCCF76}" type="slidenum">
+            <a:fld id="{CFBC1337-9904-C24C-AEC2-18519D49AD96}" type="slidenum">
               <a:rPr lang="en-US" smtClean="0"/>
-              <a:t>18</a:t>
+              <a:t>15</a:t>
             </a:fld>
             <a:endParaRPr lang="en-US"/>
           </a:p>
@@ -814,7 +818,7 @@
     </p:spTree>
     <p:extLst>
       <p:ext uri="{BB962C8B-B14F-4D97-AF65-F5344CB8AC3E}">
-        <p14:creationId xmlns:p14="http://schemas.microsoft.com/office/powerpoint/2010/main" val="32884005"/>
+        <p14:creationId xmlns:p14="http://schemas.microsoft.com/office/powerpoint/2010/main" val="1605645376"/>
       </p:ext>
     </p:extLst>
   </p:cSld>
@@ -889,7 +893,7 @@
           <a:p>
             <a:fld id="{CFBC1337-9904-C24C-AEC2-18519D49AD96}" type="slidenum">
               <a:rPr lang="en-US" smtClean="0"/>
-              <a:t>23</a:t>
+              <a:t>16</a:t>
             </a:fld>
             <a:endParaRPr lang="en-US"/>
           </a:p>
@@ -898,7 +902,7 @@
     </p:spTree>
     <p:extLst>
       <p:ext uri="{BB962C8B-B14F-4D97-AF65-F5344CB8AC3E}">
-        <p14:creationId xmlns:p14="http://schemas.microsoft.com/office/powerpoint/2010/main" val="746119662"/>
+        <p14:creationId xmlns:p14="http://schemas.microsoft.com/office/powerpoint/2010/main" val="647128097"/>
       </p:ext>
     </p:extLst>
   </p:cSld>
@@ -973,7 +977,7 @@
           <a:p>
             <a:fld id="{CFBC1337-9904-C24C-AEC2-18519D49AD96}" type="slidenum">
               <a:rPr lang="en-US" smtClean="0"/>
-              <a:t>24</a:t>
+              <a:t>17</a:t>
             </a:fld>
             <a:endParaRPr lang="en-US"/>
           </a:p>
@@ -982,7 +986,427 @@
     </p:spTree>
     <p:extLst>
       <p:ext uri="{BB962C8B-B14F-4D97-AF65-F5344CB8AC3E}">
-        <p14:creationId xmlns:p14="http://schemas.microsoft.com/office/powerpoint/2010/main" val="203817226"/>
+        <p14:creationId xmlns:p14="http://schemas.microsoft.com/office/powerpoint/2010/main" val="1222273657"/>
+      </p:ext>
+    </p:extLst>
+  </p:cSld>
+  <p:clrMapOvr>
+    <a:masterClrMapping/>
+  </p:clrMapOvr>
+</p:notes>
+</file>
+
+<file path=ppt/notesSlides/notesSlide15.xml><?xml version="1.0" encoding="utf-8"?>
+<p:notes xmlns:a="http://schemas.openxmlformats.org/drawingml/2006/main" xmlns:r="http://schemas.openxmlformats.org/officeDocument/2006/relationships" xmlns:p="http://schemas.openxmlformats.org/presentationml/2006/main">
+  <p:cSld>
+    <p:spTree>
+      <p:nvGrpSpPr>
+        <p:cNvPr id="1" name=""/>
+        <p:cNvGrpSpPr/>
+        <p:nvPr/>
+      </p:nvGrpSpPr>
+      <p:grpSpPr>
+        <a:xfrm>
+          <a:off x="0" y="0"/>
+          <a:ext cx="0" cy="0"/>
+          <a:chOff x="0" y="0"/>
+          <a:chExt cx="0" cy="0"/>
+        </a:xfrm>
+      </p:grpSpPr>
+      <p:sp>
+        <p:nvSpPr>
+          <p:cNvPr id="2" name="Slide Image Placeholder 1"/>
+          <p:cNvSpPr>
+            <a:spLocks noGrp="1" noRot="1" noChangeAspect="1"/>
+          </p:cNvSpPr>
+          <p:nvPr>
+            <p:ph type="sldImg"/>
+          </p:nvPr>
+        </p:nvSpPr>
+        <p:spPr/>
+      </p:sp>
+      <p:sp>
+        <p:nvSpPr>
+          <p:cNvPr id="3" name="Notes Placeholder 2"/>
+          <p:cNvSpPr>
+            <a:spLocks noGrp="1"/>
+          </p:cNvSpPr>
+          <p:nvPr>
+            <p:ph type="body" idx="1"/>
+          </p:nvPr>
+        </p:nvSpPr>
+        <p:spPr/>
+        <p:txBody>
+          <a:bodyPr/>
+          <a:lstStyle/>
+          <a:p>
+            <a:endParaRPr lang="en-US"/>
+          </a:p>
+        </p:txBody>
+      </p:sp>
+      <p:sp>
+        <p:nvSpPr>
+          <p:cNvPr id="4" name="Slide Number Placeholder 3"/>
+          <p:cNvSpPr>
+            <a:spLocks noGrp="1"/>
+          </p:cNvSpPr>
+          <p:nvPr>
+            <p:ph type="sldNum" sz="quarter" idx="10"/>
+          </p:nvPr>
+        </p:nvSpPr>
+        <p:spPr/>
+        <p:txBody>
+          <a:bodyPr/>
+          <a:lstStyle/>
+          <a:p>
+            <a:fld id="{CFBC1337-9904-C24C-AEC2-18519D49AD96}" type="slidenum">
+              <a:rPr lang="en-US" smtClean="0"/>
+              <a:t>18</a:t>
+            </a:fld>
+            <a:endParaRPr lang="en-US"/>
+          </a:p>
+        </p:txBody>
+      </p:sp>
+    </p:spTree>
+    <p:extLst>
+      <p:ext uri="{BB962C8B-B14F-4D97-AF65-F5344CB8AC3E}">
+        <p14:creationId xmlns:p14="http://schemas.microsoft.com/office/powerpoint/2010/main" val="63580128"/>
+      </p:ext>
+    </p:extLst>
+  </p:cSld>
+  <p:clrMapOvr>
+    <a:masterClrMapping/>
+  </p:clrMapOvr>
+</p:notes>
+</file>
+
+<file path=ppt/notesSlides/notesSlide16.xml><?xml version="1.0" encoding="utf-8"?>
+<p:notes xmlns:a="http://schemas.openxmlformats.org/drawingml/2006/main" xmlns:r="http://schemas.openxmlformats.org/officeDocument/2006/relationships" xmlns:p="http://schemas.openxmlformats.org/presentationml/2006/main">
+  <p:cSld>
+    <p:spTree>
+      <p:nvGrpSpPr>
+        <p:cNvPr id="1" name=""/>
+        <p:cNvGrpSpPr/>
+        <p:nvPr/>
+      </p:nvGrpSpPr>
+      <p:grpSpPr>
+        <a:xfrm>
+          <a:off x="0" y="0"/>
+          <a:ext cx="0" cy="0"/>
+          <a:chOff x="0" y="0"/>
+          <a:chExt cx="0" cy="0"/>
+        </a:xfrm>
+      </p:grpSpPr>
+      <p:sp>
+        <p:nvSpPr>
+          <p:cNvPr id="2" name="Slide Image Placeholder 1"/>
+          <p:cNvSpPr>
+            <a:spLocks noGrp="1" noRot="1" noChangeAspect="1"/>
+          </p:cNvSpPr>
+          <p:nvPr>
+            <p:ph type="sldImg"/>
+          </p:nvPr>
+        </p:nvSpPr>
+        <p:spPr/>
+      </p:sp>
+      <p:sp>
+        <p:nvSpPr>
+          <p:cNvPr id="3" name="Notes Placeholder 2"/>
+          <p:cNvSpPr>
+            <a:spLocks noGrp="1"/>
+          </p:cNvSpPr>
+          <p:nvPr>
+            <p:ph type="body" idx="1"/>
+          </p:nvPr>
+        </p:nvSpPr>
+        <p:spPr/>
+        <p:txBody>
+          <a:bodyPr/>
+          <a:lstStyle/>
+          <a:p>
+            <a:endParaRPr lang="en-US"/>
+          </a:p>
+        </p:txBody>
+      </p:sp>
+      <p:sp>
+        <p:nvSpPr>
+          <p:cNvPr id="4" name="Slide Number Placeholder 3"/>
+          <p:cNvSpPr>
+            <a:spLocks noGrp="1"/>
+          </p:cNvSpPr>
+          <p:nvPr>
+            <p:ph type="sldNum" sz="quarter" idx="10"/>
+          </p:nvPr>
+        </p:nvSpPr>
+        <p:spPr/>
+        <p:txBody>
+          <a:bodyPr/>
+          <a:lstStyle/>
+          <a:p>
+            <a:fld id="{CFBC1337-9904-C24C-AEC2-18519D49AD96}" type="slidenum">
+              <a:rPr lang="en-US" smtClean="0"/>
+              <a:t>19</a:t>
+            </a:fld>
+            <a:endParaRPr lang="en-US"/>
+          </a:p>
+        </p:txBody>
+      </p:sp>
+    </p:spTree>
+    <p:extLst>
+      <p:ext uri="{BB962C8B-B14F-4D97-AF65-F5344CB8AC3E}">
+        <p14:creationId xmlns:p14="http://schemas.microsoft.com/office/powerpoint/2010/main" val="1273826049"/>
+      </p:ext>
+    </p:extLst>
+  </p:cSld>
+  <p:clrMapOvr>
+    <a:masterClrMapping/>
+  </p:clrMapOvr>
+</p:notes>
+</file>
+
+<file path=ppt/notesSlides/notesSlide17.xml><?xml version="1.0" encoding="utf-8"?>
+<p:notes xmlns:a="http://schemas.openxmlformats.org/drawingml/2006/main" xmlns:r="http://schemas.openxmlformats.org/officeDocument/2006/relationships" xmlns:p="http://schemas.openxmlformats.org/presentationml/2006/main">
+  <p:cSld>
+    <p:spTree>
+      <p:nvGrpSpPr>
+        <p:cNvPr id="1" name=""/>
+        <p:cNvGrpSpPr/>
+        <p:nvPr/>
+      </p:nvGrpSpPr>
+      <p:grpSpPr>
+        <a:xfrm>
+          <a:off x="0" y="0"/>
+          <a:ext cx="0" cy="0"/>
+          <a:chOff x="0" y="0"/>
+          <a:chExt cx="0" cy="0"/>
+        </a:xfrm>
+      </p:grpSpPr>
+      <p:sp>
+        <p:nvSpPr>
+          <p:cNvPr id="2" name="Slide Image Placeholder 1"/>
+          <p:cNvSpPr>
+            <a:spLocks noGrp="1" noRot="1" noChangeAspect="1"/>
+          </p:cNvSpPr>
+          <p:nvPr>
+            <p:ph type="sldImg"/>
+          </p:nvPr>
+        </p:nvSpPr>
+        <p:spPr/>
+      </p:sp>
+      <p:sp>
+        <p:nvSpPr>
+          <p:cNvPr id="3" name="Notes Placeholder 2"/>
+          <p:cNvSpPr>
+            <a:spLocks noGrp="1"/>
+          </p:cNvSpPr>
+          <p:nvPr>
+            <p:ph type="body" idx="1"/>
+          </p:nvPr>
+        </p:nvSpPr>
+        <p:spPr/>
+        <p:txBody>
+          <a:bodyPr/>
+          <a:lstStyle/>
+          <a:p>
+            <a:endParaRPr lang="en-US"/>
+          </a:p>
+        </p:txBody>
+      </p:sp>
+      <p:sp>
+        <p:nvSpPr>
+          <p:cNvPr id="4" name="Slide Number Placeholder 3"/>
+          <p:cNvSpPr>
+            <a:spLocks noGrp="1"/>
+          </p:cNvSpPr>
+          <p:nvPr>
+            <p:ph type="sldNum" sz="quarter" idx="10"/>
+          </p:nvPr>
+        </p:nvSpPr>
+        <p:spPr/>
+        <p:txBody>
+          <a:bodyPr/>
+          <a:lstStyle/>
+          <a:p>
+            <a:fld id="{CDBC1743-6B79-8E4F-9948-67464FCCCF76}" type="slidenum">
+              <a:rPr lang="en-US" smtClean="0"/>
+              <a:t>20</a:t>
+            </a:fld>
+            <a:endParaRPr lang="en-US"/>
+          </a:p>
+        </p:txBody>
+      </p:sp>
+    </p:spTree>
+    <p:extLst>
+      <p:ext uri="{BB962C8B-B14F-4D97-AF65-F5344CB8AC3E}">
+        <p14:creationId xmlns:p14="http://schemas.microsoft.com/office/powerpoint/2010/main" val="1088851187"/>
+      </p:ext>
+    </p:extLst>
+  </p:cSld>
+  <p:clrMapOvr>
+    <a:masterClrMapping/>
+  </p:clrMapOvr>
+</p:notes>
+</file>
+
+<file path=ppt/notesSlides/notesSlide18.xml><?xml version="1.0" encoding="utf-8"?>
+<p:notes xmlns:a="http://schemas.openxmlformats.org/drawingml/2006/main" xmlns:r="http://schemas.openxmlformats.org/officeDocument/2006/relationships" xmlns:p="http://schemas.openxmlformats.org/presentationml/2006/main">
+  <p:cSld>
+    <p:spTree>
+      <p:nvGrpSpPr>
+        <p:cNvPr id="1" name=""/>
+        <p:cNvGrpSpPr/>
+        <p:nvPr/>
+      </p:nvGrpSpPr>
+      <p:grpSpPr>
+        <a:xfrm>
+          <a:off x="0" y="0"/>
+          <a:ext cx="0" cy="0"/>
+          <a:chOff x="0" y="0"/>
+          <a:chExt cx="0" cy="0"/>
+        </a:xfrm>
+      </p:grpSpPr>
+      <p:sp>
+        <p:nvSpPr>
+          <p:cNvPr id="2" name="Slide Image Placeholder 1"/>
+          <p:cNvSpPr>
+            <a:spLocks noGrp="1" noRot="1" noChangeAspect="1"/>
+          </p:cNvSpPr>
+          <p:nvPr>
+            <p:ph type="sldImg"/>
+          </p:nvPr>
+        </p:nvSpPr>
+        <p:spPr/>
+      </p:sp>
+      <p:sp>
+        <p:nvSpPr>
+          <p:cNvPr id="3" name="Notes Placeholder 2"/>
+          <p:cNvSpPr>
+            <a:spLocks noGrp="1"/>
+          </p:cNvSpPr>
+          <p:nvPr>
+            <p:ph type="body" idx="1"/>
+          </p:nvPr>
+        </p:nvSpPr>
+        <p:spPr/>
+        <p:txBody>
+          <a:bodyPr/>
+          <a:lstStyle/>
+          <a:p>
+            <a:endParaRPr lang="en-US"/>
+          </a:p>
+        </p:txBody>
+      </p:sp>
+      <p:sp>
+        <p:nvSpPr>
+          <p:cNvPr id="4" name="Slide Number Placeholder 3"/>
+          <p:cNvSpPr>
+            <a:spLocks noGrp="1"/>
+          </p:cNvSpPr>
+          <p:nvPr>
+            <p:ph type="sldNum" sz="quarter" idx="10"/>
+          </p:nvPr>
+        </p:nvSpPr>
+        <p:spPr/>
+        <p:txBody>
+          <a:bodyPr/>
+          <a:lstStyle/>
+          <a:p>
+            <a:fld id="{CDBC1743-6B79-8E4F-9948-67464FCCCF76}" type="slidenum">
+              <a:rPr lang="en-US" smtClean="0"/>
+              <a:t>22</a:t>
+            </a:fld>
+            <a:endParaRPr lang="en-US"/>
+          </a:p>
+        </p:txBody>
+      </p:sp>
+    </p:spTree>
+    <p:extLst>
+      <p:ext uri="{BB962C8B-B14F-4D97-AF65-F5344CB8AC3E}">
+        <p14:creationId xmlns:p14="http://schemas.microsoft.com/office/powerpoint/2010/main" val="32884005"/>
+      </p:ext>
+    </p:extLst>
+  </p:cSld>
+  <p:clrMapOvr>
+    <a:masterClrMapping/>
+  </p:clrMapOvr>
+</p:notes>
+</file>
+
+<file path=ppt/notesSlides/notesSlide19.xml><?xml version="1.0" encoding="utf-8"?>
+<p:notes xmlns:a="http://schemas.openxmlformats.org/drawingml/2006/main" xmlns:r="http://schemas.openxmlformats.org/officeDocument/2006/relationships" xmlns:p="http://schemas.openxmlformats.org/presentationml/2006/main">
+  <p:cSld>
+    <p:spTree>
+      <p:nvGrpSpPr>
+        <p:cNvPr id="1" name=""/>
+        <p:cNvGrpSpPr/>
+        <p:nvPr/>
+      </p:nvGrpSpPr>
+      <p:grpSpPr>
+        <a:xfrm>
+          <a:off x="0" y="0"/>
+          <a:ext cx="0" cy="0"/>
+          <a:chOff x="0" y="0"/>
+          <a:chExt cx="0" cy="0"/>
+        </a:xfrm>
+      </p:grpSpPr>
+      <p:sp>
+        <p:nvSpPr>
+          <p:cNvPr id="2" name="Slide Image Placeholder 1"/>
+          <p:cNvSpPr>
+            <a:spLocks noGrp="1" noRot="1" noChangeAspect="1"/>
+          </p:cNvSpPr>
+          <p:nvPr>
+            <p:ph type="sldImg"/>
+          </p:nvPr>
+        </p:nvSpPr>
+        <p:spPr/>
+      </p:sp>
+      <p:sp>
+        <p:nvSpPr>
+          <p:cNvPr id="3" name="Notes Placeholder 2"/>
+          <p:cNvSpPr>
+            <a:spLocks noGrp="1"/>
+          </p:cNvSpPr>
+          <p:nvPr>
+            <p:ph type="body" idx="1"/>
+          </p:nvPr>
+        </p:nvSpPr>
+        <p:spPr/>
+        <p:txBody>
+          <a:bodyPr/>
+          <a:lstStyle/>
+          <a:p>
+            <a:endParaRPr lang="en-US"/>
+          </a:p>
+        </p:txBody>
+      </p:sp>
+      <p:sp>
+        <p:nvSpPr>
+          <p:cNvPr id="4" name="Slide Number Placeholder 3"/>
+          <p:cNvSpPr>
+            <a:spLocks noGrp="1"/>
+          </p:cNvSpPr>
+          <p:nvPr>
+            <p:ph type="sldNum" sz="quarter" idx="10"/>
+          </p:nvPr>
+        </p:nvSpPr>
+        <p:spPr/>
+        <p:txBody>
+          <a:bodyPr/>
+          <a:lstStyle/>
+          <a:p>
+            <a:fld id="{CDBC1743-6B79-8E4F-9948-67464FCCCF76}" type="slidenum">
+              <a:rPr lang="en-US" smtClean="0"/>
+              <a:t>25</a:t>
+            </a:fld>
+            <a:endParaRPr lang="en-US"/>
+          </a:p>
+        </p:txBody>
+      </p:sp>
+    </p:spTree>
+    <p:extLst>
+      <p:ext uri="{BB962C8B-B14F-4D97-AF65-F5344CB8AC3E}">
+        <p14:creationId xmlns:p14="http://schemas.microsoft.com/office/powerpoint/2010/main" val="74876340"/>
       </p:ext>
     </p:extLst>
   </p:cSld>
@@ -1076,6 +1500,258 @@
 </p:notes>
 </file>
 
+<file path=ppt/notesSlides/notesSlide20.xml><?xml version="1.0" encoding="utf-8"?>
+<p:notes xmlns:a="http://schemas.openxmlformats.org/drawingml/2006/main" xmlns:r="http://schemas.openxmlformats.org/officeDocument/2006/relationships" xmlns:p="http://schemas.openxmlformats.org/presentationml/2006/main">
+  <p:cSld>
+    <p:spTree>
+      <p:nvGrpSpPr>
+        <p:cNvPr id="1" name=""/>
+        <p:cNvGrpSpPr/>
+        <p:nvPr/>
+      </p:nvGrpSpPr>
+      <p:grpSpPr>
+        <a:xfrm>
+          <a:off x="0" y="0"/>
+          <a:ext cx="0" cy="0"/>
+          <a:chOff x="0" y="0"/>
+          <a:chExt cx="0" cy="0"/>
+        </a:xfrm>
+      </p:grpSpPr>
+      <p:sp>
+        <p:nvSpPr>
+          <p:cNvPr id="2" name="Slide Image Placeholder 1"/>
+          <p:cNvSpPr>
+            <a:spLocks noGrp="1" noRot="1" noChangeAspect="1"/>
+          </p:cNvSpPr>
+          <p:nvPr>
+            <p:ph type="sldImg"/>
+          </p:nvPr>
+        </p:nvSpPr>
+        <p:spPr/>
+      </p:sp>
+      <p:sp>
+        <p:nvSpPr>
+          <p:cNvPr id="3" name="Notes Placeholder 2"/>
+          <p:cNvSpPr>
+            <a:spLocks noGrp="1"/>
+          </p:cNvSpPr>
+          <p:nvPr>
+            <p:ph type="body" idx="1"/>
+          </p:nvPr>
+        </p:nvSpPr>
+        <p:spPr/>
+        <p:txBody>
+          <a:bodyPr/>
+          <a:lstStyle/>
+          <a:p>
+            <a:endParaRPr lang="en-US"/>
+          </a:p>
+        </p:txBody>
+      </p:sp>
+      <p:sp>
+        <p:nvSpPr>
+          <p:cNvPr id="4" name="Slide Number Placeholder 3"/>
+          <p:cNvSpPr>
+            <a:spLocks noGrp="1"/>
+          </p:cNvSpPr>
+          <p:nvPr>
+            <p:ph type="sldNum" sz="quarter" idx="10"/>
+          </p:nvPr>
+        </p:nvSpPr>
+        <p:spPr/>
+        <p:txBody>
+          <a:bodyPr/>
+          <a:lstStyle/>
+          <a:p>
+            <a:fld id="{CDBC1743-6B79-8E4F-9948-67464FCCCF76}" type="slidenum">
+              <a:rPr lang="en-US" smtClean="0"/>
+              <a:t>26</a:t>
+            </a:fld>
+            <a:endParaRPr lang="en-US"/>
+          </a:p>
+        </p:txBody>
+      </p:sp>
+    </p:spTree>
+    <p:extLst>
+      <p:ext uri="{BB962C8B-B14F-4D97-AF65-F5344CB8AC3E}">
+        <p14:creationId xmlns:p14="http://schemas.microsoft.com/office/powerpoint/2010/main" val="21229238"/>
+      </p:ext>
+    </p:extLst>
+  </p:cSld>
+  <p:clrMapOvr>
+    <a:masterClrMapping/>
+  </p:clrMapOvr>
+</p:notes>
+</file>
+
+<file path=ppt/notesSlides/notesSlide21.xml><?xml version="1.0" encoding="utf-8"?>
+<p:notes xmlns:a="http://schemas.openxmlformats.org/drawingml/2006/main" xmlns:r="http://schemas.openxmlformats.org/officeDocument/2006/relationships" xmlns:p="http://schemas.openxmlformats.org/presentationml/2006/main">
+  <p:cSld>
+    <p:spTree>
+      <p:nvGrpSpPr>
+        <p:cNvPr id="1" name=""/>
+        <p:cNvGrpSpPr/>
+        <p:nvPr/>
+      </p:nvGrpSpPr>
+      <p:grpSpPr>
+        <a:xfrm>
+          <a:off x="0" y="0"/>
+          <a:ext cx="0" cy="0"/>
+          <a:chOff x="0" y="0"/>
+          <a:chExt cx="0" cy="0"/>
+        </a:xfrm>
+      </p:grpSpPr>
+      <p:sp>
+        <p:nvSpPr>
+          <p:cNvPr id="2" name="Slide Image Placeholder 1"/>
+          <p:cNvSpPr>
+            <a:spLocks noGrp="1" noRot="1" noChangeAspect="1"/>
+          </p:cNvSpPr>
+          <p:nvPr>
+            <p:ph type="sldImg"/>
+          </p:nvPr>
+        </p:nvSpPr>
+        <p:spPr/>
+      </p:sp>
+      <p:sp>
+        <p:nvSpPr>
+          <p:cNvPr id="3" name="Notes Placeholder 2"/>
+          <p:cNvSpPr>
+            <a:spLocks noGrp="1"/>
+          </p:cNvSpPr>
+          <p:nvPr>
+            <p:ph type="body" idx="1"/>
+          </p:nvPr>
+        </p:nvSpPr>
+        <p:spPr/>
+        <p:txBody>
+          <a:bodyPr/>
+          <a:lstStyle/>
+          <a:p>
+            <a:endParaRPr lang="en-US"/>
+          </a:p>
+        </p:txBody>
+      </p:sp>
+      <p:sp>
+        <p:nvSpPr>
+          <p:cNvPr id="4" name="Slide Number Placeholder 3"/>
+          <p:cNvSpPr>
+            <a:spLocks noGrp="1"/>
+          </p:cNvSpPr>
+          <p:nvPr>
+            <p:ph type="sldNum" sz="quarter" idx="10"/>
+          </p:nvPr>
+        </p:nvSpPr>
+        <p:spPr/>
+        <p:txBody>
+          <a:bodyPr/>
+          <a:lstStyle/>
+          <a:p>
+            <a:fld id="{CFBC1337-9904-C24C-AEC2-18519D49AD96}" type="slidenum">
+              <a:rPr lang="en-US" smtClean="0"/>
+              <a:t>27</a:t>
+            </a:fld>
+            <a:endParaRPr lang="en-US"/>
+          </a:p>
+        </p:txBody>
+      </p:sp>
+    </p:spTree>
+    <p:extLst>
+      <p:ext uri="{BB962C8B-B14F-4D97-AF65-F5344CB8AC3E}">
+        <p14:creationId xmlns:p14="http://schemas.microsoft.com/office/powerpoint/2010/main" val="746119662"/>
+      </p:ext>
+    </p:extLst>
+  </p:cSld>
+  <p:clrMapOvr>
+    <a:masterClrMapping/>
+  </p:clrMapOvr>
+</p:notes>
+</file>
+
+<file path=ppt/notesSlides/notesSlide22.xml><?xml version="1.0" encoding="utf-8"?>
+<p:notes xmlns:a="http://schemas.openxmlformats.org/drawingml/2006/main" xmlns:r="http://schemas.openxmlformats.org/officeDocument/2006/relationships" xmlns:p="http://schemas.openxmlformats.org/presentationml/2006/main">
+  <p:cSld>
+    <p:spTree>
+      <p:nvGrpSpPr>
+        <p:cNvPr id="1" name=""/>
+        <p:cNvGrpSpPr/>
+        <p:nvPr/>
+      </p:nvGrpSpPr>
+      <p:grpSpPr>
+        <a:xfrm>
+          <a:off x="0" y="0"/>
+          <a:ext cx="0" cy="0"/>
+          <a:chOff x="0" y="0"/>
+          <a:chExt cx="0" cy="0"/>
+        </a:xfrm>
+      </p:grpSpPr>
+      <p:sp>
+        <p:nvSpPr>
+          <p:cNvPr id="2" name="Slide Image Placeholder 1"/>
+          <p:cNvSpPr>
+            <a:spLocks noGrp="1" noRot="1" noChangeAspect="1"/>
+          </p:cNvSpPr>
+          <p:nvPr>
+            <p:ph type="sldImg"/>
+          </p:nvPr>
+        </p:nvSpPr>
+        <p:spPr/>
+      </p:sp>
+      <p:sp>
+        <p:nvSpPr>
+          <p:cNvPr id="3" name="Notes Placeholder 2"/>
+          <p:cNvSpPr>
+            <a:spLocks noGrp="1"/>
+          </p:cNvSpPr>
+          <p:nvPr>
+            <p:ph type="body" idx="1"/>
+          </p:nvPr>
+        </p:nvSpPr>
+        <p:spPr/>
+        <p:txBody>
+          <a:bodyPr/>
+          <a:lstStyle/>
+          <a:p>
+            <a:endParaRPr lang="en-US"/>
+          </a:p>
+        </p:txBody>
+      </p:sp>
+      <p:sp>
+        <p:nvSpPr>
+          <p:cNvPr id="4" name="Slide Number Placeholder 3"/>
+          <p:cNvSpPr>
+            <a:spLocks noGrp="1"/>
+          </p:cNvSpPr>
+          <p:nvPr>
+            <p:ph type="sldNum" sz="quarter" idx="10"/>
+          </p:nvPr>
+        </p:nvSpPr>
+        <p:spPr/>
+        <p:txBody>
+          <a:bodyPr/>
+          <a:lstStyle/>
+          <a:p>
+            <a:fld id="{CFBC1337-9904-C24C-AEC2-18519D49AD96}" type="slidenum">
+              <a:rPr lang="en-US" smtClean="0"/>
+              <a:t>28</a:t>
+            </a:fld>
+            <a:endParaRPr lang="en-US"/>
+          </a:p>
+        </p:txBody>
+      </p:sp>
+    </p:spTree>
+    <p:extLst>
+      <p:ext uri="{BB962C8B-B14F-4D97-AF65-F5344CB8AC3E}">
+        <p14:creationId xmlns:p14="http://schemas.microsoft.com/office/powerpoint/2010/main" val="203817226"/>
+      </p:ext>
+    </p:extLst>
+  </p:cSld>
+  <p:clrMapOvr>
+    <a:masterClrMapping/>
+  </p:clrMapOvr>
+</p:notes>
+</file>
+
 <file path=ppt/notesSlides/notesSlide3.xml><?xml version="1.0" encoding="utf-8"?>
 <p:notes xmlns:a="http://schemas.openxmlformats.org/drawingml/2006/main" xmlns:r="http://schemas.openxmlformats.org/officeDocument/2006/relationships" xmlns:p="http://schemas.openxmlformats.org/presentationml/2006/main">
   <p:cSld>
@@ -1141,7 +1817,7 @@
           <a:p>
             <a:fld id="{CDBC1743-6B79-8E4F-9948-67464FCCCF76}" type="slidenum">
               <a:rPr lang="en-US" smtClean="0"/>
-              <a:t>6</a:t>
+              <a:t>4</a:t>
             </a:fld>
             <a:endParaRPr lang="en-US"/>
           </a:p>
@@ -1150,7 +1826,7 @@
     </p:spTree>
     <p:extLst>
       <p:ext uri="{BB962C8B-B14F-4D97-AF65-F5344CB8AC3E}">
-        <p14:creationId xmlns:p14="http://schemas.microsoft.com/office/powerpoint/2010/main" val="149010675"/>
+        <p14:creationId xmlns:p14="http://schemas.microsoft.com/office/powerpoint/2010/main" val="317517664"/>
       </p:ext>
     </p:extLst>
   </p:cSld>
@@ -1225,7 +1901,7 @@
           <a:p>
             <a:fld id="{CDBC1743-6B79-8E4F-9948-67464FCCCF76}" type="slidenum">
               <a:rPr lang="en-US" smtClean="0"/>
-              <a:t>7</a:t>
+              <a:t>5</a:t>
             </a:fld>
             <a:endParaRPr lang="en-US"/>
           </a:p>
@@ -1234,7 +1910,7 @@
     </p:spTree>
     <p:extLst>
       <p:ext uri="{BB962C8B-B14F-4D97-AF65-F5344CB8AC3E}">
-        <p14:creationId xmlns:p14="http://schemas.microsoft.com/office/powerpoint/2010/main" val="456482323"/>
+        <p14:creationId xmlns:p14="http://schemas.microsoft.com/office/powerpoint/2010/main" val="22516053"/>
       </p:ext>
     </p:extLst>
   </p:cSld>
@@ -1309,7 +1985,7 @@
           <a:p>
             <a:fld id="{CDBC1743-6B79-8E4F-9948-67464FCCCF76}" type="slidenum">
               <a:rPr lang="en-US" smtClean="0"/>
-              <a:t>8</a:t>
+              <a:t>6</a:t>
             </a:fld>
             <a:endParaRPr lang="en-US"/>
           </a:p>
@@ -1318,7 +1994,7 @@
     </p:spTree>
     <p:extLst>
       <p:ext uri="{BB962C8B-B14F-4D97-AF65-F5344CB8AC3E}">
-        <p14:creationId xmlns:p14="http://schemas.microsoft.com/office/powerpoint/2010/main" val="1286815577"/>
+        <p14:creationId xmlns:p14="http://schemas.microsoft.com/office/powerpoint/2010/main" val="470180899"/>
       </p:ext>
     </p:extLst>
   </p:cSld>
@@ -1393,7 +2069,7 @@
           <a:p>
             <a:fld id="{CDBC1743-6B79-8E4F-9948-67464FCCCF76}" type="slidenum">
               <a:rPr lang="en-US" smtClean="0"/>
-              <a:t>9</a:t>
+              <a:t>7</a:t>
             </a:fld>
             <a:endParaRPr lang="en-US"/>
           </a:p>
@@ -1402,7 +2078,7 @@
     </p:spTree>
     <p:extLst>
       <p:ext uri="{BB962C8B-B14F-4D97-AF65-F5344CB8AC3E}">
-        <p14:creationId xmlns:p14="http://schemas.microsoft.com/office/powerpoint/2010/main" val="201593702"/>
+        <p14:creationId xmlns:p14="http://schemas.microsoft.com/office/powerpoint/2010/main" val="1738032180"/>
       </p:ext>
     </p:extLst>
   </p:cSld>
@@ -1475,9 +2151,9 @@
           <a:bodyPr/>
           <a:lstStyle/>
           <a:p>
-            <a:fld id="{CFBC1337-9904-C24C-AEC2-18519D49AD96}" type="slidenum">
+            <a:fld id="{CDBC1743-6B79-8E4F-9948-67464FCCCF76}" type="slidenum">
               <a:rPr lang="en-US" smtClean="0"/>
-              <a:t>12</a:t>
+              <a:t>9</a:t>
             </a:fld>
             <a:endParaRPr lang="en-US"/>
           </a:p>
@@ -1486,7 +2162,7 @@
     </p:spTree>
     <p:extLst>
       <p:ext uri="{BB962C8B-B14F-4D97-AF65-F5344CB8AC3E}">
-        <p14:creationId xmlns:p14="http://schemas.microsoft.com/office/powerpoint/2010/main" val="1605645376"/>
+        <p14:creationId xmlns:p14="http://schemas.microsoft.com/office/powerpoint/2010/main" val="149010675"/>
       </p:ext>
     </p:extLst>
   </p:cSld>
@@ -1559,9 +2235,9 @@
           <a:bodyPr/>
           <a:lstStyle/>
           <a:p>
-            <a:fld id="{CFBC1337-9904-C24C-AEC2-18519D49AD96}" type="slidenum">
+            <a:fld id="{CDBC1743-6B79-8E4F-9948-67464FCCCF76}" type="slidenum">
               <a:rPr lang="en-US" smtClean="0"/>
-              <a:t>13</a:t>
+              <a:t>10</a:t>
             </a:fld>
             <a:endParaRPr lang="en-US"/>
           </a:p>
@@ -1570,7 +2246,7 @@
     </p:spTree>
     <p:extLst>
       <p:ext uri="{BB962C8B-B14F-4D97-AF65-F5344CB8AC3E}">
-        <p14:creationId xmlns:p14="http://schemas.microsoft.com/office/powerpoint/2010/main" val="647128097"/>
+        <p14:creationId xmlns:p14="http://schemas.microsoft.com/office/powerpoint/2010/main" val="456482323"/>
       </p:ext>
     </p:extLst>
   </p:cSld>
@@ -1643,9 +2319,9 @@
           <a:bodyPr/>
           <a:lstStyle/>
           <a:p>
-            <a:fld id="{CFBC1337-9904-C24C-AEC2-18519D49AD96}" type="slidenum">
+            <a:fld id="{CDBC1743-6B79-8E4F-9948-67464FCCCF76}" type="slidenum">
               <a:rPr lang="en-US" smtClean="0"/>
-              <a:t>14</a:t>
+              <a:t>11</a:t>
             </a:fld>
             <a:endParaRPr lang="en-US"/>
           </a:p>
@@ -1654,7 +2330,7 @@
     </p:spTree>
     <p:extLst>
       <p:ext uri="{BB962C8B-B14F-4D97-AF65-F5344CB8AC3E}">
-        <p14:creationId xmlns:p14="http://schemas.microsoft.com/office/powerpoint/2010/main" val="1222273657"/>
+        <p14:creationId xmlns:p14="http://schemas.microsoft.com/office/powerpoint/2010/main" val="1286815577"/>
       </p:ext>
     </p:extLst>
   </p:cSld>
@@ -1795,7 +2471,7 @@
           <a:p>
             <a:fld id="{4FF60DEF-4CB3-DB44-B301-DFA6EBEC847B}" type="datetimeFigureOut">
               <a:rPr lang="en-US" smtClean="0"/>
-              <a:t>7/17/2018</a:t>
+              <a:t>7/18/18</a:t>
             </a:fld>
             <a:endParaRPr lang="en-US"/>
           </a:p>
@@ -1965,7 +2641,7 @@
           <a:p>
             <a:fld id="{4FF60DEF-4CB3-DB44-B301-DFA6EBEC847B}" type="datetimeFigureOut">
               <a:rPr lang="en-US" smtClean="0"/>
-              <a:t>7/17/2018</a:t>
+              <a:t>7/18/18</a:t>
             </a:fld>
             <a:endParaRPr lang="en-US"/>
           </a:p>
@@ -2145,7 +2821,7 @@
           <a:p>
             <a:fld id="{4FF60DEF-4CB3-DB44-B301-DFA6EBEC847B}" type="datetimeFigureOut">
               <a:rPr lang="en-US" smtClean="0"/>
-              <a:t>7/17/2018</a:t>
+              <a:t>7/18/18</a:t>
             </a:fld>
             <a:endParaRPr lang="en-US"/>
           </a:p>
@@ -2564,7 +3240,7 @@
               </a14:hiddenLine>
             </a:ext>
             <a:ext uri="{FAA26D3D-D897-4be2-8F04-BA451C77F1D7}">
-              <ma14:placeholderFlag xmlns:ma14="http://schemas.microsoft.com/office/mac/drawingml/2011/main" xmlns="" val="1"/>
+              <ma14:placeholderFlag xmlns:ma14="http://schemas.microsoft.com/office/mac/drawingml/2011/main" val="1"/>
             </a:ext>
           </a:extLst>
         </p:spPr>
@@ -2710,7 +3386,7 @@
           <a:p>
             <a:fld id="{4FF60DEF-4CB3-DB44-B301-DFA6EBEC847B}" type="datetimeFigureOut">
               <a:rPr lang="en-US" smtClean="0"/>
-              <a:t>7/17/2018</a:t>
+              <a:t>7/18/18</a:t>
             </a:fld>
             <a:endParaRPr lang="en-US"/>
           </a:p>
@@ -2956,7 +3632,7 @@
           <a:p>
             <a:fld id="{4FF60DEF-4CB3-DB44-B301-DFA6EBEC847B}" type="datetimeFigureOut">
               <a:rPr lang="en-US" smtClean="0"/>
-              <a:t>7/17/2018</a:t>
+              <a:t>7/18/18</a:t>
             </a:fld>
             <a:endParaRPr lang="en-US"/>
           </a:p>
@@ -3188,7 +3864,7 @@
           <a:p>
             <a:fld id="{4FF60DEF-4CB3-DB44-B301-DFA6EBEC847B}" type="datetimeFigureOut">
               <a:rPr lang="en-US" smtClean="0"/>
-              <a:t>7/17/2018</a:t>
+              <a:t>7/18/18</a:t>
             </a:fld>
             <a:endParaRPr lang="en-US"/>
           </a:p>
@@ -3555,7 +4231,7 @@
           <a:p>
             <a:fld id="{4FF60DEF-4CB3-DB44-B301-DFA6EBEC847B}" type="datetimeFigureOut">
               <a:rPr lang="en-US" smtClean="0"/>
-              <a:t>7/17/2018</a:t>
+              <a:t>7/18/18</a:t>
             </a:fld>
             <a:endParaRPr lang="en-US"/>
           </a:p>
@@ -3673,7 +4349,7 @@
           <a:p>
             <a:fld id="{4FF60DEF-4CB3-DB44-B301-DFA6EBEC847B}" type="datetimeFigureOut">
               <a:rPr lang="en-US" smtClean="0"/>
-              <a:t>7/17/2018</a:t>
+              <a:t>7/18/18</a:t>
             </a:fld>
             <a:endParaRPr lang="en-US"/>
           </a:p>
@@ -3768,7 +4444,7 @@
           <a:p>
             <a:fld id="{4FF60DEF-4CB3-DB44-B301-DFA6EBEC847B}" type="datetimeFigureOut">
               <a:rPr lang="en-US" smtClean="0"/>
-              <a:t>7/17/2018</a:t>
+              <a:t>7/18/18</a:t>
             </a:fld>
             <a:endParaRPr lang="en-US"/>
           </a:p>
@@ -4045,7 +4721,7 @@
           <a:p>
             <a:fld id="{4FF60DEF-4CB3-DB44-B301-DFA6EBEC847B}" type="datetimeFigureOut">
               <a:rPr lang="en-US" smtClean="0"/>
-              <a:t>7/17/2018</a:t>
+              <a:t>7/18/18</a:t>
             </a:fld>
             <a:endParaRPr lang="en-US"/>
           </a:p>
@@ -4298,7 +4974,7 @@
           <a:p>
             <a:fld id="{4FF60DEF-4CB3-DB44-B301-DFA6EBEC847B}" type="datetimeFigureOut">
               <a:rPr lang="en-US" smtClean="0"/>
-              <a:t>7/17/2018</a:t>
+              <a:t>7/18/18</a:t>
             </a:fld>
             <a:endParaRPr lang="en-US"/>
           </a:p>
@@ -4511,7 +5187,7 @@
           <a:p>
             <a:fld id="{4FF60DEF-4CB3-DB44-B301-DFA6EBEC847B}" type="datetimeFigureOut">
               <a:rPr lang="en-US" smtClean="0"/>
-              <a:t>7/17/2018</a:t>
+              <a:t>7/18/18</a:t>
             </a:fld>
             <a:endParaRPr lang="en-US"/>
           </a:p>
@@ -5031,6 +5707,1416 @@
       </p:grpSpPr>
       <p:sp>
         <p:nvSpPr>
+          <p:cNvPr id="2" name="Title 1"/>
+          <p:cNvSpPr>
+            <a:spLocks noGrp="1"/>
+          </p:cNvSpPr>
+          <p:nvPr>
+            <p:ph type="title"/>
+          </p:nvPr>
+        </p:nvSpPr>
+        <p:spPr>
+          <a:xfrm>
+            <a:off x="836341" y="533881"/>
+            <a:ext cx="10874664" cy="975783"/>
+          </a:xfrm>
+        </p:spPr>
+        <p:txBody>
+          <a:bodyPr>
+            <a:normAutofit fontScale="90000"/>
+          </a:bodyPr>
+          <a:lstStyle/>
+          <a:p>
+            <a:r>
+              <a:rPr lang="de-DE" dirty="0" smtClean="0"/>
+              <a:t>IOAM in </a:t>
+            </a:r>
+            <a:r>
+              <a:rPr lang="de-DE" dirty="0" err="1" smtClean="0"/>
+              <a:t>Geneve</a:t>
+            </a:r>
+            <a:r>
+              <a:rPr lang="de-DE" dirty="0" smtClean="0"/>
+              <a:t> </a:t>
+            </a:r>
+            <a:br>
+              <a:rPr lang="de-DE" dirty="0" smtClean="0"/>
+            </a:br>
+            <a:r>
+              <a:rPr lang="de-DE" sz="3100" dirty="0" err="1" smtClean="0">
+                <a:solidFill>
+                  <a:schemeClr val="tx1">
+                    <a:lumMod val="50000"/>
+                  </a:schemeClr>
+                </a:solidFill>
+                <a:hlinkClick r:id="rId3"/>
+              </a:rPr>
+              <a:t>draft-brockners-ippm-ioam-geneve</a:t>
+            </a:r>
+            <a:endParaRPr lang="de-DE" sz="3100" dirty="0"/>
+          </a:p>
+        </p:txBody>
+      </p:sp>
+      <p:cxnSp>
+        <p:nvCxnSpPr>
+          <p:cNvPr id="7" name="Straight Arrow Connector 6"/>
+          <p:cNvCxnSpPr/>
+          <p:nvPr/>
+        </p:nvCxnSpPr>
+        <p:spPr>
+          <a:xfrm flipV="1">
+            <a:off x="6957540" y="2579081"/>
+            <a:ext cx="1533236" cy="1"/>
+          </a:xfrm>
+          <a:prstGeom prst="straightConnector1">
+            <a:avLst/>
+          </a:prstGeom>
+          <a:ln w="25400">
+            <a:tailEnd type="triangle"/>
+          </a:ln>
+        </p:spPr>
+        <p:style>
+          <a:lnRef idx="1">
+            <a:schemeClr val="accent1"/>
+          </a:lnRef>
+          <a:fillRef idx="0">
+            <a:schemeClr val="accent1"/>
+          </a:fillRef>
+          <a:effectRef idx="0">
+            <a:schemeClr val="accent1"/>
+          </a:effectRef>
+          <a:fontRef idx="minor">
+            <a:schemeClr val="tx1"/>
+          </a:fontRef>
+        </p:style>
+      </p:cxnSp>
+      <p:sp>
+        <p:nvSpPr>
+          <p:cNvPr id="8" name="Content Placeholder 4"/>
+          <p:cNvSpPr txBox="1">
+            <a:spLocks/>
+          </p:cNvSpPr>
+          <p:nvPr/>
+        </p:nvSpPr>
+        <p:spPr bwMode="auto">
+          <a:xfrm>
+            <a:off x="8490776" y="2334210"/>
+            <a:ext cx="2455591" cy="489745"/>
+          </a:xfrm>
+          <a:prstGeom prst="rect">
+            <a:avLst/>
+          </a:prstGeom>
+          <a:noFill/>
+          <a:ln>
+            <a:noFill/>
+          </a:ln>
+          <a:extLst>
+            <a:ext uri="{909E8E84-426E-40DD-AFC4-6F175D3DCCD1}">
+              <a14:hiddenFill xmlns:a14="http://schemas.microsoft.com/office/drawing/2010/main">
+                <a:solidFill>
+                  <a:srgbClr val="FFFFFF"/>
+                </a:solidFill>
+              </a14:hiddenFill>
+            </a:ext>
+            <a:ext uri="{91240B29-F687-4F45-9708-019B960494DF}">
+              <a14:hiddenLine xmlns:a14="http://schemas.microsoft.com/office/drawing/2010/main" w="12700">
+                <a:solidFill>
+                  <a:srgbClr val="000000"/>
+                </a:solidFill>
+                <a:miter lim="800000"/>
+                <a:headEnd/>
+                <a:tailEnd/>
+              </a14:hiddenLine>
+            </a:ext>
+          </a:extLst>
+        </p:spPr>
+        <p:txBody>
+          <a:bodyPr vert="horz" wrap="square" lIns="121920" tIns="60960" rIns="121920" bIns="60960" numCol="1" anchor="t" anchorCtr="0" compatLnSpc="1">
+            <a:prstTxWarp prst="textNoShape">
+              <a:avLst/>
+            </a:prstTxWarp>
+          </a:bodyPr>
+          <a:lstStyle>
+            <a:lvl1pPr marL="187325" indent="-185738" algn="l" rtl="0" eaLnBrk="0" fontAlgn="base" hangingPunct="0">
+              <a:lnSpc>
+                <a:spcPct val="90000"/>
+              </a:lnSpc>
+              <a:spcBef>
+                <a:spcPts val="1200"/>
+              </a:spcBef>
+              <a:spcAft>
+                <a:spcPct val="0"/>
+              </a:spcAft>
+              <a:buSzPct val="80000"/>
+              <a:buFont typeface="Arial" panose="020B0604020202020204" pitchFamily="34" charset="0"/>
+              <a:buChar char="•"/>
+              <a:defRPr>
+                <a:solidFill>
+                  <a:schemeClr val="tx1"/>
+                </a:solidFill>
+                <a:latin typeface="+mn-lt"/>
+                <a:ea typeface="+mn-ea"/>
+                <a:cs typeface="+mn-cs"/>
+                <a:sym typeface="Arial" panose="020B0604020202020204" pitchFamily="34" charset="0"/>
+              </a:defRPr>
+            </a:lvl1pPr>
+            <a:lvl2pPr marL="385763" indent="-193675" algn="l" rtl="0" eaLnBrk="0" fontAlgn="base" hangingPunct="0">
+              <a:lnSpc>
+                <a:spcPct val="90000"/>
+              </a:lnSpc>
+              <a:spcBef>
+                <a:spcPts val="400"/>
+              </a:spcBef>
+              <a:spcAft>
+                <a:spcPct val="0"/>
+              </a:spcAft>
+              <a:buSzPct val="80000"/>
+              <a:buFont typeface="Arial" panose="020B0604020202020204" pitchFamily="34" charset="0"/>
+              <a:buChar char="•"/>
+              <a:defRPr sz="1600">
+                <a:solidFill>
+                  <a:schemeClr val="tx1"/>
+                </a:solidFill>
+                <a:latin typeface="+mn-lt"/>
+                <a:ea typeface="+mn-ea"/>
+                <a:cs typeface="+mn-cs"/>
+                <a:sym typeface="Arial" panose="020B0604020202020204" pitchFamily="34" charset="0"/>
+              </a:defRPr>
+            </a:lvl2pPr>
+            <a:lvl3pPr marL="546100" indent="-158750" algn="l" rtl="0" eaLnBrk="0" fontAlgn="base" hangingPunct="0">
+              <a:lnSpc>
+                <a:spcPct val="90000"/>
+              </a:lnSpc>
+              <a:spcBef>
+                <a:spcPts val="200"/>
+              </a:spcBef>
+              <a:spcAft>
+                <a:spcPct val="0"/>
+              </a:spcAft>
+              <a:buSzPct val="80000"/>
+              <a:buFont typeface="Arial" panose="020B0604020202020204" pitchFamily="34" charset="0"/>
+              <a:buChar char="•"/>
+              <a:defRPr sz="1400">
+                <a:solidFill>
+                  <a:schemeClr val="tx1"/>
+                </a:solidFill>
+                <a:latin typeface="+mn-lt"/>
+                <a:ea typeface="+mn-ea"/>
+                <a:cs typeface="+mn-cs"/>
+                <a:sym typeface="Arial" panose="020B0604020202020204" pitchFamily="34" charset="0"/>
+              </a:defRPr>
+            </a:lvl3pPr>
+            <a:lvl4pPr marL="704850" indent="-158750" algn="l" rtl="0" eaLnBrk="0" fontAlgn="base" hangingPunct="0">
+              <a:lnSpc>
+                <a:spcPct val="90000"/>
+              </a:lnSpc>
+              <a:spcBef>
+                <a:spcPts val="200"/>
+              </a:spcBef>
+              <a:spcAft>
+                <a:spcPct val="0"/>
+              </a:spcAft>
+              <a:buSzPct val="80000"/>
+              <a:buFont typeface="Arial" panose="020B0604020202020204" pitchFamily="34" charset="0"/>
+              <a:buChar char="•"/>
+              <a:defRPr sz="1400">
+                <a:solidFill>
+                  <a:schemeClr val="tx1"/>
+                </a:solidFill>
+                <a:latin typeface="+mn-lt"/>
+                <a:ea typeface="+mn-ea"/>
+                <a:cs typeface="+mn-cs"/>
+                <a:sym typeface="Arial" panose="020B0604020202020204" pitchFamily="34" charset="0"/>
+              </a:defRPr>
+            </a:lvl4pPr>
+            <a:lvl5pPr marL="773113" indent="-66675" algn="l" rtl="0" eaLnBrk="0" fontAlgn="base" hangingPunct="0">
+              <a:lnSpc>
+                <a:spcPct val="95000"/>
+              </a:lnSpc>
+              <a:spcBef>
+                <a:spcPts val="675"/>
+              </a:spcBef>
+              <a:spcAft>
+                <a:spcPct val="0"/>
+              </a:spcAft>
+              <a:buClr>
+                <a:srgbClr val="FFFFFF"/>
+              </a:buClr>
+              <a:buSzPct val="100000"/>
+              <a:buFont typeface="Arial" pitchFamily="34" charset="0"/>
+              <a:buChar char="»"/>
+              <a:defRPr>
+                <a:solidFill>
+                  <a:schemeClr val="tx2"/>
+                </a:solidFill>
+                <a:latin typeface="+mn-lt"/>
+                <a:ea typeface="+mn-ea"/>
+                <a:cs typeface="+mn-cs"/>
+                <a:sym typeface="Arial" panose="020B0604020202020204" pitchFamily="34" charset="0"/>
+              </a:defRPr>
+            </a:lvl5pPr>
+            <a:lvl6pPr marL="1416248" indent="-128588" algn="l" rtl="0" eaLnBrk="1" fontAlgn="base" hangingPunct="1">
+              <a:lnSpc>
+                <a:spcPct val="95000"/>
+              </a:lnSpc>
+              <a:spcBef>
+                <a:spcPts val="1013"/>
+              </a:spcBef>
+              <a:spcAft>
+                <a:spcPct val="0"/>
+              </a:spcAft>
+              <a:buClr>
+                <a:srgbClr val="FFFFFF"/>
+              </a:buClr>
+              <a:buSzPct val="100000"/>
+              <a:buFont typeface="Arial" pitchFamily="-107" charset="0"/>
+              <a:buChar char="»"/>
+              <a:defRPr>
+                <a:solidFill>
+                  <a:schemeClr val="tx1"/>
+                </a:solidFill>
+                <a:latin typeface="+mn-lt"/>
+                <a:ea typeface="+mn-ea"/>
+                <a:cs typeface="+mn-cs"/>
+                <a:sym typeface="Arial" pitchFamily="-107" charset="0"/>
+              </a:defRPr>
+            </a:lvl6pPr>
+            <a:lvl7pPr marL="1673423" indent="-128588" algn="l" rtl="0" eaLnBrk="1" fontAlgn="base" hangingPunct="1">
+              <a:lnSpc>
+                <a:spcPct val="95000"/>
+              </a:lnSpc>
+              <a:spcBef>
+                <a:spcPts val="1013"/>
+              </a:spcBef>
+              <a:spcAft>
+                <a:spcPct val="0"/>
+              </a:spcAft>
+              <a:buClr>
+                <a:srgbClr val="FFFFFF"/>
+              </a:buClr>
+              <a:buSzPct val="100000"/>
+              <a:buFont typeface="Arial" pitchFamily="-107" charset="0"/>
+              <a:buChar char="»"/>
+              <a:defRPr>
+                <a:solidFill>
+                  <a:schemeClr val="tx1"/>
+                </a:solidFill>
+                <a:latin typeface="+mn-lt"/>
+                <a:ea typeface="+mn-ea"/>
+                <a:cs typeface="+mn-cs"/>
+                <a:sym typeface="Arial" pitchFamily="-107" charset="0"/>
+              </a:defRPr>
+            </a:lvl7pPr>
+            <a:lvl8pPr marL="1930598" indent="-128588" algn="l" rtl="0" eaLnBrk="1" fontAlgn="base" hangingPunct="1">
+              <a:lnSpc>
+                <a:spcPct val="95000"/>
+              </a:lnSpc>
+              <a:spcBef>
+                <a:spcPts val="1013"/>
+              </a:spcBef>
+              <a:spcAft>
+                <a:spcPct val="0"/>
+              </a:spcAft>
+              <a:buClr>
+                <a:srgbClr val="FFFFFF"/>
+              </a:buClr>
+              <a:buSzPct val="100000"/>
+              <a:buFont typeface="Arial" pitchFamily="-107" charset="0"/>
+              <a:buChar char="»"/>
+              <a:defRPr>
+                <a:solidFill>
+                  <a:schemeClr val="tx1"/>
+                </a:solidFill>
+                <a:latin typeface="+mn-lt"/>
+                <a:ea typeface="+mn-ea"/>
+                <a:cs typeface="+mn-cs"/>
+                <a:sym typeface="Arial" pitchFamily="-107" charset="0"/>
+              </a:defRPr>
+            </a:lvl8pPr>
+            <a:lvl9pPr marL="2187773" indent="-128588" algn="l" rtl="0" eaLnBrk="1" fontAlgn="base" hangingPunct="1">
+              <a:lnSpc>
+                <a:spcPct val="95000"/>
+              </a:lnSpc>
+              <a:spcBef>
+                <a:spcPts val="1013"/>
+              </a:spcBef>
+              <a:spcAft>
+                <a:spcPct val="0"/>
+              </a:spcAft>
+              <a:buClr>
+                <a:srgbClr val="FFFFFF"/>
+              </a:buClr>
+              <a:buSzPct val="100000"/>
+              <a:buFont typeface="Arial" pitchFamily="-107" charset="0"/>
+              <a:buChar char="»"/>
+              <a:defRPr>
+                <a:solidFill>
+                  <a:schemeClr val="tx1"/>
+                </a:solidFill>
+                <a:latin typeface="+mn-lt"/>
+                <a:ea typeface="+mn-ea"/>
+                <a:cs typeface="+mn-cs"/>
+                <a:sym typeface="Arial" pitchFamily="-107" charset="0"/>
+              </a:defRPr>
+            </a:lvl9pPr>
+          </a:lstStyle>
+          <a:p>
+            <a:pPr marL="2116" indent="0" defTabSz="1219170">
+              <a:buNone/>
+              <a:defRPr/>
+            </a:pPr>
+            <a:r>
+              <a:rPr lang="en-US" sz="1867" kern="0" smtClean="0">
+                <a:solidFill>
+                  <a:srgbClr val="676767">
+                    <a:lumMod val="50000"/>
+                  </a:srgbClr>
+                </a:solidFill>
+              </a:rPr>
+              <a:t>Geneve</a:t>
+            </a:r>
+            <a:r>
+              <a:rPr lang="en-US" sz="1867" kern="0" dirty="0" smtClean="0">
+                <a:solidFill>
+                  <a:srgbClr val="676767">
+                    <a:lumMod val="50000"/>
+                  </a:srgbClr>
+                </a:solidFill>
+              </a:rPr>
+              <a:t> </a:t>
+            </a:r>
+            <a:r>
+              <a:rPr lang="en-US" sz="1867" kern="0" dirty="0">
+                <a:solidFill>
+                  <a:srgbClr val="676767">
+                    <a:lumMod val="50000"/>
+                  </a:srgbClr>
+                </a:solidFill>
+              </a:rPr>
+              <a:t>header</a:t>
+            </a:r>
+            <a:endParaRPr lang="de-DE" sz="1600" kern="0" dirty="0">
+              <a:solidFill>
+                <a:srgbClr val="676767">
+                  <a:lumMod val="50000"/>
+                </a:srgbClr>
+              </a:solidFill>
+            </a:endParaRPr>
+          </a:p>
+        </p:txBody>
+      </p:sp>
+      <p:cxnSp>
+        <p:nvCxnSpPr>
+          <p:cNvPr id="10" name="Straight Arrow Connector 9"/>
+          <p:cNvCxnSpPr/>
+          <p:nvPr/>
+        </p:nvCxnSpPr>
+        <p:spPr>
+          <a:xfrm flipV="1">
+            <a:off x="6947792" y="3234184"/>
+            <a:ext cx="1533236" cy="1"/>
+          </a:xfrm>
+          <a:prstGeom prst="straightConnector1">
+            <a:avLst/>
+          </a:prstGeom>
+          <a:ln w="25400">
+            <a:tailEnd type="triangle"/>
+          </a:ln>
+        </p:spPr>
+        <p:style>
+          <a:lnRef idx="1">
+            <a:schemeClr val="accent1"/>
+          </a:lnRef>
+          <a:fillRef idx="0">
+            <a:schemeClr val="accent1"/>
+          </a:fillRef>
+          <a:effectRef idx="0">
+            <a:schemeClr val="accent1"/>
+          </a:effectRef>
+          <a:fontRef idx="minor">
+            <a:schemeClr val="tx1"/>
+          </a:fontRef>
+        </p:style>
+      </p:cxnSp>
+      <p:sp>
+        <p:nvSpPr>
+          <p:cNvPr id="11" name="Content Placeholder 4"/>
+          <p:cNvSpPr txBox="1">
+            <a:spLocks/>
+          </p:cNvSpPr>
+          <p:nvPr/>
+        </p:nvSpPr>
+        <p:spPr bwMode="auto">
+          <a:xfrm>
+            <a:off x="8490776" y="3030929"/>
+            <a:ext cx="3702497" cy="489745"/>
+          </a:xfrm>
+          <a:prstGeom prst="rect">
+            <a:avLst/>
+          </a:prstGeom>
+          <a:noFill/>
+          <a:ln>
+            <a:noFill/>
+          </a:ln>
+          <a:extLst>
+            <a:ext uri="{909E8E84-426E-40DD-AFC4-6F175D3DCCD1}">
+              <a14:hiddenFill xmlns:a14="http://schemas.microsoft.com/office/drawing/2010/main">
+                <a:solidFill>
+                  <a:srgbClr val="FFFFFF"/>
+                </a:solidFill>
+              </a14:hiddenFill>
+            </a:ext>
+            <a:ext uri="{91240B29-F687-4F45-9708-019B960494DF}">
+              <a14:hiddenLine xmlns:a14="http://schemas.microsoft.com/office/drawing/2010/main" w="12700">
+                <a:solidFill>
+                  <a:srgbClr val="000000"/>
+                </a:solidFill>
+                <a:miter lim="800000"/>
+                <a:headEnd/>
+                <a:tailEnd/>
+              </a14:hiddenLine>
+            </a:ext>
+          </a:extLst>
+        </p:spPr>
+        <p:txBody>
+          <a:bodyPr vert="horz" wrap="square" lIns="121920" tIns="60960" rIns="121920" bIns="60960" numCol="1" anchor="t" anchorCtr="0" compatLnSpc="1">
+            <a:prstTxWarp prst="textNoShape">
+              <a:avLst/>
+            </a:prstTxWarp>
+          </a:bodyPr>
+          <a:lstStyle>
+            <a:lvl1pPr marL="187325" indent="-185738" algn="l" rtl="0" eaLnBrk="0" fontAlgn="base" hangingPunct="0">
+              <a:lnSpc>
+                <a:spcPct val="90000"/>
+              </a:lnSpc>
+              <a:spcBef>
+                <a:spcPts val="1200"/>
+              </a:spcBef>
+              <a:spcAft>
+                <a:spcPct val="0"/>
+              </a:spcAft>
+              <a:buSzPct val="80000"/>
+              <a:buFont typeface="Arial" panose="020B0604020202020204" pitchFamily="34" charset="0"/>
+              <a:buChar char="•"/>
+              <a:defRPr>
+                <a:solidFill>
+                  <a:schemeClr val="tx1"/>
+                </a:solidFill>
+                <a:latin typeface="+mn-lt"/>
+                <a:ea typeface="+mn-ea"/>
+                <a:cs typeface="+mn-cs"/>
+                <a:sym typeface="Arial" panose="020B0604020202020204" pitchFamily="34" charset="0"/>
+              </a:defRPr>
+            </a:lvl1pPr>
+            <a:lvl2pPr marL="385763" indent="-193675" algn="l" rtl="0" eaLnBrk="0" fontAlgn="base" hangingPunct="0">
+              <a:lnSpc>
+                <a:spcPct val="90000"/>
+              </a:lnSpc>
+              <a:spcBef>
+                <a:spcPts val="400"/>
+              </a:spcBef>
+              <a:spcAft>
+                <a:spcPct val="0"/>
+              </a:spcAft>
+              <a:buSzPct val="80000"/>
+              <a:buFont typeface="Arial" panose="020B0604020202020204" pitchFamily="34" charset="0"/>
+              <a:buChar char="•"/>
+              <a:defRPr sz="1600">
+                <a:solidFill>
+                  <a:schemeClr val="tx1"/>
+                </a:solidFill>
+                <a:latin typeface="+mn-lt"/>
+                <a:ea typeface="+mn-ea"/>
+                <a:cs typeface="+mn-cs"/>
+                <a:sym typeface="Arial" panose="020B0604020202020204" pitchFamily="34" charset="0"/>
+              </a:defRPr>
+            </a:lvl2pPr>
+            <a:lvl3pPr marL="546100" indent="-158750" algn="l" rtl="0" eaLnBrk="0" fontAlgn="base" hangingPunct="0">
+              <a:lnSpc>
+                <a:spcPct val="90000"/>
+              </a:lnSpc>
+              <a:spcBef>
+                <a:spcPts val="200"/>
+              </a:spcBef>
+              <a:spcAft>
+                <a:spcPct val="0"/>
+              </a:spcAft>
+              <a:buSzPct val="80000"/>
+              <a:buFont typeface="Arial" panose="020B0604020202020204" pitchFamily="34" charset="0"/>
+              <a:buChar char="•"/>
+              <a:defRPr sz="1400">
+                <a:solidFill>
+                  <a:schemeClr val="tx1"/>
+                </a:solidFill>
+                <a:latin typeface="+mn-lt"/>
+                <a:ea typeface="+mn-ea"/>
+                <a:cs typeface="+mn-cs"/>
+                <a:sym typeface="Arial" panose="020B0604020202020204" pitchFamily="34" charset="0"/>
+              </a:defRPr>
+            </a:lvl3pPr>
+            <a:lvl4pPr marL="704850" indent="-158750" algn="l" rtl="0" eaLnBrk="0" fontAlgn="base" hangingPunct="0">
+              <a:lnSpc>
+                <a:spcPct val="90000"/>
+              </a:lnSpc>
+              <a:spcBef>
+                <a:spcPts val="200"/>
+              </a:spcBef>
+              <a:spcAft>
+                <a:spcPct val="0"/>
+              </a:spcAft>
+              <a:buSzPct val="80000"/>
+              <a:buFont typeface="Arial" panose="020B0604020202020204" pitchFamily="34" charset="0"/>
+              <a:buChar char="•"/>
+              <a:defRPr sz="1400">
+                <a:solidFill>
+                  <a:schemeClr val="tx1"/>
+                </a:solidFill>
+                <a:latin typeface="+mn-lt"/>
+                <a:ea typeface="+mn-ea"/>
+                <a:cs typeface="+mn-cs"/>
+                <a:sym typeface="Arial" panose="020B0604020202020204" pitchFamily="34" charset="0"/>
+              </a:defRPr>
+            </a:lvl4pPr>
+            <a:lvl5pPr marL="773113" indent="-66675" algn="l" rtl="0" eaLnBrk="0" fontAlgn="base" hangingPunct="0">
+              <a:lnSpc>
+                <a:spcPct val="95000"/>
+              </a:lnSpc>
+              <a:spcBef>
+                <a:spcPts val="675"/>
+              </a:spcBef>
+              <a:spcAft>
+                <a:spcPct val="0"/>
+              </a:spcAft>
+              <a:buClr>
+                <a:srgbClr val="FFFFFF"/>
+              </a:buClr>
+              <a:buSzPct val="100000"/>
+              <a:buFont typeface="Arial" pitchFamily="34" charset="0"/>
+              <a:buChar char="»"/>
+              <a:defRPr>
+                <a:solidFill>
+                  <a:schemeClr val="tx2"/>
+                </a:solidFill>
+                <a:latin typeface="+mn-lt"/>
+                <a:ea typeface="+mn-ea"/>
+                <a:cs typeface="+mn-cs"/>
+                <a:sym typeface="Arial" panose="020B0604020202020204" pitchFamily="34" charset="0"/>
+              </a:defRPr>
+            </a:lvl5pPr>
+            <a:lvl6pPr marL="1416248" indent="-128588" algn="l" rtl="0" eaLnBrk="1" fontAlgn="base" hangingPunct="1">
+              <a:lnSpc>
+                <a:spcPct val="95000"/>
+              </a:lnSpc>
+              <a:spcBef>
+                <a:spcPts val="1013"/>
+              </a:spcBef>
+              <a:spcAft>
+                <a:spcPct val="0"/>
+              </a:spcAft>
+              <a:buClr>
+                <a:srgbClr val="FFFFFF"/>
+              </a:buClr>
+              <a:buSzPct val="100000"/>
+              <a:buFont typeface="Arial" pitchFamily="-107" charset="0"/>
+              <a:buChar char="»"/>
+              <a:defRPr>
+                <a:solidFill>
+                  <a:schemeClr val="tx1"/>
+                </a:solidFill>
+                <a:latin typeface="+mn-lt"/>
+                <a:ea typeface="+mn-ea"/>
+                <a:cs typeface="+mn-cs"/>
+                <a:sym typeface="Arial" pitchFamily="-107" charset="0"/>
+              </a:defRPr>
+            </a:lvl6pPr>
+            <a:lvl7pPr marL="1673423" indent="-128588" algn="l" rtl="0" eaLnBrk="1" fontAlgn="base" hangingPunct="1">
+              <a:lnSpc>
+                <a:spcPct val="95000"/>
+              </a:lnSpc>
+              <a:spcBef>
+                <a:spcPts val="1013"/>
+              </a:spcBef>
+              <a:spcAft>
+                <a:spcPct val="0"/>
+              </a:spcAft>
+              <a:buClr>
+                <a:srgbClr val="FFFFFF"/>
+              </a:buClr>
+              <a:buSzPct val="100000"/>
+              <a:buFont typeface="Arial" pitchFamily="-107" charset="0"/>
+              <a:buChar char="»"/>
+              <a:defRPr>
+                <a:solidFill>
+                  <a:schemeClr val="tx1"/>
+                </a:solidFill>
+                <a:latin typeface="+mn-lt"/>
+                <a:ea typeface="+mn-ea"/>
+                <a:cs typeface="+mn-cs"/>
+                <a:sym typeface="Arial" pitchFamily="-107" charset="0"/>
+              </a:defRPr>
+            </a:lvl7pPr>
+            <a:lvl8pPr marL="1930598" indent="-128588" algn="l" rtl="0" eaLnBrk="1" fontAlgn="base" hangingPunct="1">
+              <a:lnSpc>
+                <a:spcPct val="95000"/>
+              </a:lnSpc>
+              <a:spcBef>
+                <a:spcPts val="1013"/>
+              </a:spcBef>
+              <a:spcAft>
+                <a:spcPct val="0"/>
+              </a:spcAft>
+              <a:buClr>
+                <a:srgbClr val="FFFFFF"/>
+              </a:buClr>
+              <a:buSzPct val="100000"/>
+              <a:buFont typeface="Arial" pitchFamily="-107" charset="0"/>
+              <a:buChar char="»"/>
+              <a:defRPr>
+                <a:solidFill>
+                  <a:schemeClr val="tx1"/>
+                </a:solidFill>
+                <a:latin typeface="+mn-lt"/>
+                <a:ea typeface="+mn-ea"/>
+                <a:cs typeface="+mn-cs"/>
+                <a:sym typeface="Arial" pitchFamily="-107" charset="0"/>
+              </a:defRPr>
+            </a:lvl8pPr>
+            <a:lvl9pPr marL="2187773" indent="-128588" algn="l" rtl="0" eaLnBrk="1" fontAlgn="base" hangingPunct="1">
+              <a:lnSpc>
+                <a:spcPct val="95000"/>
+              </a:lnSpc>
+              <a:spcBef>
+                <a:spcPts val="1013"/>
+              </a:spcBef>
+              <a:spcAft>
+                <a:spcPct val="0"/>
+              </a:spcAft>
+              <a:buClr>
+                <a:srgbClr val="FFFFFF"/>
+              </a:buClr>
+              <a:buSzPct val="100000"/>
+              <a:buFont typeface="Arial" pitchFamily="-107" charset="0"/>
+              <a:buChar char="»"/>
+              <a:defRPr>
+                <a:solidFill>
+                  <a:schemeClr val="tx1"/>
+                </a:solidFill>
+                <a:latin typeface="+mn-lt"/>
+                <a:ea typeface="+mn-ea"/>
+                <a:cs typeface="+mn-cs"/>
+                <a:sym typeface="Arial" pitchFamily="-107" charset="0"/>
+              </a:defRPr>
+            </a:lvl9pPr>
+          </a:lstStyle>
+          <a:p>
+            <a:pPr marL="2116" indent="0" defTabSz="1219170">
+              <a:buNone/>
+              <a:defRPr/>
+            </a:pPr>
+            <a:r>
+              <a:rPr lang="en-US" sz="1867" kern="0" dirty="0" err="1">
+                <a:solidFill>
+                  <a:srgbClr val="676767">
+                    <a:lumMod val="50000"/>
+                  </a:srgbClr>
+                </a:solidFill>
+              </a:rPr>
+              <a:t>Geneve</a:t>
+            </a:r>
+            <a:r>
+              <a:rPr lang="en-US" sz="1867" kern="0" dirty="0">
+                <a:solidFill>
+                  <a:srgbClr val="676767">
+                    <a:lumMod val="50000"/>
+                  </a:srgbClr>
+                </a:solidFill>
+              </a:rPr>
+              <a:t> </a:t>
+            </a:r>
+            <a:r>
+              <a:rPr lang="en-US" sz="1867" kern="0" dirty="0" smtClean="0">
+                <a:solidFill>
+                  <a:srgbClr val="676767">
+                    <a:lumMod val="50000"/>
+                  </a:srgbClr>
+                </a:solidFill>
+              </a:rPr>
+              <a:t>option class = IOAM,</a:t>
+            </a:r>
+          </a:p>
+          <a:p>
+            <a:pPr marL="2116" indent="0" defTabSz="1219170">
+              <a:buNone/>
+              <a:defRPr/>
+            </a:pPr>
+            <a:r>
+              <a:rPr lang="en-US" sz="1867" kern="0" dirty="0" smtClean="0">
+                <a:solidFill>
+                  <a:srgbClr val="676767">
+                    <a:lumMod val="50000"/>
+                  </a:srgbClr>
+                </a:solidFill>
+              </a:rPr>
+              <a:t>Type as defined in: </a:t>
+            </a:r>
+          </a:p>
+          <a:p>
+            <a:pPr marL="2116" indent="0" defTabSz="1219170">
+              <a:buNone/>
+              <a:defRPr/>
+            </a:pPr>
+            <a:r>
+              <a:rPr lang="en-US" sz="1867" kern="0" dirty="0" smtClean="0">
+                <a:solidFill>
+                  <a:srgbClr val="676767">
+                    <a:lumMod val="50000"/>
+                  </a:srgbClr>
+                </a:solidFill>
+              </a:rPr>
+              <a:t>           </a:t>
+            </a:r>
+            <a:r>
+              <a:rPr lang="en-US" sz="1867" kern="0" dirty="0">
+                <a:solidFill>
+                  <a:srgbClr val="676767">
+                    <a:lumMod val="50000"/>
+                  </a:srgbClr>
+                </a:solidFill>
+              </a:rPr>
+              <a:t>draft-</a:t>
+            </a:r>
+            <a:r>
+              <a:rPr lang="en-US" sz="1867" kern="0" dirty="0" err="1">
+                <a:solidFill>
+                  <a:srgbClr val="676767">
+                    <a:lumMod val="50000"/>
+                  </a:srgbClr>
+                </a:solidFill>
+              </a:rPr>
+              <a:t>ietf</a:t>
+            </a:r>
+            <a:r>
+              <a:rPr lang="en-US" sz="1867" kern="0" dirty="0">
+                <a:solidFill>
+                  <a:srgbClr val="676767">
+                    <a:lumMod val="50000"/>
+                  </a:srgbClr>
+                </a:solidFill>
+              </a:rPr>
+              <a:t>-</a:t>
+            </a:r>
+            <a:r>
+              <a:rPr lang="en-US" sz="1867" kern="0" dirty="0" err="1">
+                <a:solidFill>
+                  <a:srgbClr val="676767">
+                    <a:lumMod val="50000"/>
+                  </a:srgbClr>
+                </a:solidFill>
+              </a:rPr>
+              <a:t>ippm</a:t>
+            </a:r>
+            <a:r>
+              <a:rPr lang="en-US" sz="1867" kern="0" dirty="0">
+                <a:solidFill>
+                  <a:srgbClr val="676767">
+                    <a:lumMod val="50000"/>
+                  </a:srgbClr>
+                </a:solidFill>
+              </a:rPr>
+              <a:t>-</a:t>
+            </a:r>
+            <a:r>
+              <a:rPr lang="en-US" sz="1867" kern="0" dirty="0" err="1">
+                <a:solidFill>
+                  <a:srgbClr val="676767">
+                    <a:lumMod val="50000"/>
+                  </a:srgbClr>
+                </a:solidFill>
+              </a:rPr>
+              <a:t>ioam</a:t>
+            </a:r>
+            <a:r>
+              <a:rPr lang="en-US" sz="1867" kern="0" dirty="0">
+                <a:solidFill>
+                  <a:srgbClr val="676767">
+                    <a:lumMod val="50000"/>
+                  </a:srgbClr>
+                </a:solidFill>
+              </a:rPr>
+              <a:t>-data </a:t>
+            </a:r>
+          </a:p>
+        </p:txBody>
+      </p:sp>
+      <p:pic>
+        <p:nvPicPr>
+          <p:cNvPr id="6" name="Picture 5"/>
+          <p:cNvPicPr>
+            <a:picLocks noChangeAspect="1"/>
+          </p:cNvPicPr>
+          <p:nvPr/>
+        </p:nvPicPr>
+        <p:blipFill>
+          <a:blip r:embed="rId4">
+            <a:extLst>
+              <a:ext uri="{28A0092B-C50C-407E-A947-70E740481C1C}">
+                <a14:useLocalDpi xmlns:a14="http://schemas.microsoft.com/office/drawing/2010/main" val="0"/>
+              </a:ext>
+            </a:extLst>
+          </a:blip>
+          <a:stretch>
+            <a:fillRect/>
+          </a:stretch>
+        </p:blipFill>
+        <p:spPr>
+          <a:xfrm>
+            <a:off x="836341" y="1654573"/>
+            <a:ext cx="7391400" cy="4457700"/>
+          </a:xfrm>
+          <a:prstGeom prst="rect">
+            <a:avLst/>
+          </a:prstGeom>
+        </p:spPr>
+      </p:pic>
+    </p:spTree>
+    <p:extLst>
+      <p:ext uri="{BB962C8B-B14F-4D97-AF65-F5344CB8AC3E}">
+        <p14:creationId xmlns:p14="http://schemas.microsoft.com/office/powerpoint/2010/main" val="1436223382"/>
+      </p:ext>
+    </p:extLst>
+  </p:cSld>
+  <p:clrMapOvr>
+    <a:masterClrMapping/>
+  </p:clrMapOvr>
+  <p:transition spd="med">
+    <p:fade/>
+  </p:transition>
+  <p:timing>
+    <p:tnLst>
+      <p:par>
+        <p:cTn id="1" dur="indefinite" restart="never" nodeType="tmRoot">
+          <p:childTnLst>
+            <p:seq concurrent="1" nextAc="seek">
+              <p:cTn id="2" dur="indefinite" nodeType="mainSeq">
+                <p:childTnLst>
+                  <p:par>
+                    <p:cTn id="3" fill="hold">
+                      <p:stCondLst>
+                        <p:cond delay="indefinite"/>
+                      </p:stCondLst>
+                      <p:childTnLst>
+                        <p:par>
+                          <p:cTn id="4" fill="hold">
+                            <p:stCondLst>
+                              <p:cond delay="0"/>
+                            </p:stCondLst>
+                            <p:childTnLst>
+                              <p:par>
+                                <p:cTn id="5" presetID="1" presetClass="entr" presetSubtype="0" fill="hold" grpId="0" nodeType="clickEffect">
+                                  <p:stCondLst>
+                                    <p:cond delay="0"/>
+                                  </p:stCondLst>
+                                  <p:childTnLst>
+                                    <p:set>
+                                      <p:cBhvr>
+                                        <p:cTn id="6" dur="1" fill="hold">
+                                          <p:stCondLst>
+                                            <p:cond delay="0"/>
+                                          </p:stCondLst>
+                                        </p:cTn>
+                                        <p:tgtEl>
+                                          <p:spTgt spid="8"/>
+                                        </p:tgtEl>
+                                        <p:attrNameLst>
+                                          <p:attrName>style.visibility</p:attrName>
+                                        </p:attrNameLst>
+                                      </p:cBhvr>
+                                      <p:to>
+                                        <p:strVal val="visible"/>
+                                      </p:to>
+                                    </p:set>
+                                  </p:childTnLst>
+                                </p:cTn>
+                              </p:par>
+                              <p:par>
+                                <p:cTn id="7" presetID="1" presetClass="entr" presetSubtype="0" fill="hold" nodeType="withEffect">
+                                  <p:stCondLst>
+                                    <p:cond delay="0"/>
+                                  </p:stCondLst>
+                                  <p:childTnLst>
+                                    <p:set>
+                                      <p:cBhvr>
+                                        <p:cTn id="8" dur="1" fill="hold">
+                                          <p:stCondLst>
+                                            <p:cond delay="0"/>
+                                          </p:stCondLst>
+                                        </p:cTn>
+                                        <p:tgtEl>
+                                          <p:spTgt spid="7"/>
+                                        </p:tgtEl>
+                                        <p:attrNameLst>
+                                          <p:attrName>style.visibility</p:attrName>
+                                        </p:attrNameLst>
+                                      </p:cBhvr>
+                                      <p:to>
+                                        <p:strVal val="visible"/>
+                                      </p:to>
+                                    </p:set>
+                                  </p:childTnLst>
+                                </p:cTn>
+                              </p:par>
+                            </p:childTnLst>
+                          </p:cTn>
+                        </p:par>
+                      </p:childTnLst>
+                    </p:cTn>
+                  </p:par>
+                  <p:par>
+                    <p:cTn id="9" fill="hold">
+                      <p:stCondLst>
+                        <p:cond delay="indefinite"/>
+                      </p:stCondLst>
+                      <p:childTnLst>
+                        <p:par>
+                          <p:cTn id="10" fill="hold">
+                            <p:stCondLst>
+                              <p:cond delay="0"/>
+                            </p:stCondLst>
+                            <p:childTnLst>
+                              <p:par>
+                                <p:cTn id="11" presetID="1" presetClass="entr" presetSubtype="0" fill="hold" grpId="0" nodeType="clickEffect">
+                                  <p:stCondLst>
+                                    <p:cond delay="0"/>
+                                  </p:stCondLst>
+                                  <p:childTnLst>
+                                    <p:set>
+                                      <p:cBhvr>
+                                        <p:cTn id="12" dur="1" fill="hold">
+                                          <p:stCondLst>
+                                            <p:cond delay="0"/>
+                                          </p:stCondLst>
+                                        </p:cTn>
+                                        <p:tgtEl>
+                                          <p:spTgt spid="11"/>
+                                        </p:tgtEl>
+                                        <p:attrNameLst>
+                                          <p:attrName>style.visibility</p:attrName>
+                                        </p:attrNameLst>
+                                      </p:cBhvr>
+                                      <p:to>
+                                        <p:strVal val="visible"/>
+                                      </p:to>
+                                    </p:set>
+                                  </p:childTnLst>
+                                </p:cTn>
+                              </p:par>
+                              <p:par>
+                                <p:cTn id="13" presetID="1" presetClass="entr" presetSubtype="0" fill="hold" nodeType="withEffect">
+                                  <p:stCondLst>
+                                    <p:cond delay="0"/>
+                                  </p:stCondLst>
+                                  <p:childTnLst>
+                                    <p:set>
+                                      <p:cBhvr>
+                                        <p:cTn id="14" dur="1" fill="hold">
+                                          <p:stCondLst>
+                                            <p:cond delay="0"/>
+                                          </p:stCondLst>
+                                        </p:cTn>
+                                        <p:tgtEl>
+                                          <p:spTgt spid="10"/>
+                                        </p:tgtEl>
+                                        <p:attrNameLst>
+                                          <p:attrName>style.visibility</p:attrName>
+                                        </p:attrNameLst>
+                                      </p:cBhvr>
+                                      <p:to>
+                                        <p:strVal val="visible"/>
+                                      </p:to>
+                                    </p:set>
+                                  </p:childTnLst>
+                                </p:cTn>
+                              </p:par>
+                            </p:childTnLst>
+                          </p:cTn>
+                        </p:par>
+                      </p:childTnLst>
+                    </p:cTn>
+                  </p:par>
+                </p:childTnLst>
+              </p:cTn>
+              <p:prevCondLst>
+                <p:cond evt="onPrev" delay="0">
+                  <p:tgtEl>
+                    <p:sldTgt/>
+                  </p:tgtEl>
+                </p:cond>
+              </p:prevCondLst>
+              <p:nextCondLst>
+                <p:cond evt="onNext" delay="0">
+                  <p:tgtEl>
+                    <p:sldTgt/>
+                  </p:tgtEl>
+                </p:cond>
+              </p:nextCondLst>
+            </p:seq>
+          </p:childTnLst>
+        </p:cTn>
+      </p:par>
+    </p:tnLst>
+    <p:bldLst>
+      <p:bldP spid="8" grpId="0"/>
+      <p:bldP spid="11" grpId="0"/>
+    </p:bldLst>
+  </p:timing>
+</p:sld>
+</file>
+
+<file path=ppt/slides/slide11.xml><?xml version="1.0" encoding="utf-8"?>
+<p:sld xmlns:a="http://schemas.openxmlformats.org/drawingml/2006/main" xmlns:r="http://schemas.openxmlformats.org/officeDocument/2006/relationships" xmlns:p="http://schemas.openxmlformats.org/presentationml/2006/main">
+  <p:cSld>
+    <p:spTree>
+      <p:nvGrpSpPr>
+        <p:cNvPr id="1" name=""/>
+        <p:cNvGrpSpPr/>
+        <p:nvPr/>
+      </p:nvGrpSpPr>
+      <p:grpSpPr>
+        <a:xfrm>
+          <a:off x="0" y="0"/>
+          <a:ext cx="0" cy="0"/>
+          <a:chOff x="0" y="0"/>
+          <a:chExt cx="0" cy="0"/>
+        </a:xfrm>
+      </p:grpSpPr>
+      <p:sp>
+        <p:nvSpPr>
+          <p:cNvPr id="4" name="Title 3"/>
+          <p:cNvSpPr>
+            <a:spLocks noGrp="1"/>
+          </p:cNvSpPr>
+          <p:nvPr>
+            <p:ph type="title"/>
+          </p:nvPr>
+        </p:nvSpPr>
+        <p:spPr>
+          <a:xfrm>
+            <a:off x="858644" y="512956"/>
+            <a:ext cx="10852361" cy="1284095"/>
+          </a:xfrm>
+        </p:spPr>
+        <p:txBody>
+          <a:bodyPr>
+            <a:noAutofit/>
+          </a:bodyPr>
+          <a:lstStyle/>
+          <a:p>
+            <a:pPr lvl="1" algn="l" rtl="0">
+              <a:lnSpc>
+                <a:spcPct val="90000"/>
+              </a:lnSpc>
+              <a:spcBef>
+                <a:spcPct val="0"/>
+              </a:spcBef>
+            </a:pPr>
+            <a:r>
+              <a:rPr lang="en-US" sz="4000" dirty="0" smtClean="0">
+                <a:latin typeface="+mj-lt"/>
+              </a:rPr>
+              <a:t>IOAM in GRE</a:t>
+            </a:r>
+            <a:br>
+              <a:rPr lang="en-US" sz="4000" dirty="0" smtClean="0">
+                <a:latin typeface="+mj-lt"/>
+              </a:rPr>
+            </a:br>
+            <a:r>
+              <a:rPr lang="en-US" sz="2800" dirty="0" smtClean="0">
+                <a:latin typeface="+mj-lt"/>
+                <a:hlinkClick r:id="rId3"/>
+              </a:rPr>
+              <a:t>draft-weis-ippm-ioam-gre</a:t>
+            </a:r>
+            <a:endParaRPr lang="en-US" sz="2800" dirty="0">
+              <a:latin typeface="+mj-lt"/>
+            </a:endParaRPr>
+          </a:p>
+        </p:txBody>
+      </p:sp>
+      <p:pic>
+        <p:nvPicPr>
+          <p:cNvPr id="5" name="Picture 4"/>
+          <p:cNvPicPr>
+            <a:picLocks noChangeAspect="1"/>
+          </p:cNvPicPr>
+          <p:nvPr/>
+        </p:nvPicPr>
+        <p:blipFill>
+          <a:blip r:embed="rId4">
+            <a:extLst>
+              <a:ext uri="{28A0092B-C50C-407E-A947-70E740481C1C}">
+                <a14:useLocalDpi xmlns:a14="http://schemas.microsoft.com/office/drawing/2010/main" val="0"/>
+              </a:ext>
+            </a:extLst>
+          </a:blip>
+          <a:stretch>
+            <a:fillRect/>
+          </a:stretch>
+        </p:blipFill>
+        <p:spPr>
+          <a:xfrm>
+            <a:off x="1405362" y="2016165"/>
+            <a:ext cx="7569200" cy="3949700"/>
+          </a:xfrm>
+          <a:prstGeom prst="rect">
+            <a:avLst/>
+          </a:prstGeom>
+        </p:spPr>
+      </p:pic>
+    </p:spTree>
+    <p:extLst>
+      <p:ext uri="{BB962C8B-B14F-4D97-AF65-F5344CB8AC3E}">
+        <p14:creationId xmlns:p14="http://schemas.microsoft.com/office/powerpoint/2010/main" val="808031065"/>
+      </p:ext>
+    </p:extLst>
+  </p:cSld>
+  <p:clrMapOvr>
+    <a:masterClrMapping/>
+  </p:clrMapOvr>
+  <p:transition spd="med">
+    <p:fade/>
+  </p:transition>
+  <p:timing>
+    <p:tnLst>
+      <p:par>
+        <p:cTn id="1" dur="indefinite" restart="never" nodeType="tmRoot"/>
+      </p:par>
+    </p:tnLst>
+  </p:timing>
+</p:sld>
+</file>
+
+<file path=ppt/slides/slide12.xml><?xml version="1.0" encoding="utf-8"?>
+<p:sld xmlns:a="http://schemas.openxmlformats.org/drawingml/2006/main" xmlns:r="http://schemas.openxmlformats.org/officeDocument/2006/relationships" xmlns:p="http://schemas.openxmlformats.org/presentationml/2006/main">
+  <p:cSld>
+    <p:spTree>
+      <p:nvGrpSpPr>
+        <p:cNvPr id="1" name=""/>
+        <p:cNvGrpSpPr/>
+        <p:nvPr/>
+      </p:nvGrpSpPr>
+      <p:grpSpPr>
+        <a:xfrm>
+          <a:off x="0" y="0"/>
+          <a:ext cx="0" cy="0"/>
+          <a:chOff x="0" y="0"/>
+          <a:chExt cx="0" cy="0"/>
+        </a:xfrm>
+      </p:grpSpPr>
+      <p:sp>
+        <p:nvSpPr>
+          <p:cNvPr id="2" name="Text Placeholder 1"/>
+          <p:cNvSpPr>
+            <a:spLocks noGrp="1"/>
+          </p:cNvSpPr>
+          <p:nvPr>
+            <p:ph type="body" sz="quarter" idx="10"/>
+          </p:nvPr>
+        </p:nvSpPr>
+        <p:spPr>
+          <a:xfrm>
+            <a:off x="1142999" y="4769496"/>
+            <a:ext cx="5201497" cy="1031874"/>
+          </a:xfrm>
+        </p:spPr>
+        <p:txBody>
+          <a:bodyPr/>
+          <a:lstStyle/>
+          <a:p>
+            <a:r>
+              <a:rPr lang="en-US" dirty="0" smtClean="0"/>
+              <a:t>IPv6 Hop-by-Hop options</a:t>
+            </a:r>
+          </a:p>
+          <a:p>
+            <a:pPr lvl="1"/>
+            <a:r>
+              <a:rPr lang="en-US" dirty="0"/>
+              <a:t>Pre-allocated Tracing </a:t>
+            </a:r>
+            <a:r>
+              <a:rPr lang="en-US" dirty="0" smtClean="0"/>
+              <a:t>Option</a:t>
+            </a:r>
+          </a:p>
+          <a:p>
+            <a:pPr lvl="1"/>
+            <a:r>
+              <a:rPr lang="en-US" dirty="0"/>
+              <a:t>Incremental Tracing </a:t>
+            </a:r>
+            <a:r>
+              <a:rPr lang="en-US" dirty="0" smtClean="0"/>
+              <a:t>Option</a:t>
+            </a:r>
+          </a:p>
+          <a:p>
+            <a:pPr lvl="1"/>
+            <a:r>
+              <a:rPr lang="en-US" dirty="0"/>
+              <a:t>Proof of Transit Option</a:t>
+            </a:r>
+          </a:p>
+          <a:p>
+            <a:endParaRPr lang="en-US" dirty="0"/>
+          </a:p>
+        </p:txBody>
+      </p:sp>
+      <p:sp>
+        <p:nvSpPr>
+          <p:cNvPr id="3" name="Text Placeholder 2"/>
+          <p:cNvSpPr>
+            <a:spLocks noGrp="1"/>
+          </p:cNvSpPr>
+          <p:nvPr>
+            <p:ph type="body" sz="quarter" idx="11"/>
+          </p:nvPr>
+        </p:nvSpPr>
+        <p:spPr>
+          <a:xfrm>
+            <a:off x="6147346" y="4769496"/>
+            <a:ext cx="5624613" cy="898109"/>
+          </a:xfrm>
+        </p:spPr>
+        <p:txBody>
+          <a:bodyPr/>
+          <a:lstStyle/>
+          <a:p>
+            <a:r>
+              <a:rPr lang="en-US" dirty="0" smtClean="0"/>
+              <a:t>IPv6 Destination Option</a:t>
+            </a:r>
+          </a:p>
+          <a:p>
+            <a:pPr lvl="1"/>
+            <a:r>
+              <a:rPr lang="en-US" dirty="0"/>
+              <a:t>Edge to Edge Option</a:t>
+            </a:r>
+          </a:p>
+        </p:txBody>
+      </p:sp>
+      <p:sp>
+        <p:nvSpPr>
+          <p:cNvPr id="4" name="Title 3"/>
+          <p:cNvSpPr>
+            <a:spLocks noGrp="1"/>
+          </p:cNvSpPr>
+          <p:nvPr>
+            <p:ph type="title"/>
+          </p:nvPr>
+        </p:nvSpPr>
+        <p:spPr>
+          <a:xfrm>
+            <a:off x="825190" y="455085"/>
+            <a:ext cx="10885815" cy="975783"/>
+          </a:xfrm>
+        </p:spPr>
+        <p:txBody>
+          <a:bodyPr>
+            <a:normAutofit fontScale="90000"/>
+          </a:bodyPr>
+          <a:lstStyle/>
+          <a:p>
+            <a:r>
+              <a:rPr lang="en-US" dirty="0" smtClean="0"/>
+              <a:t>IOAM in IPv6</a:t>
+            </a:r>
+            <a:br>
+              <a:rPr lang="en-US" dirty="0" smtClean="0"/>
+            </a:br>
+            <a:r>
+              <a:rPr lang="en-US" sz="3100" dirty="0" smtClean="0">
+                <a:hlinkClick r:id="rId3"/>
+              </a:rPr>
+              <a:t>draft-ioametal-ippm-6man-ioam-ipv6-options</a:t>
+            </a:r>
+            <a:endParaRPr lang="en-US" sz="3100" dirty="0"/>
+          </a:p>
+        </p:txBody>
+      </p:sp>
+      <p:pic>
+        <p:nvPicPr>
+          <p:cNvPr id="5" name="Picture 4"/>
+          <p:cNvPicPr>
+            <a:picLocks noChangeAspect="1"/>
+          </p:cNvPicPr>
+          <p:nvPr/>
+        </p:nvPicPr>
+        <p:blipFill>
+          <a:blip r:embed="rId4">
+            <a:extLst>
+              <a:ext uri="{28A0092B-C50C-407E-A947-70E740481C1C}">
+                <a14:useLocalDpi xmlns:a14="http://schemas.microsoft.com/office/drawing/2010/main" val="0"/>
+              </a:ext>
+            </a:extLst>
+          </a:blip>
+          <a:stretch>
+            <a:fillRect/>
+          </a:stretch>
+        </p:blipFill>
+        <p:spPr>
+          <a:xfrm>
+            <a:off x="1142999" y="1430868"/>
+            <a:ext cx="6446837" cy="3212028"/>
+          </a:xfrm>
+          <a:prstGeom prst="rect">
+            <a:avLst/>
+          </a:prstGeom>
+        </p:spPr>
+      </p:pic>
+    </p:spTree>
+    <p:extLst>
+      <p:ext uri="{BB962C8B-B14F-4D97-AF65-F5344CB8AC3E}">
+        <p14:creationId xmlns:p14="http://schemas.microsoft.com/office/powerpoint/2010/main" val="2060144791"/>
+      </p:ext>
+    </p:extLst>
+  </p:cSld>
+  <p:clrMapOvr>
+    <a:masterClrMapping/>
+  </p:clrMapOvr>
+  <p:transition spd="med">
+    <p:fade/>
+  </p:transition>
+  <p:timing>
+    <p:tnLst>
+      <p:par>
+        <p:cTn id="1" dur="indefinite" restart="never" nodeType="tmRoot"/>
+      </p:par>
+    </p:tnLst>
+  </p:timing>
+</p:sld>
+</file>
+
+<file path=ppt/slides/slide13.xml><?xml version="1.0" encoding="utf-8"?>
+<p:sld xmlns:a="http://schemas.openxmlformats.org/drawingml/2006/main" xmlns:r="http://schemas.openxmlformats.org/officeDocument/2006/relationships" xmlns:p="http://schemas.openxmlformats.org/presentationml/2006/main">
+  <p:cSld>
+    <p:spTree>
+      <p:nvGrpSpPr>
+        <p:cNvPr id="1" name=""/>
+        <p:cNvGrpSpPr/>
+        <p:nvPr/>
+      </p:nvGrpSpPr>
+      <p:grpSpPr>
+        <a:xfrm>
+          <a:off x="0" y="0"/>
+          <a:ext cx="0" cy="0"/>
+          <a:chOff x="0" y="0"/>
+          <a:chExt cx="0" cy="0"/>
+        </a:xfrm>
+      </p:grpSpPr>
+      <p:sp>
+        <p:nvSpPr>
           <p:cNvPr id="5" name="Title 4"/>
           <p:cNvSpPr>
             <a:spLocks noGrp="1"/>
@@ -5107,7 +7193,7 @@
 </p:sld>
 </file>
 
-<file path=ppt/slides/slide11.xml><?xml version="1.0" encoding="utf-8"?>
+<file path=ppt/slides/slide14.xml><?xml version="1.0" encoding="utf-8"?>
 <p:sld xmlns:a="http://schemas.openxmlformats.org/drawingml/2006/main" xmlns:r="http://schemas.openxmlformats.org/officeDocument/2006/relationships" xmlns:p="http://schemas.openxmlformats.org/presentationml/2006/main">
   <p:cSld>
     <p:spTree>
@@ -5684,6 +7770,29 @@
           </a:p>
         </p:txBody>
       </p:sp>
+      <p:sp>
+        <p:nvSpPr>
+          <p:cNvPr id="2" name="Slide Number Placeholder 1"/>
+          <p:cNvSpPr>
+            <a:spLocks noGrp="1"/>
+          </p:cNvSpPr>
+          <p:nvPr>
+            <p:ph type="sldNum" sz="quarter" idx="12"/>
+          </p:nvPr>
+        </p:nvSpPr>
+        <p:spPr/>
+        <p:txBody>
+          <a:bodyPr/>
+          <a:lstStyle/>
+          <a:p>
+            <a:fld id="{BE427A2F-4327-CD41-8979-22A6985694E5}" type="slidenum">
+              <a:rPr lang="en-US" smtClean="0"/>
+              <a:t>14</a:t>
+            </a:fld>
+            <a:endParaRPr lang="en-US"/>
+          </a:p>
+        </p:txBody>
+      </p:sp>
     </p:spTree>
     <p:extLst>
       <p:ext uri="{BB962C8B-B14F-4D97-AF65-F5344CB8AC3E}">
@@ -5704,7 +7813,7 @@
 </p:sld>
 </file>
 
-<file path=ppt/slides/slide12.xml><?xml version="1.0" encoding="utf-8"?>
+<file path=ppt/slides/slide15.xml><?xml version="1.0" encoding="utf-8"?>
 <p:sld xmlns:a="http://schemas.openxmlformats.org/drawingml/2006/main" xmlns:r="http://schemas.openxmlformats.org/officeDocument/2006/relationships" xmlns:p="http://schemas.openxmlformats.org/presentationml/2006/main">
   <p:cSld>
     <p:spTree>
@@ -5911,7 +8020,7 @@
           <a:p>
             <a:fld id="{A824E06C-F328-F443-9EC9-BD811C285C5A}" type="slidenum">
               <a:rPr lang="en-US" smtClean="0"/>
-              <a:t>12</a:t>
+              <a:t>15</a:t>
             </a:fld>
             <a:endParaRPr lang="en-US"/>
           </a:p>
@@ -5937,7 +8046,7 @@
 </p:sld>
 </file>
 
-<file path=ppt/slides/slide13.xml><?xml version="1.0" encoding="utf-8"?>
+<file path=ppt/slides/slide16.xml><?xml version="1.0" encoding="utf-8"?>
 <p:sld xmlns:a="http://schemas.openxmlformats.org/drawingml/2006/main" xmlns:r="http://schemas.openxmlformats.org/officeDocument/2006/relationships" xmlns:p="http://schemas.openxmlformats.org/presentationml/2006/main">
   <p:cSld>
     <p:spTree>
@@ -6011,35 +8120,35 @@
                 <a:gridCol w="553479">
                   <a:extLst>
                     <a:ext uri="{9D8B030D-6E8A-4147-A177-3AD203B41FA5}">
-                      <a16:colId xmlns:a16="http://schemas.microsoft.com/office/drawing/2014/main" val="20000"/>
+                      <a16:colId xmlns="" xmlns:a16="http://schemas.microsoft.com/office/drawing/2014/main" val="20000"/>
                     </a:ext>
                   </a:extLst>
                 </a:gridCol>
                 <a:gridCol w="2338405">
                   <a:extLst>
                     <a:ext uri="{9D8B030D-6E8A-4147-A177-3AD203B41FA5}">
-                      <a16:colId xmlns:a16="http://schemas.microsoft.com/office/drawing/2014/main" val="20001"/>
+                      <a16:colId xmlns="" xmlns:a16="http://schemas.microsoft.com/office/drawing/2014/main" val="20001"/>
                     </a:ext>
                   </a:extLst>
                 </a:gridCol>
                 <a:gridCol w="1271239">
                   <a:extLst>
                     <a:ext uri="{9D8B030D-6E8A-4147-A177-3AD203B41FA5}">
-                      <a16:colId xmlns:a16="http://schemas.microsoft.com/office/drawing/2014/main" val="20002"/>
+                      <a16:colId xmlns="" xmlns:a16="http://schemas.microsoft.com/office/drawing/2014/main" val="20002"/>
                     </a:ext>
                   </a:extLst>
                 </a:gridCol>
                 <a:gridCol w="1037063">
                   <a:extLst>
                     <a:ext uri="{9D8B030D-6E8A-4147-A177-3AD203B41FA5}">
-                      <a16:colId xmlns:a16="http://schemas.microsoft.com/office/drawing/2014/main" val="20003"/>
+                      <a16:colId xmlns="" xmlns:a16="http://schemas.microsoft.com/office/drawing/2014/main" val="20003"/>
                     </a:ext>
                   </a:extLst>
                 </a:gridCol>
                 <a:gridCol w="5454804">
                   <a:extLst>
                     <a:ext uri="{9D8B030D-6E8A-4147-A177-3AD203B41FA5}">
-                      <a16:colId xmlns:a16="http://schemas.microsoft.com/office/drawing/2014/main" val="20004"/>
+                      <a16:colId xmlns="" xmlns:a16="http://schemas.microsoft.com/office/drawing/2014/main" val="20004"/>
                     </a:ext>
                   </a:extLst>
                 </a:gridCol>
@@ -6303,7 +8412,7 @@
                 </a:tc>
                 <a:extLst>
                   <a:ext uri="{0D108BD9-81ED-4DB2-BD59-A6C34878D82A}">
-                    <a16:rowId xmlns:a16="http://schemas.microsoft.com/office/drawing/2014/main" val="10000"/>
+                    <a16:rowId xmlns="" xmlns:a16="http://schemas.microsoft.com/office/drawing/2014/main" val="10000"/>
                   </a:ext>
                 </a:extLst>
               </a:tr>
@@ -6590,7 +8699,7 @@
                 </a:tc>
                 <a:extLst>
                   <a:ext uri="{0D108BD9-81ED-4DB2-BD59-A6C34878D82A}">
-                    <a16:rowId xmlns:a16="http://schemas.microsoft.com/office/drawing/2014/main" val="10001"/>
+                    <a16:rowId xmlns="" xmlns:a16="http://schemas.microsoft.com/office/drawing/2014/main" val="10001"/>
                   </a:ext>
                 </a:extLst>
               </a:tr>
@@ -6847,7 +8956,7 @@
                 </a:tc>
                 <a:extLst>
                   <a:ext uri="{0D108BD9-81ED-4DB2-BD59-A6C34878D82A}">
-                    <a16:rowId xmlns:a16="http://schemas.microsoft.com/office/drawing/2014/main" val="10002"/>
+                    <a16:rowId xmlns="" xmlns:a16="http://schemas.microsoft.com/office/drawing/2014/main" val="10002"/>
                   </a:ext>
                 </a:extLst>
               </a:tr>
@@ -7107,7 +9216,7 @@
                 </a:tc>
                 <a:extLst>
                   <a:ext uri="{0D108BD9-81ED-4DB2-BD59-A6C34878D82A}">
-                    <a16:rowId xmlns:a16="http://schemas.microsoft.com/office/drawing/2014/main" val="10003"/>
+                    <a16:rowId xmlns="" xmlns:a16="http://schemas.microsoft.com/office/drawing/2014/main" val="10003"/>
                   </a:ext>
                 </a:extLst>
               </a:tr>
@@ -7349,7 +9458,7 @@
                 </a:tc>
                 <a:extLst>
                   <a:ext uri="{0D108BD9-81ED-4DB2-BD59-A6C34878D82A}">
-                    <a16:rowId xmlns:a16="http://schemas.microsoft.com/office/drawing/2014/main" val="10004"/>
+                    <a16:rowId xmlns="" xmlns:a16="http://schemas.microsoft.com/office/drawing/2014/main" val="10004"/>
                   </a:ext>
                 </a:extLst>
               </a:tr>
@@ -7374,7 +9483,7 @@
           <a:p>
             <a:fld id="{A824E06C-F328-F443-9EC9-BD811C285C5A}" type="slidenum">
               <a:rPr lang="en-US" smtClean="0"/>
-              <a:t>13</a:t>
+              <a:t>16</a:t>
             </a:fld>
             <a:endParaRPr lang="en-US"/>
           </a:p>
@@ -7590,7 +9699,7 @@
 </p:sld>
 </file>
 
-<file path=ppt/slides/slide14.xml><?xml version="1.0" encoding="utf-8"?>
+<file path=ppt/slides/slide17.xml><?xml version="1.0" encoding="utf-8"?>
 <p:sld xmlns:a="http://schemas.openxmlformats.org/drawingml/2006/main" xmlns:r="http://schemas.openxmlformats.org/officeDocument/2006/relationships" xmlns:p="http://schemas.openxmlformats.org/presentationml/2006/main">
   <p:cSld>
     <p:spTree>
@@ -7664,28 +9773,28 @@
                 <a:gridCol w="3018869">
                   <a:extLst>
                     <a:ext uri="{9D8B030D-6E8A-4147-A177-3AD203B41FA5}">
-                      <a16:colId xmlns:a16="http://schemas.microsoft.com/office/drawing/2014/main" val="20000"/>
+                      <a16:colId xmlns="" xmlns:a16="http://schemas.microsoft.com/office/drawing/2014/main" val="20000"/>
                     </a:ext>
                   </a:extLst>
                 </a:gridCol>
                 <a:gridCol w="1281480">
                   <a:extLst>
                     <a:ext uri="{9D8B030D-6E8A-4147-A177-3AD203B41FA5}">
-                      <a16:colId xmlns:a16="http://schemas.microsoft.com/office/drawing/2014/main" val="20001"/>
+                      <a16:colId xmlns="" xmlns:a16="http://schemas.microsoft.com/office/drawing/2014/main" val="20001"/>
                     </a:ext>
                   </a:extLst>
                 </a:gridCol>
                 <a:gridCol w="1145937">
                   <a:extLst>
                     <a:ext uri="{9D8B030D-6E8A-4147-A177-3AD203B41FA5}">
-                      <a16:colId xmlns:a16="http://schemas.microsoft.com/office/drawing/2014/main" val="20002"/>
+                      <a16:colId xmlns="" xmlns:a16="http://schemas.microsoft.com/office/drawing/2014/main" val="20002"/>
                     </a:ext>
                   </a:extLst>
                 </a:gridCol>
                 <a:gridCol w="6173282">
                   <a:extLst>
                     <a:ext uri="{9D8B030D-6E8A-4147-A177-3AD203B41FA5}">
-                      <a16:colId xmlns:a16="http://schemas.microsoft.com/office/drawing/2014/main" val="20003"/>
+                      <a16:colId xmlns="" xmlns:a16="http://schemas.microsoft.com/office/drawing/2014/main" val="20003"/>
                     </a:ext>
                   </a:extLst>
                 </a:gridCol>
@@ -8081,7 +10190,7 @@
                 </a:tc>
                 <a:extLst>
                   <a:ext uri="{0D108BD9-81ED-4DB2-BD59-A6C34878D82A}">
-                    <a16:rowId xmlns:a16="http://schemas.microsoft.com/office/drawing/2014/main" val="10000"/>
+                    <a16:rowId xmlns="" xmlns:a16="http://schemas.microsoft.com/office/drawing/2014/main" val="10000"/>
                   </a:ext>
                 </a:extLst>
               </a:tr>
@@ -8554,7 +10663,7 @@
                 </a:tc>
                 <a:extLst>
                   <a:ext uri="{0D108BD9-81ED-4DB2-BD59-A6C34878D82A}">
-                    <a16:rowId xmlns:a16="http://schemas.microsoft.com/office/drawing/2014/main" val="10001"/>
+                    <a16:rowId xmlns="" xmlns:a16="http://schemas.microsoft.com/office/drawing/2014/main" val="10001"/>
                   </a:ext>
                 </a:extLst>
               </a:tr>
@@ -8758,7 +10867,7 @@
                 </a:tc>
                 <a:extLst>
                   <a:ext uri="{0D108BD9-81ED-4DB2-BD59-A6C34878D82A}">
-                    <a16:rowId xmlns:a16="http://schemas.microsoft.com/office/drawing/2014/main" val="10002"/>
+                    <a16:rowId xmlns="" xmlns:a16="http://schemas.microsoft.com/office/drawing/2014/main" val="10002"/>
                   </a:ext>
                 </a:extLst>
               </a:tr>
@@ -8966,7 +11075,7 @@
                 </a:tc>
                 <a:extLst>
                   <a:ext uri="{0D108BD9-81ED-4DB2-BD59-A6C34878D82A}">
-                    <a16:rowId xmlns:a16="http://schemas.microsoft.com/office/drawing/2014/main" val="10003"/>
+                    <a16:rowId xmlns="" xmlns:a16="http://schemas.microsoft.com/office/drawing/2014/main" val="10003"/>
                   </a:ext>
                 </a:extLst>
               </a:tr>
@@ -9174,7 +11283,7 @@
                 </a:tc>
                 <a:extLst>
                   <a:ext uri="{0D108BD9-81ED-4DB2-BD59-A6C34878D82A}">
-                    <a16:rowId xmlns:a16="http://schemas.microsoft.com/office/drawing/2014/main" val="10004"/>
+                    <a16:rowId xmlns="" xmlns:a16="http://schemas.microsoft.com/office/drawing/2014/main" val="10004"/>
                   </a:ext>
                 </a:extLst>
               </a:tr>
@@ -9382,7 +11491,7 @@
                 </a:tc>
                 <a:extLst>
                   <a:ext uri="{0D108BD9-81ED-4DB2-BD59-A6C34878D82A}">
-                    <a16:rowId xmlns:a16="http://schemas.microsoft.com/office/drawing/2014/main" val="10005"/>
+                    <a16:rowId xmlns="" xmlns:a16="http://schemas.microsoft.com/office/drawing/2014/main" val="10005"/>
                   </a:ext>
                 </a:extLst>
               </a:tr>
@@ -9636,7 +11745,7 @@
           <a:p>
             <a:fld id="{A824E06C-F328-F443-9EC9-BD811C285C5A}" type="slidenum">
               <a:rPr lang="en-US" smtClean="0"/>
-              <a:t>14</a:t>
+              <a:t>17</a:t>
             </a:fld>
             <a:endParaRPr lang="en-US"/>
           </a:p>
@@ -9662,7 +11771,7 @@
 </p:sld>
 </file>
 
-<file path=ppt/slides/slide15.xml><?xml version="1.0" encoding="utf-8"?>
+<file path=ppt/slides/slide18.xml><?xml version="1.0" encoding="utf-8"?>
 <p:sld xmlns:a="http://schemas.openxmlformats.org/drawingml/2006/main" xmlns:r="http://schemas.openxmlformats.org/officeDocument/2006/relationships" xmlns:p="http://schemas.openxmlformats.org/presentationml/2006/main">
   <p:cSld>
     <p:spTree>
@@ -11354,7 +13463,7 @@
           <a:p>
             <a:fld id="{A824E06C-F328-F443-9EC9-BD811C285C5A}" type="slidenum">
               <a:rPr lang="en-US" smtClean="0"/>
-              <a:t>15</a:t>
+              <a:t>18</a:t>
             </a:fld>
             <a:endParaRPr lang="en-US"/>
           </a:p>
@@ -11521,7 +13630,7 @@
 </p:sld>
 </file>
 
-<file path=ppt/slides/slide16.xml><?xml version="1.0" encoding="utf-8"?>
+<file path=ppt/slides/slide19.xml><?xml version="1.0" encoding="utf-8"?>
 <p:sld xmlns:a="http://schemas.openxmlformats.org/drawingml/2006/main" xmlns:r="http://schemas.openxmlformats.org/officeDocument/2006/relationships" xmlns:p="http://schemas.openxmlformats.org/presentationml/2006/main">
   <p:cSld>
     <p:spTree>
@@ -13416,7 +15525,7 @@
           <a:p>
             <a:fld id="{A824E06C-F328-F443-9EC9-BD811C285C5A}" type="slidenum">
               <a:rPr lang="en-US" smtClean="0"/>
-              <a:t>16</a:t>
+              <a:t>19</a:t>
             </a:fld>
             <a:endParaRPr lang="en-US"/>
           </a:p>
@@ -13426,366 +15535,6 @@
     <p:extLst>
       <p:ext uri="{BB962C8B-B14F-4D97-AF65-F5344CB8AC3E}">
         <p14:creationId xmlns:p14="http://schemas.microsoft.com/office/powerpoint/2010/main" val="1547536638"/>
-      </p:ext>
-    </p:extLst>
-  </p:cSld>
-  <p:clrMapOvr>
-    <a:masterClrMapping/>
-  </p:clrMapOvr>
-  <p:timing>
-    <p:tnLst>
-      <p:par>
-        <p:cTn id="1" dur="indefinite" restart="never" nodeType="tmRoot"/>
-      </p:par>
-    </p:tnLst>
-  </p:timing>
-</p:sld>
-</file>
-
-<file path=ppt/slides/slide17.xml><?xml version="1.0" encoding="utf-8"?>
-<p:sld xmlns:a="http://schemas.openxmlformats.org/drawingml/2006/main" xmlns:r="http://schemas.openxmlformats.org/officeDocument/2006/relationships" xmlns:p="http://schemas.openxmlformats.org/presentationml/2006/main">
-  <p:cSld>
-    <p:spTree>
-      <p:nvGrpSpPr>
-        <p:cNvPr id="1" name=""/>
-        <p:cNvGrpSpPr/>
-        <p:nvPr/>
-      </p:nvGrpSpPr>
-      <p:grpSpPr>
-        <a:xfrm>
-          <a:off x="0" y="0"/>
-          <a:ext cx="0" cy="0"/>
-          <a:chOff x="0" y="0"/>
-          <a:chExt cx="0" cy="0"/>
-        </a:xfrm>
-      </p:grpSpPr>
-      <p:sp>
-        <p:nvSpPr>
-          <p:cNvPr id="4" name="Title 3"/>
-          <p:cNvSpPr>
-            <a:spLocks noGrp="1"/>
-          </p:cNvSpPr>
-          <p:nvPr>
-            <p:ph type="title"/>
-          </p:nvPr>
-        </p:nvSpPr>
-        <p:spPr/>
-        <p:txBody>
-          <a:bodyPr/>
-          <a:lstStyle/>
-          <a:p>
-            <a:r>
-              <a:rPr lang="en-US" dirty="0" smtClean="0"/>
-              <a:t>Next Steps</a:t>
-            </a:r>
-            <a:endParaRPr lang="en-US" dirty="0"/>
-          </a:p>
-        </p:txBody>
-      </p:sp>
-      <p:sp>
-        <p:nvSpPr>
-          <p:cNvPr id="5" name="Text Placeholder 4"/>
-          <p:cNvSpPr>
-            <a:spLocks noGrp="1"/>
-          </p:cNvSpPr>
-          <p:nvPr>
-            <p:ph type="body" idx="1"/>
-          </p:nvPr>
-        </p:nvSpPr>
-        <p:spPr/>
-        <p:txBody>
-          <a:bodyPr/>
-          <a:lstStyle/>
-          <a:p>
-            <a:endParaRPr lang="en-US"/>
-          </a:p>
-        </p:txBody>
-      </p:sp>
-    </p:spTree>
-    <p:extLst>
-      <p:ext uri="{BB962C8B-B14F-4D97-AF65-F5344CB8AC3E}">
-        <p14:creationId xmlns:p14="http://schemas.microsoft.com/office/powerpoint/2010/main" val="1754804426"/>
-      </p:ext>
-    </p:extLst>
-  </p:cSld>
-  <p:clrMapOvr>
-    <a:masterClrMapping/>
-  </p:clrMapOvr>
-  <p:timing>
-    <p:tnLst>
-      <p:par>
-        <p:cTn id="1" dur="indefinite" restart="never" nodeType="tmRoot"/>
-      </p:par>
-    </p:tnLst>
-  </p:timing>
-</p:sld>
-</file>
-
-<file path=ppt/slides/slide18.xml><?xml version="1.0" encoding="utf-8"?>
-<p:sld xmlns:a="http://schemas.openxmlformats.org/drawingml/2006/main" xmlns:r="http://schemas.openxmlformats.org/officeDocument/2006/relationships" xmlns:p="http://schemas.openxmlformats.org/presentationml/2006/main">
-  <p:cSld>
-    <p:spTree>
-      <p:nvGrpSpPr>
-        <p:cNvPr id="1" name=""/>
-        <p:cNvGrpSpPr/>
-        <p:nvPr/>
-      </p:nvGrpSpPr>
-      <p:grpSpPr>
-        <a:xfrm>
-          <a:off x="0" y="0"/>
-          <a:ext cx="0" cy="0"/>
-          <a:chOff x="0" y="0"/>
-          <a:chExt cx="0" cy="0"/>
-        </a:xfrm>
-      </p:grpSpPr>
-      <p:sp>
-        <p:nvSpPr>
-          <p:cNvPr id="4" name="Title 3"/>
-          <p:cNvSpPr>
-            <a:spLocks noGrp="1"/>
-          </p:cNvSpPr>
-          <p:nvPr>
-            <p:ph type="title"/>
-          </p:nvPr>
-        </p:nvSpPr>
-        <p:spPr/>
-        <p:txBody>
-          <a:bodyPr/>
-          <a:lstStyle/>
-          <a:p>
-            <a:r>
-              <a:rPr lang="en-US" dirty="0" smtClean="0"/>
-              <a:t>Next Steps</a:t>
-            </a:r>
-            <a:endParaRPr lang="en-US" dirty="0"/>
-          </a:p>
-        </p:txBody>
-      </p:sp>
-      <p:sp>
-        <p:nvSpPr>
-          <p:cNvPr id="5" name="Content Placeholder 4"/>
-          <p:cNvSpPr>
-            <a:spLocks noGrp="1"/>
-          </p:cNvSpPr>
-          <p:nvPr>
-            <p:ph idx="1"/>
-          </p:nvPr>
-        </p:nvSpPr>
-        <p:spPr>
-          <a:xfrm>
-            <a:off x="838200" y="1854200"/>
-            <a:ext cx="10515600" cy="4351338"/>
-          </a:xfrm>
-        </p:spPr>
-        <p:txBody>
-          <a:bodyPr/>
-          <a:lstStyle/>
-          <a:p>
-            <a:pPr marL="228600" lvl="1">
-              <a:spcBef>
-                <a:spcPts val="1000"/>
-              </a:spcBef>
-            </a:pPr>
-            <a:r>
-              <a:rPr lang="en-US" u="sng" dirty="0" smtClean="0">
-                <a:hlinkClick r:id="rId3"/>
-              </a:rPr>
-              <a:t>draft-ietf-ippm-ioam-data</a:t>
-            </a:r>
-            <a:r>
-              <a:rPr lang="en-US" u="sng" dirty="0" smtClean="0"/>
-              <a:t> –</a:t>
-            </a:r>
-            <a:r>
-              <a:rPr lang="en-US" dirty="0" smtClean="0"/>
-              <a:t> Has been stable. WGLC?</a:t>
-            </a:r>
-          </a:p>
-          <a:p>
-            <a:pPr marL="228600" lvl="1">
-              <a:spcBef>
-                <a:spcPts val="1000"/>
-              </a:spcBef>
-            </a:pPr>
-            <a:r>
-              <a:rPr lang="en-US" dirty="0" smtClean="0"/>
-              <a:t>Encapsulation drafts adoption in IPPM:</a:t>
-            </a:r>
-          </a:p>
-          <a:p>
-            <a:pPr marL="685800" lvl="2">
-              <a:spcBef>
-                <a:spcPts val="1000"/>
-              </a:spcBef>
-            </a:pPr>
-            <a:r>
-              <a:rPr lang="en-US" dirty="0" smtClean="0"/>
-              <a:t> VXLAN GPE: draft-</a:t>
-            </a:r>
-            <a:r>
-              <a:rPr lang="en-US" dirty="0" err="1" smtClean="0"/>
-              <a:t>brockners</a:t>
-            </a:r>
-            <a:r>
-              <a:rPr lang="en-US" dirty="0" smtClean="0"/>
-              <a:t>-</a:t>
-            </a:r>
-            <a:r>
-              <a:rPr lang="en-US" dirty="0" err="1" smtClean="0"/>
-              <a:t>ippm-ioam-vxlan-gpe</a:t>
-            </a:r>
-            <a:endParaRPr lang="en-US" dirty="0" smtClean="0"/>
-          </a:p>
-          <a:p>
-            <a:pPr marL="685800" lvl="2">
-              <a:spcBef>
-                <a:spcPts val="1000"/>
-              </a:spcBef>
-            </a:pPr>
-            <a:r>
-              <a:rPr lang="en-US" dirty="0" smtClean="0"/>
-              <a:t>GENEVE: draft-</a:t>
-            </a:r>
-            <a:r>
-              <a:rPr lang="en-US" dirty="0" err="1" smtClean="0"/>
-              <a:t>brockners</a:t>
-            </a:r>
-            <a:r>
-              <a:rPr lang="en-US" dirty="0" smtClean="0"/>
-              <a:t>-</a:t>
-            </a:r>
-            <a:r>
-              <a:rPr lang="en-US" dirty="0" err="1" smtClean="0"/>
-              <a:t>ippm-ioam-geneve</a:t>
-            </a:r>
-            <a:endParaRPr lang="en-US" dirty="0" smtClean="0"/>
-          </a:p>
-          <a:p>
-            <a:pPr marL="685800" lvl="2">
-              <a:spcBef>
-                <a:spcPts val="1000"/>
-              </a:spcBef>
-            </a:pPr>
-            <a:r>
-              <a:rPr lang="en-US" dirty="0" smtClean="0"/>
-              <a:t>GRE: draft-</a:t>
-            </a:r>
-            <a:r>
-              <a:rPr lang="en-US" dirty="0" err="1" smtClean="0"/>
-              <a:t>weis</a:t>
-            </a:r>
-            <a:r>
-              <a:rPr lang="en-US" dirty="0" smtClean="0"/>
-              <a:t>-</a:t>
-            </a:r>
-            <a:r>
-              <a:rPr lang="en-US" dirty="0" err="1" smtClean="0"/>
-              <a:t>ippm-ioam-gre</a:t>
-            </a:r>
-            <a:endParaRPr lang="en-US" dirty="0" smtClean="0"/>
-          </a:p>
-          <a:p>
-            <a:r>
-              <a:rPr lang="en-US" dirty="0" smtClean="0"/>
-              <a:t>Export draft review</a:t>
-            </a:r>
-          </a:p>
-          <a:p>
-            <a:r>
-              <a:rPr lang="en-US" dirty="0" smtClean="0"/>
-              <a:t>IPv6 draft review</a:t>
-            </a:r>
-            <a:endParaRPr lang="en-US" dirty="0"/>
-          </a:p>
-        </p:txBody>
-      </p:sp>
-      <p:sp>
-        <p:nvSpPr>
-          <p:cNvPr id="2" name="Slide Number Placeholder 1"/>
-          <p:cNvSpPr>
-            <a:spLocks noGrp="1"/>
-          </p:cNvSpPr>
-          <p:nvPr>
-            <p:ph type="sldNum" sz="quarter" idx="12"/>
-          </p:nvPr>
-        </p:nvSpPr>
-        <p:spPr/>
-        <p:txBody>
-          <a:bodyPr/>
-          <a:lstStyle/>
-          <a:p>
-            <a:fld id="{BE427A2F-4327-CD41-8979-22A6985694E5}" type="slidenum">
-              <a:rPr lang="en-US" smtClean="0"/>
-              <a:t>18</a:t>
-            </a:fld>
-            <a:endParaRPr lang="en-US"/>
-          </a:p>
-        </p:txBody>
-      </p:sp>
-    </p:spTree>
-    <p:extLst>
-      <p:ext uri="{BB962C8B-B14F-4D97-AF65-F5344CB8AC3E}">
-        <p14:creationId xmlns:p14="http://schemas.microsoft.com/office/powerpoint/2010/main" val="1765679772"/>
-      </p:ext>
-    </p:extLst>
-  </p:cSld>
-  <p:clrMapOvr>
-    <a:masterClrMapping/>
-  </p:clrMapOvr>
-  <p:timing>
-    <p:tnLst>
-      <p:par>
-        <p:cTn id="1" dur="indefinite" restart="never" nodeType="tmRoot"/>
-      </p:par>
-    </p:tnLst>
-  </p:timing>
-</p:sld>
-</file>
-
-<file path=ppt/slides/slide19.xml><?xml version="1.0" encoding="utf-8"?>
-<p:sld xmlns:a="http://schemas.openxmlformats.org/drawingml/2006/main" xmlns:r="http://schemas.openxmlformats.org/officeDocument/2006/relationships" xmlns:p="http://schemas.openxmlformats.org/presentationml/2006/main">
-  <p:cSld>
-    <p:spTree>
-      <p:nvGrpSpPr>
-        <p:cNvPr id="1" name=""/>
-        <p:cNvGrpSpPr/>
-        <p:nvPr/>
-      </p:nvGrpSpPr>
-      <p:grpSpPr>
-        <a:xfrm>
-          <a:off x="0" y="0"/>
-          <a:ext cx="0" cy="0"/>
-          <a:chOff x="0" y="0"/>
-          <a:chExt cx="0" cy="0"/>
-        </a:xfrm>
-      </p:grpSpPr>
-      <p:sp>
-        <p:nvSpPr>
-          <p:cNvPr id="4" name="Title 3"/>
-          <p:cNvSpPr>
-            <a:spLocks noGrp="1"/>
-          </p:cNvSpPr>
-          <p:nvPr>
-            <p:ph type="title"/>
-          </p:nvPr>
-        </p:nvSpPr>
-        <p:spPr/>
-        <p:txBody>
-          <a:bodyPr/>
-          <a:lstStyle/>
-          <a:p>
-            <a:r>
-              <a:rPr lang="en-US" dirty="0" smtClean="0"/>
-              <a:t>Thank you</a:t>
-            </a:r>
-            <a:endParaRPr lang="en-US" dirty="0"/>
-          </a:p>
-        </p:txBody>
-      </p:sp>
-    </p:spTree>
-    <p:extLst>
-      <p:ext uri="{BB962C8B-B14F-4D97-AF65-F5344CB8AC3E}">
-        <p14:creationId xmlns:p14="http://schemas.microsoft.com/office/powerpoint/2010/main" val="1533885836"/>
       </p:ext>
     </p:extLst>
   </p:cSld>
@@ -14068,7 +15817,7 @@
       </p:grpSpPr>
       <p:sp>
         <p:nvSpPr>
-          <p:cNvPr id="4" name="Title 3"/>
+          <p:cNvPr id="2" name="Title 1"/>
           <p:cNvSpPr>
             <a:spLocks noGrp="1"/>
           </p:cNvSpPr>
@@ -14076,36 +15825,434 @@
             <p:ph type="title"/>
           </p:nvPr>
         </p:nvSpPr>
+        <p:spPr>
+          <a:xfrm>
+            <a:off x="838200" y="365125"/>
+            <a:ext cx="10515600" cy="660787"/>
+          </a:xfrm>
+        </p:spPr>
+        <p:txBody>
+          <a:bodyPr>
+            <a:normAutofit fontScale="90000"/>
+          </a:bodyPr>
+          <a:lstStyle/>
+          <a:p>
+            <a:r>
+              <a:rPr lang="en-US" dirty="0" smtClean="0"/>
+              <a:t>Potential Updates to Existing IPFIX IEs?</a:t>
+            </a:r>
+            <a:endParaRPr lang="en-US" dirty="0"/>
+          </a:p>
+        </p:txBody>
+      </p:sp>
+      <p:sp>
+        <p:nvSpPr>
+          <p:cNvPr id="3" name="Content Placeholder 2"/>
+          <p:cNvSpPr>
+            <a:spLocks noGrp="1"/>
+          </p:cNvSpPr>
+          <p:nvPr>
+            <p:ph idx="1"/>
+          </p:nvPr>
+        </p:nvSpPr>
+        <p:spPr>
+          <a:xfrm>
+            <a:off x="838200" y="1145894"/>
+            <a:ext cx="10515600" cy="5474825"/>
+          </a:xfrm>
+        </p:spPr>
+        <p:txBody>
+          <a:bodyPr>
+            <a:normAutofit fontScale="85000" lnSpcReduction="20000"/>
+          </a:bodyPr>
+          <a:lstStyle/>
+          <a:p>
+            <a:r>
+              <a:rPr lang="en-US" dirty="0"/>
+              <a:t>T</a:t>
+            </a:r>
+            <a:r>
+              <a:rPr lang="en-US" dirty="0" smtClean="0"/>
+              <a:t>he </a:t>
+            </a:r>
+            <a:r>
+              <a:rPr lang="en-US" i="1" dirty="0"/>
+              <a:t>"descriptions" </a:t>
+            </a:r>
+            <a:r>
+              <a:rPr lang="en-US" dirty="0"/>
+              <a:t>of some existing IPFIX information elements </a:t>
+            </a:r>
+            <a:r>
+              <a:rPr lang="en-US" dirty="0" smtClean="0"/>
+              <a:t>impose requirements</a:t>
+            </a:r>
+          </a:p>
+          <a:p>
+            <a:r>
+              <a:rPr lang="en-US" dirty="0" smtClean="0"/>
+              <a:t>There are opportunities to improve efficiency by relaxing these requirements</a:t>
+            </a:r>
+          </a:p>
+          <a:p>
+            <a:r>
+              <a:rPr lang="en-US" i="1" dirty="0"/>
+              <a:t>313 </a:t>
+            </a:r>
+            <a:r>
+              <a:rPr lang="en-US" i="1" dirty="0" err="1" smtClean="0"/>
+              <a:t>ipHeaderPacketSection</a:t>
+            </a:r>
+            <a:r>
+              <a:rPr lang="en-US" i="1" dirty="0" smtClean="0"/>
+              <a:t> </a:t>
+            </a:r>
+            <a:r>
+              <a:rPr lang="en-US" dirty="0" smtClean="0"/>
+              <a:t>and </a:t>
+            </a:r>
+            <a:r>
+              <a:rPr lang="en-US" i="1" dirty="0"/>
+              <a:t>315 </a:t>
+            </a:r>
+            <a:r>
+              <a:rPr lang="en-US" i="1" dirty="0" err="1"/>
+              <a:t>dataLinkFrameSection</a:t>
+            </a:r>
+            <a:endParaRPr lang="en-US" i="1" dirty="0" smtClean="0"/>
+          </a:p>
+          <a:p>
+            <a:pPr lvl="1"/>
+            <a:r>
+              <a:rPr lang="en-US" dirty="0" smtClean="0"/>
+              <a:t>“</a:t>
+            </a:r>
+            <a:r>
+              <a:rPr lang="en-US" i="1" dirty="0" smtClean="0"/>
+              <a:t>When </a:t>
+            </a:r>
+            <a:r>
+              <a:rPr lang="en-US" i="1" dirty="0"/>
+              <a:t>the </a:t>
+            </a:r>
+            <a:r>
+              <a:rPr lang="en-US" i="1" dirty="0" err="1"/>
+              <a:t>sectionExportedOctets</a:t>
+            </a:r>
+            <a:r>
+              <a:rPr lang="en-US" i="1" dirty="0"/>
+              <a:t> field corresponding to this Information Element does not exist, this Information Element SHOULD have a variable length and MUST NOT be </a:t>
+            </a:r>
+            <a:r>
+              <a:rPr lang="en-US" i="1" dirty="0" smtClean="0"/>
+              <a:t>padded</a:t>
+            </a:r>
+            <a:r>
+              <a:rPr lang="en-US" dirty="0" smtClean="0"/>
+              <a:t>”</a:t>
+            </a:r>
+          </a:p>
+          <a:p>
+            <a:pPr lvl="1"/>
+            <a:r>
+              <a:rPr lang="en-US" dirty="0" smtClean="0"/>
+              <a:t>When </a:t>
+            </a:r>
+            <a:r>
+              <a:rPr lang="en-US" i="1" dirty="0" err="1"/>
+              <a:t>ipHeaderPacketSection</a:t>
+            </a:r>
+            <a:r>
+              <a:rPr lang="en-US" i="1" dirty="0"/>
+              <a:t> </a:t>
+            </a:r>
+            <a:r>
+              <a:rPr lang="en-US" dirty="0" smtClean="0"/>
+              <a:t>is fixed size, why </a:t>
+            </a:r>
+            <a:r>
+              <a:rPr lang="en-US" dirty="0"/>
+              <a:t>can't one omit </a:t>
+            </a:r>
+            <a:r>
+              <a:rPr lang="en-US" i="1" dirty="0" err="1"/>
+              <a:t>sectionExportedOctets</a:t>
+            </a:r>
+            <a:r>
+              <a:rPr lang="en-US" dirty="0"/>
+              <a:t> and still use </a:t>
+            </a:r>
+            <a:r>
+              <a:rPr lang="en-US" dirty="0" smtClean="0"/>
+              <a:t>padding?</a:t>
+            </a:r>
+          </a:p>
+          <a:p>
+            <a:pPr lvl="2"/>
+            <a:r>
+              <a:rPr lang="en-US" dirty="0" smtClean="0"/>
+              <a:t>Use total length / payload length in the IP header to determine where padding begins</a:t>
+            </a:r>
+          </a:p>
+          <a:p>
+            <a:pPr lvl="1"/>
+            <a:r>
+              <a:rPr lang="en-US" dirty="0" smtClean="0"/>
+              <a:t>In order to align multiple records within a set, when:</a:t>
+            </a:r>
+          </a:p>
+          <a:p>
+            <a:pPr lvl="2"/>
+            <a:r>
+              <a:rPr lang="en-US" dirty="0" smtClean="0"/>
+              <a:t>the </a:t>
+            </a:r>
+            <a:r>
+              <a:rPr lang="en-US" dirty="0"/>
+              <a:t>length of the IP packet is </a:t>
+            </a:r>
+            <a:r>
+              <a:rPr lang="en-US" dirty="0" smtClean="0"/>
+              <a:t>small and is </a:t>
+            </a:r>
+            <a:r>
+              <a:rPr lang="en-US" dirty="0"/>
+              <a:t>not a multiple of 4 </a:t>
+            </a:r>
+            <a:r>
+              <a:rPr lang="en-US" dirty="0" smtClean="0"/>
+              <a:t>octets</a:t>
+            </a:r>
+          </a:p>
+          <a:p>
+            <a:pPr lvl="2"/>
+            <a:r>
+              <a:rPr lang="en-US" dirty="0"/>
+              <a:t>t</a:t>
+            </a:r>
+            <a:r>
+              <a:rPr lang="en-US" dirty="0" smtClean="0"/>
+              <a:t>here is a variable </a:t>
+            </a:r>
+            <a:r>
+              <a:rPr lang="en-US" dirty="0"/>
+              <a:t>length </a:t>
+            </a:r>
+            <a:r>
+              <a:rPr lang="en-US" dirty="0" smtClean="0"/>
+              <a:t>instance of</a:t>
+            </a:r>
+            <a:r>
+              <a:rPr lang="en-US" dirty="0"/>
+              <a:t> </a:t>
+            </a:r>
+            <a:r>
+              <a:rPr lang="en-US" i="1" dirty="0" err="1" smtClean="0"/>
+              <a:t>ipHeaderPacketSection</a:t>
+            </a:r>
+            <a:r>
+              <a:rPr lang="en-US" dirty="0"/>
+              <a:t> </a:t>
+            </a:r>
+            <a:r>
+              <a:rPr lang="en-US" dirty="0" smtClean="0"/>
+              <a:t>without</a:t>
+            </a:r>
+            <a:r>
+              <a:rPr lang="en-US" dirty="0"/>
+              <a:t> </a:t>
+            </a:r>
+            <a:r>
+              <a:rPr lang="en-US" i="1" dirty="0" err="1" smtClean="0"/>
+              <a:t>sectionExportedOctets</a:t>
+            </a:r>
+            <a:endParaRPr lang="en-US" dirty="0"/>
+          </a:p>
+          <a:p>
+            <a:pPr marL="685800" lvl="2" indent="0">
+              <a:buNone/>
+            </a:pPr>
+            <a:r>
+              <a:rPr lang="en-US" sz="2400" dirty="0" smtClean="0"/>
+              <a:t>Could the</a:t>
+            </a:r>
+            <a:r>
+              <a:rPr lang="en-US" sz="2400" dirty="0"/>
+              <a:t> </a:t>
+            </a:r>
+            <a:r>
+              <a:rPr lang="en-US" sz="2400" i="1" dirty="0"/>
+              <a:t>Length</a:t>
+            </a:r>
+            <a:r>
+              <a:rPr lang="en-US" sz="2400" dirty="0"/>
+              <a:t> </a:t>
+            </a:r>
+            <a:r>
+              <a:rPr lang="en-US" sz="2400" dirty="0" smtClean="0"/>
+              <a:t>be set to </a:t>
+            </a:r>
+            <a:r>
+              <a:rPr lang="en-US" sz="2400" dirty="0"/>
+              <a:t>a multiple of 4 </a:t>
+            </a:r>
+            <a:r>
+              <a:rPr lang="en-US" sz="2400" dirty="0" smtClean="0"/>
+              <a:t>octets, inserting </a:t>
+            </a:r>
+            <a:r>
+              <a:rPr lang="en-US" sz="2400" dirty="0"/>
+              <a:t>0 to 3 octets of </a:t>
+            </a:r>
+            <a:r>
+              <a:rPr lang="en-US" sz="2400" dirty="0" smtClean="0"/>
+              <a:t>padding?</a:t>
+            </a:r>
+          </a:p>
+          <a:p>
+            <a:pPr indent="-217488"/>
+            <a:r>
+              <a:rPr lang="en-US" i="1" dirty="0"/>
+              <a:t>315 </a:t>
+            </a:r>
+            <a:r>
+              <a:rPr lang="en-US" i="1" dirty="0" err="1" smtClean="0"/>
+              <a:t>dataLinkFrameSection</a:t>
+            </a:r>
+            <a:endParaRPr lang="en-US" i="1" dirty="0" smtClean="0"/>
+          </a:p>
+          <a:p>
+            <a:pPr lvl="1" indent="-217488"/>
+            <a:r>
+              <a:rPr lang="en-US" dirty="0" smtClean="0"/>
+              <a:t>“</a:t>
+            </a:r>
+            <a:r>
+              <a:rPr lang="en-US" i="1" dirty="0" smtClean="0"/>
+              <a:t>Further </a:t>
+            </a:r>
+            <a:r>
+              <a:rPr lang="en-US" i="1" dirty="0"/>
+              <a:t>Information Elements, i.e., </a:t>
+            </a:r>
+            <a:r>
+              <a:rPr lang="en-US" i="1" dirty="0" err="1"/>
+              <a:t>dataLinkFrameType</a:t>
+            </a:r>
+            <a:r>
+              <a:rPr lang="en-US" i="1" dirty="0"/>
+              <a:t> and </a:t>
+            </a:r>
+            <a:r>
+              <a:rPr lang="en-US" i="1" dirty="0" err="1"/>
+              <a:t>dataLinkFrameSize</a:t>
+            </a:r>
+            <a:r>
+              <a:rPr lang="en-US" i="1" dirty="0"/>
+              <a:t>, are needed to specify the data link type and the size of the data link frame of this Information </a:t>
+            </a:r>
+            <a:r>
+              <a:rPr lang="en-US" i="1" dirty="0" smtClean="0"/>
+              <a:t>Element</a:t>
+            </a:r>
+            <a:r>
+              <a:rPr lang="en-US" dirty="0" smtClean="0"/>
+              <a:t>”</a:t>
+            </a:r>
+          </a:p>
+          <a:p>
+            <a:pPr lvl="1" indent="-217488"/>
+            <a:r>
+              <a:rPr lang="en-US" dirty="0"/>
+              <a:t>Why can't there be a default value of </a:t>
+            </a:r>
+            <a:r>
+              <a:rPr lang="en-US" i="1" dirty="0"/>
+              <a:t>Ethernet II</a:t>
+            </a:r>
+            <a:r>
+              <a:rPr lang="en-US" dirty="0"/>
+              <a:t> when </a:t>
+            </a:r>
+            <a:r>
+              <a:rPr lang="en-US" i="1" dirty="0" err="1"/>
+              <a:t>dataLinkFrameSection</a:t>
+            </a:r>
+            <a:r>
+              <a:rPr lang="en-US" dirty="0"/>
+              <a:t> is present but </a:t>
+            </a:r>
+            <a:r>
+              <a:rPr lang="en-US" i="1" dirty="0" err="1"/>
+              <a:t>dataLinkFrameType</a:t>
+            </a:r>
+            <a:r>
+              <a:rPr lang="en-US" dirty="0"/>
+              <a:t> is </a:t>
+            </a:r>
+            <a:r>
+              <a:rPr lang="en-US" dirty="0" smtClean="0"/>
+              <a:t>omitted?</a:t>
+            </a:r>
+          </a:p>
+          <a:p>
+            <a:pPr lvl="1" indent="-217488"/>
+            <a:r>
+              <a:rPr lang="en-US" dirty="0"/>
+              <a:t>Why does </a:t>
+            </a:r>
+            <a:r>
+              <a:rPr lang="en-US" i="1" dirty="0" err="1"/>
+              <a:t>dataLinkFrameSize</a:t>
+            </a:r>
+            <a:r>
+              <a:rPr lang="en-US" dirty="0"/>
+              <a:t> need to be present?</a:t>
+            </a:r>
+            <a:endParaRPr lang="en-US" dirty="0" smtClean="0"/>
+          </a:p>
+          <a:p>
+            <a:pPr lvl="1"/>
+            <a:endParaRPr lang="en-US" dirty="0" smtClean="0"/>
+          </a:p>
+          <a:p>
+            <a:endParaRPr lang="en-US" dirty="0"/>
+          </a:p>
+        </p:txBody>
+      </p:sp>
+      <p:sp>
+        <p:nvSpPr>
+          <p:cNvPr id="4" name="Slide Number Placeholder 3"/>
+          <p:cNvSpPr>
+            <a:spLocks noGrp="1"/>
+          </p:cNvSpPr>
+          <p:nvPr>
+            <p:ph type="sldNum" sz="quarter" idx="12"/>
+          </p:nvPr>
+        </p:nvSpPr>
         <p:spPr/>
         <p:txBody>
           <a:bodyPr/>
           <a:lstStyle/>
           <a:p>
-            <a:r>
-              <a:rPr lang="en-US" dirty="0" smtClean="0"/>
-              <a:t>Backup Slides</a:t>
-            </a:r>
-            <a:endParaRPr lang="en-US" dirty="0"/>
+            <a:fld id="{BE427A2F-4327-CD41-8979-22A6985694E5}" type="slidenum">
+              <a:rPr lang="en-US" smtClean="0"/>
+              <a:t>20</a:t>
+            </a:fld>
+            <a:endParaRPr lang="en-US"/>
           </a:p>
         </p:txBody>
       </p:sp>
     </p:spTree>
     <p:extLst>
       <p:ext uri="{BB962C8B-B14F-4D97-AF65-F5344CB8AC3E}">
-        <p14:creationId xmlns:p14="http://schemas.microsoft.com/office/powerpoint/2010/main" val="1813109205"/>
+        <p14:creationId xmlns:p14="http://schemas.microsoft.com/office/powerpoint/2010/main" val="1034282766"/>
       </p:ext>
     </p:extLst>
   </p:cSld>
   <p:clrMapOvr>
     <a:masterClrMapping/>
   </p:clrMapOvr>
-  <p:timing>
-    <p:tnLst>
-      <p:par>
-        <p:cTn id="1" dur="indefinite" restart="never" nodeType="tmRoot"/>
-      </p:par>
-    </p:tnLst>
-  </p:timing>
 </p:sld>
 </file>
 
@@ -14143,7 +16290,7 @@
           <a:p>
             <a:r>
               <a:rPr lang="en-US" dirty="0" smtClean="0"/>
-              <a:t>Abstract and Requirements</a:t>
+              <a:t>Next Steps</a:t>
             </a:r>
             <a:endParaRPr lang="en-US" dirty="0"/>
           </a:p>
@@ -14151,248 +16298,27 @@
       </p:sp>
       <p:sp>
         <p:nvSpPr>
-          <p:cNvPr id="5" name="Content Placeholder 4"/>
+          <p:cNvPr id="5" name="Text Placeholder 4"/>
           <p:cNvSpPr>
             <a:spLocks noGrp="1"/>
           </p:cNvSpPr>
           <p:nvPr>
-            <p:ph idx="1"/>
+            <p:ph type="body" idx="1"/>
           </p:nvPr>
         </p:nvSpPr>
         <p:spPr/>
         <p:txBody>
-          <a:bodyPr>
-            <a:normAutofit fontScale="77500" lnSpcReduction="20000"/>
-          </a:bodyPr>
+          <a:bodyPr/>
           <a:lstStyle/>
           <a:p>
-            <a:r>
-              <a:rPr lang="en-US" dirty="0" smtClean="0"/>
-              <a:t>Abstract:</a:t>
-            </a:r>
-          </a:p>
-          <a:p>
-            <a:pPr lvl="1"/>
-            <a:r>
-              <a:rPr lang="en-US" dirty="0" smtClean="0"/>
-              <a:t>This </a:t>
-            </a:r>
-            <a:r>
-              <a:rPr lang="en-US" dirty="0"/>
-              <a:t>document </a:t>
-            </a:r>
-            <a:r>
-              <a:rPr lang="en-US" dirty="0" smtClean="0"/>
-              <a:t>discusses </a:t>
-            </a:r>
-            <a:r>
-              <a:rPr lang="en-US" dirty="0"/>
-              <a:t>how In-situ Operations, Administration, </a:t>
-            </a:r>
-            <a:r>
-              <a:rPr lang="en-US" dirty="0" smtClean="0"/>
-              <a:t>and Maintenance (</a:t>
-            </a:r>
-            <a:r>
-              <a:rPr lang="en-US" dirty="0"/>
-              <a:t>IOAM) information can be exported in raw, i.e. </a:t>
-            </a:r>
-            <a:r>
-              <a:rPr lang="en-US" dirty="0" err="1" smtClean="0"/>
-              <a:t>uninterpreted</a:t>
-            </a:r>
-            <a:r>
-              <a:rPr lang="en-US" dirty="0" smtClean="0"/>
-              <a:t>, format from </a:t>
-            </a:r>
-            <a:r>
-              <a:rPr lang="en-US" dirty="0"/>
-              <a:t>network devices to systems, such as monitoring or </a:t>
-            </a:r>
-            <a:r>
-              <a:rPr lang="en-US" dirty="0" smtClean="0"/>
-              <a:t>analytics systems </a:t>
-            </a:r>
-            <a:r>
-              <a:rPr lang="en-US" dirty="0"/>
-              <a:t>using </a:t>
-            </a:r>
-            <a:r>
-              <a:rPr lang="en-US" dirty="0" smtClean="0"/>
-              <a:t>IPFIX</a:t>
-            </a:r>
-          </a:p>
-          <a:p>
-            <a:r>
-              <a:rPr lang="en-US" dirty="0" smtClean="0"/>
-              <a:t>Requirements</a:t>
-            </a:r>
-          </a:p>
-          <a:p>
-            <a:pPr lvl="1"/>
-            <a:r>
-              <a:rPr lang="en-US" dirty="0"/>
-              <a:t>Export all IOAM information contained in a </a:t>
-            </a:r>
-            <a:r>
-              <a:rPr lang="en-US" dirty="0" smtClean="0"/>
-              <a:t>packet</a:t>
-            </a:r>
-          </a:p>
-          <a:p>
-            <a:pPr lvl="1"/>
-            <a:r>
-              <a:rPr lang="en-US" dirty="0"/>
-              <a:t>Export a specific IOAM data type - Incremental Trace type</a:t>
-            </a:r>
-            <a:r>
-              <a:rPr lang="en-US" dirty="0" smtClean="0"/>
-              <a:t>, </a:t>
-            </a:r>
-            <a:r>
-              <a:rPr lang="en-US" dirty="0" err="1"/>
-              <a:t>Preallocated</a:t>
-            </a:r>
-            <a:r>
-              <a:rPr lang="en-US" dirty="0"/>
-              <a:t> Trace type, Proof of Transit type, Edge to Edge </a:t>
-            </a:r>
-            <a:r>
-              <a:rPr lang="en-US" dirty="0" smtClean="0"/>
-              <a:t>type</a:t>
-            </a:r>
-          </a:p>
-          <a:p>
-            <a:pPr lvl="1"/>
-            <a:r>
-              <a:rPr lang="en-US" dirty="0"/>
-              <a:t>Support coalescing of the IOAM data from multiple packets into </a:t>
-            </a:r>
-            <a:r>
-              <a:rPr lang="en-US" dirty="0" smtClean="0"/>
-              <a:t>a </a:t>
-            </a:r>
-            <a:r>
-              <a:rPr lang="en-US" dirty="0"/>
-              <a:t>single raw export packet</a:t>
-            </a:r>
-            <a:r>
-              <a:rPr lang="en-US" dirty="0" smtClean="0"/>
-              <a:t>.</a:t>
-            </a:r>
-          </a:p>
-          <a:p>
-            <a:pPr lvl="1"/>
-            <a:r>
-              <a:rPr lang="en-US" dirty="0"/>
-              <a:t>Support export of additional parts of the packet, other than </a:t>
-            </a:r>
-            <a:r>
-              <a:rPr lang="en-US" dirty="0" smtClean="0"/>
-              <a:t>the </a:t>
-            </a:r>
-            <a:r>
-              <a:rPr lang="en-US" dirty="0"/>
-              <a:t>IOAM data as part of the raw export. </a:t>
-            </a:r>
-            <a:r>
-              <a:rPr lang="en-US" dirty="0" smtClean="0"/>
-              <a:t>This </a:t>
-            </a:r>
-            <a:r>
-              <a:rPr lang="en-US" dirty="0"/>
-              <a:t>could be parts of </a:t>
-            </a:r>
-            <a:r>
-              <a:rPr lang="en-US" dirty="0" smtClean="0"/>
-              <a:t>the </a:t>
-            </a:r>
-            <a:r>
-              <a:rPr lang="en-US" dirty="0"/>
-              <a:t>packet header and/or parts of the packet payload. </a:t>
-            </a:r>
-            <a:r>
-              <a:rPr lang="en-US" dirty="0" smtClean="0"/>
-              <a:t>This additional </a:t>
-            </a:r>
-            <a:r>
-              <a:rPr lang="en-US" dirty="0"/>
-              <a:t>information provides context to the IOAM data (e.g. to be used </a:t>
-            </a:r>
-            <a:r>
-              <a:rPr lang="en-US" dirty="0" smtClean="0"/>
-              <a:t>for </a:t>
-            </a:r>
-            <a:r>
-              <a:rPr lang="en-US" dirty="0"/>
-              <a:t>flow identification) and is to enable the IOAM data </a:t>
-            </a:r>
-            <a:r>
-              <a:rPr lang="en-US" dirty="0" smtClean="0"/>
-              <a:t>processing </a:t>
-            </a:r>
-            <a:r>
-              <a:rPr lang="en-US" dirty="0"/>
-              <a:t>system to perform further analysis on the received data</a:t>
-            </a:r>
-            <a:r>
-              <a:rPr lang="en-US" dirty="0" smtClean="0"/>
-              <a:t>.</a:t>
-            </a:r>
-          </a:p>
-          <a:p>
-            <a:pPr lvl="1"/>
-            <a:r>
-              <a:rPr lang="en-US" dirty="0"/>
-              <a:t>Report the reason why IOAM data was exported.  The "reason </a:t>
-            </a:r>
-            <a:r>
-              <a:rPr lang="en-US" dirty="0" smtClean="0"/>
-              <a:t>for </a:t>
-            </a:r>
-            <a:r>
-              <a:rPr lang="en-US" dirty="0"/>
-              <a:t>export" is to complement the IOAM data retrieved from the packet</a:t>
-            </a:r>
-            <a:r>
-              <a:rPr lang="en-US" dirty="0" smtClean="0"/>
-              <a:t>. </a:t>
-            </a:r>
-            <a:r>
-              <a:rPr lang="en-US" dirty="0"/>
-              <a:t>For example, if a packet was dropped by a node due to congestion</a:t>
-            </a:r>
-            <a:r>
-              <a:rPr lang="en-US" dirty="0" smtClean="0"/>
-              <a:t>, </a:t>
-            </a:r>
-            <a:r>
-              <a:rPr lang="en-US" dirty="0"/>
-              <a:t>it could be helpful to export the IOAM data of this dropped </a:t>
-            </a:r>
-            <a:r>
-              <a:rPr lang="en-US" dirty="0" smtClean="0"/>
-              <a:t>packet </a:t>
-            </a:r>
-            <a:r>
-              <a:rPr lang="en-US" dirty="0"/>
-              <a:t>along with an indication that the packet that the IOAM </a:t>
-            </a:r>
-            <a:r>
-              <a:rPr lang="en-US" dirty="0" smtClean="0"/>
-              <a:t>data </a:t>
-            </a:r>
-            <a:r>
-              <a:rPr lang="en-US" dirty="0"/>
-              <a:t>belongs to was dropped due to congestion.</a:t>
-            </a:r>
+            <a:endParaRPr lang="en-US"/>
           </a:p>
         </p:txBody>
       </p:sp>
     </p:spTree>
     <p:extLst>
       <p:ext uri="{BB962C8B-B14F-4D97-AF65-F5344CB8AC3E}">
-        <p14:creationId xmlns:p14="http://schemas.microsoft.com/office/powerpoint/2010/main" val="1542046285"/>
+        <p14:creationId xmlns:p14="http://schemas.microsoft.com/office/powerpoint/2010/main" val="1754804426"/>
       </p:ext>
     </p:extLst>
   </p:cSld>
@@ -14428,7 +16354,7 @@
       </p:grpSpPr>
       <p:sp>
         <p:nvSpPr>
-          <p:cNvPr id="2" name="Title 1"/>
+          <p:cNvPr id="4" name="Title 3"/>
           <p:cNvSpPr>
             <a:spLocks noGrp="1"/>
           </p:cNvSpPr>
@@ -14443,7 +16369,7 @@
           <a:p>
             <a:r>
               <a:rPr lang="en-US" dirty="0" smtClean="0"/>
-              <a:t>Scope</a:t>
+              <a:t>Next Steps</a:t>
             </a:r>
             <a:endParaRPr lang="en-US" dirty="0"/>
           </a:p>
@@ -14451,7 +16377,7 @@
       </p:sp>
       <p:sp>
         <p:nvSpPr>
-          <p:cNvPr id="3" name="Content Placeholder 2"/>
+          <p:cNvPr id="5" name="Content Placeholder 4"/>
           <p:cNvSpPr>
             <a:spLocks noGrp="1"/>
           </p:cNvSpPr>
@@ -14459,135 +16385,161 @@
             <p:ph idx="1"/>
           </p:nvPr>
         </p:nvSpPr>
+        <p:spPr>
+          <a:xfrm>
+            <a:off x="838200" y="1854200"/>
+            <a:ext cx="10515600" cy="4351338"/>
+          </a:xfrm>
+        </p:spPr>
+        <p:txBody>
+          <a:bodyPr/>
+          <a:lstStyle/>
+          <a:p>
+            <a:pPr marL="228600" lvl="1">
+              <a:spcBef>
+                <a:spcPts val="1000"/>
+              </a:spcBef>
+            </a:pPr>
+            <a:r>
+              <a:rPr lang="en-US" u="sng" dirty="0" smtClean="0">
+                <a:hlinkClick r:id="rId3"/>
+              </a:rPr>
+              <a:t>draft-ietf-ippm-ioam-data</a:t>
+            </a:r>
+            <a:r>
+              <a:rPr lang="en-US" u="sng" dirty="0" smtClean="0"/>
+              <a:t> –</a:t>
+            </a:r>
+            <a:r>
+              <a:rPr lang="en-US" dirty="0" smtClean="0"/>
+              <a:t> Has been stable. WGLC?</a:t>
+            </a:r>
+          </a:p>
+          <a:p>
+            <a:pPr marL="228600" lvl="1">
+              <a:spcBef>
+                <a:spcPts val="1000"/>
+              </a:spcBef>
+            </a:pPr>
+            <a:r>
+              <a:rPr lang="en-US" dirty="0" smtClean="0"/>
+              <a:t>Encapsulation drafts adoption in IPPM:</a:t>
+            </a:r>
+          </a:p>
+          <a:p>
+            <a:pPr marL="685800" lvl="2">
+              <a:spcBef>
+                <a:spcPts val="1000"/>
+              </a:spcBef>
+            </a:pPr>
+            <a:r>
+              <a:rPr lang="en-US" dirty="0" smtClean="0"/>
+              <a:t> VXLAN GPE: draft-</a:t>
+            </a:r>
+            <a:r>
+              <a:rPr lang="en-US" dirty="0" err="1" smtClean="0"/>
+              <a:t>brockners</a:t>
+            </a:r>
+            <a:r>
+              <a:rPr lang="en-US" dirty="0" smtClean="0"/>
+              <a:t>-</a:t>
+            </a:r>
+            <a:r>
+              <a:rPr lang="en-US" dirty="0" err="1" smtClean="0"/>
+              <a:t>ippm-ioam-vxlan-gpe</a:t>
+            </a:r>
+            <a:endParaRPr lang="en-US" dirty="0" smtClean="0"/>
+          </a:p>
+          <a:p>
+            <a:pPr marL="685800" lvl="2">
+              <a:spcBef>
+                <a:spcPts val="1000"/>
+              </a:spcBef>
+            </a:pPr>
+            <a:r>
+              <a:rPr lang="en-US" dirty="0" smtClean="0"/>
+              <a:t>GENEVE: draft-</a:t>
+            </a:r>
+            <a:r>
+              <a:rPr lang="en-US" dirty="0" err="1" smtClean="0"/>
+              <a:t>brockners</a:t>
+            </a:r>
+            <a:r>
+              <a:rPr lang="en-US" dirty="0" smtClean="0"/>
+              <a:t>-</a:t>
+            </a:r>
+            <a:r>
+              <a:rPr lang="en-US" dirty="0" err="1" smtClean="0"/>
+              <a:t>ippm-ioam-geneve</a:t>
+            </a:r>
+            <a:endParaRPr lang="en-US" dirty="0" smtClean="0"/>
+          </a:p>
+          <a:p>
+            <a:pPr marL="685800" lvl="2">
+              <a:spcBef>
+                <a:spcPts val="1000"/>
+              </a:spcBef>
+            </a:pPr>
+            <a:r>
+              <a:rPr lang="en-US" dirty="0" smtClean="0"/>
+              <a:t>GRE: draft-</a:t>
+            </a:r>
+            <a:r>
+              <a:rPr lang="en-US" dirty="0" err="1" smtClean="0"/>
+              <a:t>weis</a:t>
+            </a:r>
+            <a:r>
+              <a:rPr lang="en-US" dirty="0" smtClean="0"/>
+              <a:t>-</a:t>
+            </a:r>
+            <a:r>
+              <a:rPr lang="en-US" dirty="0" err="1" smtClean="0"/>
+              <a:t>ippm-ioam-gre</a:t>
+            </a:r>
+            <a:endParaRPr lang="en-US" dirty="0" smtClean="0"/>
+          </a:p>
+          <a:p>
+            <a:r>
+              <a:rPr lang="en-US" dirty="0" smtClean="0"/>
+              <a:t>Export draft review</a:t>
+            </a:r>
+          </a:p>
+          <a:p>
+            <a:r>
+              <a:rPr lang="en-US" dirty="0" smtClean="0"/>
+              <a:t>IPv6 draft review</a:t>
+            </a:r>
+            <a:endParaRPr lang="en-US" dirty="0"/>
+          </a:p>
+        </p:txBody>
+      </p:sp>
+      <p:sp>
+        <p:nvSpPr>
+          <p:cNvPr id="2" name="Slide Number Placeholder 1"/>
+          <p:cNvSpPr>
+            <a:spLocks noGrp="1"/>
+          </p:cNvSpPr>
+          <p:nvPr>
+            <p:ph type="sldNum" sz="quarter" idx="12"/>
+          </p:nvPr>
+        </p:nvSpPr>
         <p:spPr/>
         <p:txBody>
           <a:bodyPr/>
           <a:lstStyle/>
           <a:p>
-            <a:r>
-              <a:rPr lang="en-US" dirty="0"/>
-              <a:t>This document discusses raw export of IOAM data using </a:t>
-            </a:r>
-            <a:r>
-              <a:rPr lang="en-US" dirty="0" smtClean="0"/>
-              <a:t>IPFIX</a:t>
-            </a:r>
-          </a:p>
-          <a:p>
-            <a:r>
-              <a:rPr lang="en-US" dirty="0" smtClean="0"/>
-              <a:t>Considered </a:t>
-            </a:r>
-            <a:r>
-              <a:rPr lang="en-US" dirty="0"/>
-              <a:t>out of scope for this document</a:t>
-            </a:r>
-            <a:r>
-              <a:rPr lang="en-US" dirty="0" smtClean="0"/>
-              <a:t>:</a:t>
-            </a:r>
-          </a:p>
-          <a:p>
-            <a:pPr lvl="1"/>
-            <a:r>
-              <a:rPr lang="en-US" dirty="0"/>
-              <a:t>Protocols other than IPFIX for raw export of IOAM </a:t>
-            </a:r>
-            <a:r>
-              <a:rPr lang="en-US" dirty="0" smtClean="0"/>
-              <a:t>data</a:t>
-            </a:r>
-          </a:p>
-          <a:p>
-            <a:pPr lvl="1"/>
-            <a:r>
-              <a:rPr lang="en-US" dirty="0"/>
-              <a:t>Interpretation or aggregation of IOAM data prior to </a:t>
-            </a:r>
-            <a:r>
-              <a:rPr lang="en-US" dirty="0" smtClean="0"/>
-              <a:t>exporting</a:t>
-            </a:r>
-          </a:p>
-          <a:p>
-            <a:pPr lvl="1"/>
-            <a:r>
-              <a:rPr lang="en-US" dirty="0"/>
-              <a:t>Configuration of network devices so that they can determine </a:t>
-            </a:r>
-            <a:r>
-              <a:rPr lang="en-US" dirty="0" smtClean="0"/>
-              <a:t>when </a:t>
-            </a:r>
-            <a:r>
-              <a:rPr lang="en-US" dirty="0"/>
-              <a:t>to generate IOAM reports, and what information to include in </a:t>
-            </a:r>
-            <a:r>
-              <a:rPr lang="en-US" dirty="0" smtClean="0"/>
-              <a:t>those reports</a:t>
-            </a:r>
-          </a:p>
-          <a:p>
-            <a:pPr lvl="1"/>
-            <a:r>
-              <a:rPr lang="en-US" dirty="0"/>
-              <a:t>Events that trigger generation of IOAM </a:t>
-            </a:r>
-            <a:r>
-              <a:rPr lang="en-US" dirty="0" smtClean="0"/>
-              <a:t>reports</a:t>
-            </a:r>
-          </a:p>
-          <a:p>
-            <a:pPr lvl="1"/>
-            <a:r>
-              <a:rPr lang="en-US" dirty="0"/>
-              <a:t>Selection of particular destinations within distributed </a:t>
-            </a:r>
-            <a:r>
-              <a:rPr lang="en-US" dirty="0" smtClean="0"/>
-              <a:t>telemetry </a:t>
-            </a:r>
-            <a:r>
-              <a:rPr lang="en-US" dirty="0"/>
-              <a:t>monitoring </a:t>
-            </a:r>
-            <a:r>
-              <a:rPr lang="en-US" dirty="0" err="1" smtClean="0"/>
-              <a:t>sy</a:t>
-            </a:r>
-            <a:endParaRPr lang="en-US" dirty="0" smtClean="0"/>
-          </a:p>
-          <a:p>
-            <a:pPr lvl="1"/>
-            <a:r>
-              <a:rPr lang="en-US" dirty="0"/>
-              <a:t>Export format for flow statistics or </a:t>
-            </a:r>
-            <a:r>
-              <a:rPr lang="en-US" dirty="0" smtClean="0"/>
-              <a:t>processed/interpreted/aggregated </a:t>
-            </a:r>
-            <a:r>
-              <a:rPr lang="en-US" dirty="0"/>
-              <a:t>IOAM </a:t>
-            </a:r>
-            <a:r>
-              <a:rPr lang="en-US" dirty="0" err="1"/>
-              <a:t>datastems</a:t>
-            </a:r>
-            <a:r>
-              <a:rPr lang="en-US" dirty="0"/>
-              <a:t>, to which IOAM reports will be sent</a:t>
-            </a:r>
+            <a:fld id="{BE427A2F-4327-CD41-8979-22A6985694E5}" type="slidenum">
+              <a:rPr lang="en-US" smtClean="0"/>
+              <a:t>22</a:t>
+            </a:fld>
+            <a:endParaRPr lang="en-US"/>
           </a:p>
         </p:txBody>
       </p:sp>
     </p:spTree>
     <p:extLst>
       <p:ext uri="{BB962C8B-B14F-4D97-AF65-F5344CB8AC3E}">
-        <p14:creationId xmlns:p14="http://schemas.microsoft.com/office/powerpoint/2010/main" val="1963929339"/>
+        <p14:creationId xmlns:p14="http://schemas.microsoft.com/office/powerpoint/2010/main" val="1765679772"/>
       </p:ext>
     </p:extLst>
   </p:cSld>
@@ -14623,6 +16575,667 @@
       </p:grpSpPr>
       <p:sp>
         <p:nvSpPr>
+          <p:cNvPr id="4" name="Title 3"/>
+          <p:cNvSpPr>
+            <a:spLocks noGrp="1"/>
+          </p:cNvSpPr>
+          <p:nvPr>
+            <p:ph type="title"/>
+          </p:nvPr>
+        </p:nvSpPr>
+        <p:spPr/>
+        <p:txBody>
+          <a:bodyPr/>
+          <a:lstStyle/>
+          <a:p>
+            <a:r>
+              <a:rPr lang="en-US" dirty="0" smtClean="0"/>
+              <a:t>Thank you</a:t>
+            </a:r>
+            <a:endParaRPr lang="en-US" dirty="0"/>
+          </a:p>
+        </p:txBody>
+      </p:sp>
+    </p:spTree>
+    <p:extLst>
+      <p:ext uri="{BB962C8B-B14F-4D97-AF65-F5344CB8AC3E}">
+        <p14:creationId xmlns:p14="http://schemas.microsoft.com/office/powerpoint/2010/main" val="1533885836"/>
+      </p:ext>
+    </p:extLst>
+  </p:cSld>
+  <p:clrMapOvr>
+    <a:masterClrMapping/>
+  </p:clrMapOvr>
+  <p:timing>
+    <p:tnLst>
+      <p:par>
+        <p:cTn id="1" dur="indefinite" restart="never" nodeType="tmRoot"/>
+      </p:par>
+    </p:tnLst>
+  </p:timing>
+</p:sld>
+</file>
+
+<file path=ppt/slides/slide24.xml><?xml version="1.0" encoding="utf-8"?>
+<p:sld xmlns:a="http://schemas.openxmlformats.org/drawingml/2006/main" xmlns:r="http://schemas.openxmlformats.org/officeDocument/2006/relationships" xmlns:p="http://schemas.openxmlformats.org/presentationml/2006/main">
+  <p:cSld>
+    <p:spTree>
+      <p:nvGrpSpPr>
+        <p:cNvPr id="1" name=""/>
+        <p:cNvGrpSpPr/>
+        <p:nvPr/>
+      </p:nvGrpSpPr>
+      <p:grpSpPr>
+        <a:xfrm>
+          <a:off x="0" y="0"/>
+          <a:ext cx="0" cy="0"/>
+          <a:chOff x="0" y="0"/>
+          <a:chExt cx="0" cy="0"/>
+        </a:xfrm>
+      </p:grpSpPr>
+      <p:sp>
+        <p:nvSpPr>
+          <p:cNvPr id="4" name="Title 3"/>
+          <p:cNvSpPr>
+            <a:spLocks noGrp="1"/>
+          </p:cNvSpPr>
+          <p:nvPr>
+            <p:ph type="title"/>
+          </p:nvPr>
+        </p:nvSpPr>
+        <p:spPr/>
+        <p:txBody>
+          <a:bodyPr/>
+          <a:lstStyle/>
+          <a:p>
+            <a:r>
+              <a:rPr lang="en-US" dirty="0" smtClean="0"/>
+              <a:t>Backup Slides</a:t>
+            </a:r>
+            <a:endParaRPr lang="en-US" dirty="0"/>
+          </a:p>
+        </p:txBody>
+      </p:sp>
+    </p:spTree>
+    <p:extLst>
+      <p:ext uri="{BB962C8B-B14F-4D97-AF65-F5344CB8AC3E}">
+        <p14:creationId xmlns:p14="http://schemas.microsoft.com/office/powerpoint/2010/main" val="1813109205"/>
+      </p:ext>
+    </p:extLst>
+  </p:cSld>
+  <p:clrMapOvr>
+    <a:masterClrMapping/>
+  </p:clrMapOvr>
+  <p:timing>
+    <p:tnLst>
+      <p:par>
+        <p:cTn id="1" dur="indefinite" restart="never" nodeType="tmRoot"/>
+      </p:par>
+    </p:tnLst>
+  </p:timing>
+</p:sld>
+</file>
+
+<file path=ppt/slides/slide25.xml><?xml version="1.0" encoding="utf-8"?>
+<p:sld xmlns:a="http://schemas.openxmlformats.org/drawingml/2006/main" xmlns:r="http://schemas.openxmlformats.org/officeDocument/2006/relationships" xmlns:p="http://schemas.openxmlformats.org/presentationml/2006/main">
+  <p:cSld>
+    <p:spTree>
+      <p:nvGrpSpPr>
+        <p:cNvPr id="1" name=""/>
+        <p:cNvGrpSpPr/>
+        <p:nvPr/>
+      </p:nvGrpSpPr>
+      <p:grpSpPr>
+        <a:xfrm>
+          <a:off x="0" y="0"/>
+          <a:ext cx="0" cy="0"/>
+          <a:chOff x="0" y="0"/>
+          <a:chExt cx="0" cy="0"/>
+        </a:xfrm>
+      </p:grpSpPr>
+      <p:sp>
+        <p:nvSpPr>
+          <p:cNvPr id="4" name="Title 3"/>
+          <p:cNvSpPr>
+            <a:spLocks noGrp="1"/>
+          </p:cNvSpPr>
+          <p:nvPr>
+            <p:ph type="title"/>
+          </p:nvPr>
+        </p:nvSpPr>
+        <p:spPr/>
+        <p:txBody>
+          <a:bodyPr/>
+          <a:lstStyle/>
+          <a:p>
+            <a:r>
+              <a:rPr lang="en-US" dirty="0" smtClean="0"/>
+              <a:t>Abstract and Requirements</a:t>
+            </a:r>
+            <a:endParaRPr lang="en-US" dirty="0"/>
+          </a:p>
+        </p:txBody>
+      </p:sp>
+      <p:sp>
+        <p:nvSpPr>
+          <p:cNvPr id="5" name="Content Placeholder 4"/>
+          <p:cNvSpPr>
+            <a:spLocks noGrp="1"/>
+          </p:cNvSpPr>
+          <p:nvPr>
+            <p:ph idx="1"/>
+          </p:nvPr>
+        </p:nvSpPr>
+        <p:spPr/>
+        <p:txBody>
+          <a:bodyPr>
+            <a:normAutofit fontScale="77500" lnSpcReduction="20000"/>
+          </a:bodyPr>
+          <a:lstStyle/>
+          <a:p>
+            <a:r>
+              <a:rPr lang="en-US" dirty="0" smtClean="0"/>
+              <a:t>Abstract:</a:t>
+            </a:r>
+          </a:p>
+          <a:p>
+            <a:pPr lvl="1"/>
+            <a:r>
+              <a:rPr lang="en-US" dirty="0" smtClean="0"/>
+              <a:t>This </a:t>
+            </a:r>
+            <a:r>
+              <a:rPr lang="en-US" dirty="0"/>
+              <a:t>document </a:t>
+            </a:r>
+            <a:r>
+              <a:rPr lang="en-US" dirty="0" smtClean="0"/>
+              <a:t>discusses </a:t>
+            </a:r>
+            <a:r>
+              <a:rPr lang="en-US" dirty="0"/>
+              <a:t>how In-situ Operations, Administration, </a:t>
+            </a:r>
+            <a:r>
+              <a:rPr lang="en-US" dirty="0" smtClean="0"/>
+              <a:t>and Maintenance (</a:t>
+            </a:r>
+            <a:r>
+              <a:rPr lang="en-US" dirty="0"/>
+              <a:t>IOAM) information can be exported in raw, i.e. </a:t>
+            </a:r>
+            <a:r>
+              <a:rPr lang="en-US" dirty="0" err="1" smtClean="0"/>
+              <a:t>uninterpreted</a:t>
+            </a:r>
+            <a:r>
+              <a:rPr lang="en-US" dirty="0" smtClean="0"/>
+              <a:t>, format from </a:t>
+            </a:r>
+            <a:r>
+              <a:rPr lang="en-US" dirty="0"/>
+              <a:t>network devices to systems, such as monitoring or </a:t>
+            </a:r>
+            <a:r>
+              <a:rPr lang="en-US" dirty="0" smtClean="0"/>
+              <a:t>analytics systems </a:t>
+            </a:r>
+            <a:r>
+              <a:rPr lang="en-US" dirty="0"/>
+              <a:t>using </a:t>
+            </a:r>
+            <a:r>
+              <a:rPr lang="en-US" dirty="0" smtClean="0"/>
+              <a:t>IPFIX</a:t>
+            </a:r>
+          </a:p>
+          <a:p>
+            <a:r>
+              <a:rPr lang="en-US" dirty="0" smtClean="0"/>
+              <a:t>Requirements</a:t>
+            </a:r>
+          </a:p>
+          <a:p>
+            <a:pPr lvl="1"/>
+            <a:r>
+              <a:rPr lang="en-US" dirty="0"/>
+              <a:t>Export all IOAM information contained in a </a:t>
+            </a:r>
+            <a:r>
+              <a:rPr lang="en-US" dirty="0" smtClean="0"/>
+              <a:t>packet</a:t>
+            </a:r>
+          </a:p>
+          <a:p>
+            <a:pPr lvl="1"/>
+            <a:r>
+              <a:rPr lang="en-US" dirty="0"/>
+              <a:t>Export a specific IOAM data type - Incremental Trace type</a:t>
+            </a:r>
+            <a:r>
+              <a:rPr lang="en-US" dirty="0" smtClean="0"/>
+              <a:t>, </a:t>
+            </a:r>
+            <a:r>
+              <a:rPr lang="en-US" dirty="0" err="1"/>
+              <a:t>Preallocated</a:t>
+            </a:r>
+            <a:r>
+              <a:rPr lang="en-US" dirty="0"/>
+              <a:t> Trace type, Proof of Transit type, Edge to Edge </a:t>
+            </a:r>
+            <a:r>
+              <a:rPr lang="en-US" dirty="0" smtClean="0"/>
+              <a:t>type</a:t>
+            </a:r>
+          </a:p>
+          <a:p>
+            <a:pPr lvl="1"/>
+            <a:r>
+              <a:rPr lang="en-US" dirty="0"/>
+              <a:t>Support coalescing of the IOAM data from multiple packets into </a:t>
+            </a:r>
+            <a:r>
+              <a:rPr lang="en-US" dirty="0" smtClean="0"/>
+              <a:t>a </a:t>
+            </a:r>
+            <a:r>
+              <a:rPr lang="en-US" dirty="0"/>
+              <a:t>single raw export packet</a:t>
+            </a:r>
+            <a:r>
+              <a:rPr lang="en-US" dirty="0" smtClean="0"/>
+              <a:t>.</a:t>
+            </a:r>
+          </a:p>
+          <a:p>
+            <a:pPr lvl="1"/>
+            <a:r>
+              <a:rPr lang="en-US" dirty="0"/>
+              <a:t>Support export of additional parts of the packet, other than </a:t>
+            </a:r>
+            <a:r>
+              <a:rPr lang="en-US" dirty="0" smtClean="0"/>
+              <a:t>the </a:t>
+            </a:r>
+            <a:r>
+              <a:rPr lang="en-US" dirty="0"/>
+              <a:t>IOAM data as part of the raw export. </a:t>
+            </a:r>
+            <a:r>
+              <a:rPr lang="en-US" dirty="0" smtClean="0"/>
+              <a:t>This </a:t>
+            </a:r>
+            <a:r>
+              <a:rPr lang="en-US" dirty="0"/>
+              <a:t>could be parts of </a:t>
+            </a:r>
+            <a:r>
+              <a:rPr lang="en-US" dirty="0" smtClean="0"/>
+              <a:t>the </a:t>
+            </a:r>
+            <a:r>
+              <a:rPr lang="en-US" dirty="0"/>
+              <a:t>packet header and/or parts of the packet payload. </a:t>
+            </a:r>
+            <a:r>
+              <a:rPr lang="en-US" dirty="0" smtClean="0"/>
+              <a:t>This additional </a:t>
+            </a:r>
+            <a:r>
+              <a:rPr lang="en-US" dirty="0"/>
+              <a:t>information provides context to the IOAM data (e.g. to be used </a:t>
+            </a:r>
+            <a:r>
+              <a:rPr lang="en-US" dirty="0" smtClean="0"/>
+              <a:t>for </a:t>
+            </a:r>
+            <a:r>
+              <a:rPr lang="en-US" dirty="0"/>
+              <a:t>flow identification) and is to enable the IOAM data </a:t>
+            </a:r>
+            <a:r>
+              <a:rPr lang="en-US" dirty="0" smtClean="0"/>
+              <a:t>processing </a:t>
+            </a:r>
+            <a:r>
+              <a:rPr lang="en-US" dirty="0"/>
+              <a:t>system to perform further analysis on the received data</a:t>
+            </a:r>
+            <a:r>
+              <a:rPr lang="en-US" dirty="0" smtClean="0"/>
+              <a:t>.</a:t>
+            </a:r>
+          </a:p>
+          <a:p>
+            <a:pPr lvl="1"/>
+            <a:r>
+              <a:rPr lang="en-US" dirty="0"/>
+              <a:t>Report the reason why IOAM data was exported.  The "reason </a:t>
+            </a:r>
+            <a:r>
+              <a:rPr lang="en-US" dirty="0" smtClean="0"/>
+              <a:t>for </a:t>
+            </a:r>
+            <a:r>
+              <a:rPr lang="en-US" dirty="0"/>
+              <a:t>export" is to complement the IOAM data retrieved from the packet</a:t>
+            </a:r>
+            <a:r>
+              <a:rPr lang="en-US" dirty="0" smtClean="0"/>
+              <a:t>. </a:t>
+            </a:r>
+            <a:r>
+              <a:rPr lang="en-US" dirty="0"/>
+              <a:t>For example, if a packet was dropped by a node due to congestion</a:t>
+            </a:r>
+            <a:r>
+              <a:rPr lang="en-US" dirty="0" smtClean="0"/>
+              <a:t>, </a:t>
+            </a:r>
+            <a:r>
+              <a:rPr lang="en-US" dirty="0"/>
+              <a:t>it could be helpful to export the IOAM data of this dropped </a:t>
+            </a:r>
+            <a:r>
+              <a:rPr lang="en-US" dirty="0" smtClean="0"/>
+              <a:t>packet </a:t>
+            </a:r>
+            <a:r>
+              <a:rPr lang="en-US" dirty="0"/>
+              <a:t>along with an indication that the packet that the IOAM </a:t>
+            </a:r>
+            <a:r>
+              <a:rPr lang="en-US" dirty="0" smtClean="0"/>
+              <a:t>data </a:t>
+            </a:r>
+            <a:r>
+              <a:rPr lang="en-US" dirty="0"/>
+              <a:t>belongs to was dropped due to congestion.</a:t>
+            </a:r>
+          </a:p>
+        </p:txBody>
+      </p:sp>
+      <p:sp>
+        <p:nvSpPr>
+          <p:cNvPr id="2" name="Slide Number Placeholder 1"/>
+          <p:cNvSpPr>
+            <a:spLocks noGrp="1"/>
+          </p:cNvSpPr>
+          <p:nvPr>
+            <p:ph type="sldNum" sz="quarter" idx="12"/>
+          </p:nvPr>
+        </p:nvSpPr>
+        <p:spPr/>
+        <p:txBody>
+          <a:bodyPr/>
+          <a:lstStyle/>
+          <a:p>
+            <a:fld id="{BE427A2F-4327-CD41-8979-22A6985694E5}" type="slidenum">
+              <a:rPr lang="en-US" smtClean="0"/>
+              <a:t>25</a:t>
+            </a:fld>
+            <a:endParaRPr lang="en-US"/>
+          </a:p>
+        </p:txBody>
+      </p:sp>
+    </p:spTree>
+    <p:extLst>
+      <p:ext uri="{BB962C8B-B14F-4D97-AF65-F5344CB8AC3E}">
+        <p14:creationId xmlns:p14="http://schemas.microsoft.com/office/powerpoint/2010/main" val="1542046285"/>
+      </p:ext>
+    </p:extLst>
+  </p:cSld>
+  <p:clrMapOvr>
+    <a:masterClrMapping/>
+  </p:clrMapOvr>
+  <p:timing>
+    <p:tnLst>
+      <p:par>
+        <p:cTn id="1" dur="indefinite" restart="never" nodeType="tmRoot"/>
+      </p:par>
+    </p:tnLst>
+  </p:timing>
+</p:sld>
+</file>
+
+<file path=ppt/slides/slide26.xml><?xml version="1.0" encoding="utf-8"?>
+<p:sld xmlns:a="http://schemas.openxmlformats.org/drawingml/2006/main" xmlns:r="http://schemas.openxmlformats.org/officeDocument/2006/relationships" xmlns:p="http://schemas.openxmlformats.org/presentationml/2006/main">
+  <p:cSld>
+    <p:spTree>
+      <p:nvGrpSpPr>
+        <p:cNvPr id="1" name=""/>
+        <p:cNvGrpSpPr/>
+        <p:nvPr/>
+      </p:nvGrpSpPr>
+      <p:grpSpPr>
+        <a:xfrm>
+          <a:off x="0" y="0"/>
+          <a:ext cx="0" cy="0"/>
+          <a:chOff x="0" y="0"/>
+          <a:chExt cx="0" cy="0"/>
+        </a:xfrm>
+      </p:grpSpPr>
+      <p:sp>
+        <p:nvSpPr>
+          <p:cNvPr id="2" name="Title 1"/>
+          <p:cNvSpPr>
+            <a:spLocks noGrp="1"/>
+          </p:cNvSpPr>
+          <p:nvPr>
+            <p:ph type="title"/>
+          </p:nvPr>
+        </p:nvSpPr>
+        <p:spPr/>
+        <p:txBody>
+          <a:bodyPr/>
+          <a:lstStyle/>
+          <a:p>
+            <a:r>
+              <a:rPr lang="en-US" dirty="0" smtClean="0"/>
+              <a:t>Scope</a:t>
+            </a:r>
+            <a:endParaRPr lang="en-US" dirty="0"/>
+          </a:p>
+        </p:txBody>
+      </p:sp>
+      <p:sp>
+        <p:nvSpPr>
+          <p:cNvPr id="3" name="Content Placeholder 2"/>
+          <p:cNvSpPr>
+            <a:spLocks noGrp="1"/>
+          </p:cNvSpPr>
+          <p:nvPr>
+            <p:ph idx="1"/>
+          </p:nvPr>
+        </p:nvSpPr>
+        <p:spPr/>
+        <p:txBody>
+          <a:bodyPr/>
+          <a:lstStyle/>
+          <a:p>
+            <a:r>
+              <a:rPr lang="en-US" dirty="0"/>
+              <a:t>This document discusses raw export of IOAM data using </a:t>
+            </a:r>
+            <a:r>
+              <a:rPr lang="en-US" dirty="0" smtClean="0"/>
+              <a:t>IPFIX</a:t>
+            </a:r>
+          </a:p>
+          <a:p>
+            <a:r>
+              <a:rPr lang="en-US" dirty="0" smtClean="0"/>
+              <a:t>Considered </a:t>
+            </a:r>
+            <a:r>
+              <a:rPr lang="en-US" dirty="0"/>
+              <a:t>out of scope for this document</a:t>
+            </a:r>
+            <a:r>
+              <a:rPr lang="en-US" dirty="0" smtClean="0"/>
+              <a:t>:</a:t>
+            </a:r>
+          </a:p>
+          <a:p>
+            <a:pPr lvl="1"/>
+            <a:r>
+              <a:rPr lang="en-US" dirty="0"/>
+              <a:t>Protocols other than IPFIX for raw export of IOAM </a:t>
+            </a:r>
+            <a:r>
+              <a:rPr lang="en-US" dirty="0" smtClean="0"/>
+              <a:t>data</a:t>
+            </a:r>
+          </a:p>
+          <a:p>
+            <a:pPr lvl="1"/>
+            <a:r>
+              <a:rPr lang="en-US" dirty="0"/>
+              <a:t>Interpretation or aggregation of IOAM data prior to </a:t>
+            </a:r>
+            <a:r>
+              <a:rPr lang="en-US" dirty="0" smtClean="0"/>
+              <a:t>exporting</a:t>
+            </a:r>
+          </a:p>
+          <a:p>
+            <a:pPr lvl="1"/>
+            <a:r>
+              <a:rPr lang="en-US" dirty="0"/>
+              <a:t>Configuration of network devices so that they can determine </a:t>
+            </a:r>
+            <a:r>
+              <a:rPr lang="en-US" dirty="0" smtClean="0"/>
+              <a:t>when </a:t>
+            </a:r>
+            <a:r>
+              <a:rPr lang="en-US" dirty="0"/>
+              <a:t>to generate IOAM reports, and what information to include in </a:t>
+            </a:r>
+            <a:r>
+              <a:rPr lang="en-US" dirty="0" smtClean="0"/>
+              <a:t>those reports</a:t>
+            </a:r>
+          </a:p>
+          <a:p>
+            <a:pPr lvl="1"/>
+            <a:r>
+              <a:rPr lang="en-US" dirty="0"/>
+              <a:t>Events that trigger generation of IOAM </a:t>
+            </a:r>
+            <a:r>
+              <a:rPr lang="en-US" dirty="0" smtClean="0"/>
+              <a:t>reports</a:t>
+            </a:r>
+          </a:p>
+          <a:p>
+            <a:pPr lvl="1"/>
+            <a:r>
+              <a:rPr lang="en-US" dirty="0"/>
+              <a:t>Selection of particular destinations within distributed </a:t>
+            </a:r>
+            <a:r>
+              <a:rPr lang="en-US" dirty="0" smtClean="0"/>
+              <a:t>telemetry </a:t>
+            </a:r>
+            <a:r>
+              <a:rPr lang="en-US" dirty="0"/>
+              <a:t>monitoring </a:t>
+            </a:r>
+            <a:r>
+              <a:rPr lang="en-US" dirty="0" err="1" smtClean="0"/>
+              <a:t>sy</a:t>
+            </a:r>
+            <a:endParaRPr lang="en-US" dirty="0" smtClean="0"/>
+          </a:p>
+          <a:p>
+            <a:pPr lvl="1"/>
+            <a:r>
+              <a:rPr lang="en-US" dirty="0"/>
+              <a:t>Export format for flow statistics or </a:t>
+            </a:r>
+            <a:r>
+              <a:rPr lang="en-US" dirty="0" smtClean="0"/>
+              <a:t>processed/interpreted/aggregated </a:t>
+            </a:r>
+            <a:r>
+              <a:rPr lang="en-US" dirty="0"/>
+              <a:t>IOAM </a:t>
+            </a:r>
+            <a:r>
+              <a:rPr lang="en-US" dirty="0" err="1"/>
+              <a:t>datastems</a:t>
+            </a:r>
+            <a:r>
+              <a:rPr lang="en-US" dirty="0"/>
+              <a:t>, to which IOAM reports will be sent</a:t>
+            </a:r>
+          </a:p>
+        </p:txBody>
+      </p:sp>
+      <p:sp>
+        <p:nvSpPr>
+          <p:cNvPr id="4" name="Slide Number Placeholder 3"/>
+          <p:cNvSpPr>
+            <a:spLocks noGrp="1"/>
+          </p:cNvSpPr>
+          <p:nvPr>
+            <p:ph type="sldNum" sz="quarter" idx="12"/>
+          </p:nvPr>
+        </p:nvSpPr>
+        <p:spPr/>
+        <p:txBody>
+          <a:bodyPr/>
+          <a:lstStyle/>
+          <a:p>
+            <a:fld id="{BE427A2F-4327-CD41-8979-22A6985694E5}" type="slidenum">
+              <a:rPr lang="en-US" smtClean="0"/>
+              <a:t>26</a:t>
+            </a:fld>
+            <a:endParaRPr lang="en-US"/>
+          </a:p>
+        </p:txBody>
+      </p:sp>
+    </p:spTree>
+    <p:extLst>
+      <p:ext uri="{BB962C8B-B14F-4D97-AF65-F5344CB8AC3E}">
+        <p14:creationId xmlns:p14="http://schemas.microsoft.com/office/powerpoint/2010/main" val="1963929339"/>
+      </p:ext>
+    </p:extLst>
+  </p:cSld>
+  <p:clrMapOvr>
+    <a:masterClrMapping/>
+  </p:clrMapOvr>
+  <p:timing>
+    <p:tnLst>
+      <p:par>
+        <p:cTn id="1" dur="indefinite" restart="never" nodeType="tmRoot"/>
+      </p:par>
+    </p:tnLst>
+  </p:timing>
+</p:sld>
+</file>
+
+<file path=ppt/slides/slide27.xml><?xml version="1.0" encoding="utf-8"?>
+<p:sld xmlns:a="http://schemas.openxmlformats.org/drawingml/2006/main" xmlns:r="http://schemas.openxmlformats.org/officeDocument/2006/relationships" xmlns:p="http://schemas.openxmlformats.org/presentationml/2006/main">
+  <p:cSld>
+    <p:spTree>
+      <p:nvGrpSpPr>
+        <p:cNvPr id="1" name=""/>
+        <p:cNvGrpSpPr/>
+        <p:nvPr/>
+      </p:nvGrpSpPr>
+      <p:grpSpPr>
+        <a:xfrm>
+          <a:off x="0" y="0"/>
+          <a:ext cx="0" cy="0"/>
+          <a:chOff x="0" y="0"/>
+          <a:chExt cx="0" cy="0"/>
+        </a:xfrm>
+      </p:grpSpPr>
+      <p:sp>
+        <p:nvSpPr>
           <p:cNvPr id="2" name="Title 1"/>
           <p:cNvSpPr>
             <a:spLocks noGrp="1"/>
@@ -16344,7 +18957,7 @@
           <a:p>
             <a:fld id="{A824E06C-F328-F443-9EC9-BD811C285C5A}" type="slidenum">
               <a:rPr lang="en-US" smtClean="0"/>
-              <a:t>23</a:t>
+              <a:t>27</a:t>
             </a:fld>
             <a:endParaRPr lang="en-US"/>
           </a:p>
@@ -16511,7 +19124,7 @@
 </p:sld>
 </file>
 
-<file path=ppt/slides/slide24.xml><?xml version="1.0" encoding="utf-8"?>
+<file path=ppt/slides/slide28.xml><?xml version="1.0" encoding="utf-8"?>
 <p:sld xmlns:a="http://schemas.openxmlformats.org/drawingml/2006/main" xmlns:r="http://schemas.openxmlformats.org/officeDocument/2006/relationships" xmlns:p="http://schemas.openxmlformats.org/presentationml/2006/main">
   <p:cSld>
     <p:spTree>
@@ -18185,7 +20798,7 @@
           <a:p>
             <a:fld id="{A824E06C-F328-F443-9EC9-BD811C285C5A}" type="slidenum">
               <a:rPr lang="en-US" smtClean="0"/>
-              <a:t>24</a:t>
+              <a:t>28</a:t>
             </a:fld>
             <a:endParaRPr lang="en-US"/>
           </a:p>
@@ -18285,21 +20898,12 @@
               <a:rPr lang="en-US" dirty="0" smtClean="0"/>
               <a:t>Layering: </a:t>
             </a:r>
-            <a:endParaRPr lang="en-US" dirty="0" smtClean="0"/>
           </a:p>
           <a:p>
             <a:pPr lvl="1"/>
             <a:r>
               <a:rPr lang="en-US" dirty="0" smtClean="0"/>
-              <a:t>If </a:t>
-            </a:r>
-            <a:r>
-              <a:rPr lang="en-US" dirty="0" smtClean="0"/>
-              <a:t>several encapsulation protocols (e.g., in case of tunneling) are stacked on top of each other, IOAM data-records could be present at every layer. The behavior follows the ships-in-the- night </a:t>
-            </a:r>
-            <a:r>
-              <a:rPr lang="en-US" dirty="0" smtClean="0"/>
-              <a:t>model</a:t>
+              <a:t>If several encapsulation protocols (e.g., in case of tunneling) are stacked on top of each other, IOAM data-records could be present at every layer. The behavior follows the ships-in-the- night model</a:t>
             </a:r>
             <a:r>
               <a:rPr lang="en-US" b="1" dirty="0" smtClean="0">
@@ -18307,15 +20911,7 @@
                   <a:srgbClr val="00B050"/>
                 </a:solidFill>
               </a:rPr>
-              <a:t>, </a:t>
-            </a:r>
-            <a:r>
-              <a:rPr lang="en-US" b="1" dirty="0" smtClean="0">
-                <a:solidFill>
-                  <a:srgbClr val="00B050"/>
-                </a:solidFill>
-              </a:rPr>
-              <a:t>i.e. IOAM data in one layer is independent from IOAM data in another layer. Layering allows operators to instrument the protocol layer they want to measure. The different layers could, but do not have to share the same IOAM encapsulation and </a:t>
+              <a:t>, i.e. IOAM data in one layer is independent from IOAM data in another layer. Layering allows operators to instrument the protocol layer they want to measure. The different layers could, but do not have to share the same IOAM encapsulation and </a:t>
             </a:r>
             <a:r>
               <a:rPr lang="en-US" b="1" dirty="0" err="1" smtClean="0">
@@ -18333,7 +20929,6 @@
               <a:rPr lang="en-US" dirty="0" smtClean="0"/>
               <a:t> </a:t>
             </a:r>
-            <a:endParaRPr lang="en-US" dirty="0" smtClean="0"/>
           </a:p>
           <a:p>
             <a:pPr lvl="1"/>
@@ -18348,7 +20943,6 @@
               <a:rPr lang="en-US" dirty="0" smtClean="0"/>
               <a:t>Ensure that transit devices don’t change IOAM data in environments where UDP port numbers aren’t controlled.</a:t>
             </a:r>
-            <a:endParaRPr lang="en-US" dirty="0" smtClean="0"/>
           </a:p>
           <a:p>
             <a:pPr marL="514350" indent="-514350">
@@ -18359,17 +20953,12 @@
               <a:rPr lang="en-US" dirty="0" smtClean="0"/>
               <a:t>Security Considerations</a:t>
             </a:r>
-            <a:endParaRPr lang="en-US" dirty="0" smtClean="0"/>
           </a:p>
           <a:p>
             <a:pPr lvl="1"/>
             <a:r>
               <a:rPr lang="en-US" dirty="0" smtClean="0"/>
               <a:t>Details on next slide</a:t>
-            </a:r>
-            <a:r>
-              <a:rPr lang="en-US" dirty="0" smtClean="0"/>
-              <a:t/>
             </a:r>
             <a:br>
               <a:rPr lang="en-US" dirty="0" smtClean="0"/>
@@ -18570,6 +21159,29 @@
           </a:p>
         </p:txBody>
       </p:sp>
+      <p:sp>
+        <p:nvSpPr>
+          <p:cNvPr id="3" name="Slide Number Placeholder 2"/>
+          <p:cNvSpPr>
+            <a:spLocks noGrp="1"/>
+          </p:cNvSpPr>
+          <p:nvPr>
+            <p:ph type="sldNum" sz="quarter" idx="12"/>
+          </p:nvPr>
+        </p:nvSpPr>
+        <p:spPr/>
+        <p:txBody>
+          <a:bodyPr/>
+          <a:lstStyle/>
+          <a:p>
+            <a:fld id="{BE427A2F-4327-CD41-8979-22A6985694E5}" type="slidenum">
+              <a:rPr lang="en-US" smtClean="0"/>
+              <a:t>4</a:t>
+            </a:fld>
+            <a:endParaRPr lang="en-US"/>
+          </a:p>
+        </p:txBody>
+      </p:sp>
     </p:spTree>
     <p:extLst>
       <p:ext uri="{BB962C8B-B14F-4D97-AF65-F5344CB8AC3E}">
@@ -18602,6 +21214,1675 @@
       </p:grpSpPr>
       <p:sp>
         <p:nvSpPr>
+          <p:cNvPr id="2" name="Title 1"/>
+          <p:cNvSpPr>
+            <a:spLocks noGrp="1"/>
+          </p:cNvSpPr>
+          <p:nvPr>
+            <p:ph type="title"/>
+          </p:nvPr>
+        </p:nvSpPr>
+        <p:spPr/>
+        <p:txBody>
+          <a:bodyPr/>
+          <a:lstStyle/>
+          <a:p>
+            <a:r>
+              <a:rPr lang="de-DE" dirty="0" smtClean="0">
+                <a:solidFill>
+                  <a:schemeClr val="accent1"/>
+                </a:solidFill>
+              </a:rPr>
+              <a:t>For Discussion:</a:t>
+            </a:r>
+            <a:br>
+              <a:rPr lang="de-DE" dirty="0" smtClean="0">
+                <a:solidFill>
+                  <a:schemeClr val="accent1"/>
+                </a:solidFill>
+              </a:rPr>
+            </a:br>
+            <a:r>
+              <a:rPr lang="de-DE" dirty="0" smtClean="0"/>
+              <a:t>On the need for a Namespace Identifier</a:t>
+            </a:r>
+            <a:endParaRPr lang="de-DE" dirty="0"/>
+          </a:p>
+        </p:txBody>
+      </p:sp>
+      <p:sp>
+        <p:nvSpPr>
+          <p:cNvPr id="3" name="Content Placeholder 2"/>
+          <p:cNvSpPr>
+            <a:spLocks noGrp="1"/>
+          </p:cNvSpPr>
+          <p:nvPr>
+            <p:ph idx="1"/>
+          </p:nvPr>
+        </p:nvSpPr>
+        <p:spPr/>
+        <p:txBody>
+          <a:bodyPr>
+            <a:normAutofit fontScale="92500"/>
+          </a:bodyPr>
+          <a:lstStyle/>
+          <a:p>
+            <a:r>
+              <a:rPr lang="en-US" dirty="0"/>
+              <a:t>“IOAM is </a:t>
+            </a:r>
+            <a:r>
+              <a:rPr lang="en-US" dirty="0" smtClean="0"/>
+              <a:t>a network </a:t>
+            </a:r>
+            <a:r>
+              <a:rPr lang="en-US" dirty="0"/>
+              <a:t>domain focused feature, with "network domain" being a set </a:t>
+            </a:r>
+            <a:r>
+              <a:rPr lang="en-US" dirty="0" smtClean="0"/>
+              <a:t>of network </a:t>
+            </a:r>
+            <a:r>
+              <a:rPr lang="en-US" dirty="0"/>
+              <a:t>devices or entities within a single administration</a:t>
+            </a:r>
+            <a:r>
+              <a:rPr lang="en-US" dirty="0" smtClean="0"/>
+              <a:t>.” (</a:t>
+            </a:r>
+            <a:r>
+              <a:rPr lang="en-US" dirty="0"/>
+              <a:t>see </a:t>
+            </a:r>
+            <a:r>
+              <a:rPr lang="en-US" dirty="0" smtClean="0"/>
+              <a:t>draft-ietf-ippm-ioam-data-03, section 3)</a:t>
+            </a:r>
+          </a:p>
+          <a:p>
+            <a:r>
+              <a:rPr lang="en-US" dirty="0" smtClean="0"/>
+              <a:t>IOAM data fields are defined in their own namespace. </a:t>
+            </a:r>
+            <a:r>
+              <a:rPr lang="en-US" dirty="0"/>
+              <a:t>D</a:t>
+            </a:r>
+            <a:r>
+              <a:rPr lang="en-US" dirty="0" smtClean="0"/>
+              <a:t>ata fields can have a domain specific interpretation, e.g. node id, interface id, queue depth (measured in memory buffers), app-data, opaque state snapshot.</a:t>
+            </a:r>
+          </a:p>
+          <a:p>
+            <a:r>
+              <a:rPr lang="en-US" dirty="0" smtClean="0"/>
+              <a:t>A deployment could require several different interpretations of the data fields (i.e. namespaces), consider e.g. layered IOAM deployment</a:t>
+            </a:r>
+          </a:p>
+          <a:p>
+            <a:r>
+              <a:rPr lang="en-US" dirty="0" smtClean="0">
+                <a:solidFill>
+                  <a:schemeClr val="accent1"/>
+                </a:solidFill>
+              </a:rPr>
+              <a:t>IOAM currently does not offer to carry an identifier for the namespace (to identify the interpretation context/domain) in the packet. </a:t>
+            </a:r>
+            <a:endParaRPr lang="en-US" dirty="0">
+              <a:solidFill>
+                <a:schemeClr val="accent1"/>
+              </a:solidFill>
+            </a:endParaRPr>
+          </a:p>
+        </p:txBody>
+      </p:sp>
+      <p:sp>
+        <p:nvSpPr>
+          <p:cNvPr id="4" name="Slide Number Placeholder 3"/>
+          <p:cNvSpPr>
+            <a:spLocks noGrp="1"/>
+          </p:cNvSpPr>
+          <p:nvPr>
+            <p:ph type="sldNum" sz="quarter" idx="12"/>
+          </p:nvPr>
+        </p:nvSpPr>
+        <p:spPr/>
+        <p:txBody>
+          <a:bodyPr/>
+          <a:lstStyle/>
+          <a:p>
+            <a:fld id="{BE427A2F-4327-CD41-8979-22A6985694E5}" type="slidenum">
+              <a:rPr lang="en-US" smtClean="0"/>
+              <a:t>5</a:t>
+            </a:fld>
+            <a:endParaRPr lang="en-US"/>
+          </a:p>
+        </p:txBody>
+      </p:sp>
+    </p:spTree>
+    <p:extLst>
+      <p:ext uri="{BB962C8B-B14F-4D97-AF65-F5344CB8AC3E}">
+        <p14:creationId xmlns:p14="http://schemas.microsoft.com/office/powerpoint/2010/main" val="1241532502"/>
+      </p:ext>
+    </p:extLst>
+  </p:cSld>
+  <p:clrMapOvr>
+    <a:masterClrMapping/>
+  </p:clrMapOvr>
+</p:sld>
+</file>
+
+<file path=ppt/slides/slide6.xml><?xml version="1.0" encoding="utf-8"?>
+<p:sld xmlns:a="http://schemas.openxmlformats.org/drawingml/2006/main" xmlns:r="http://schemas.openxmlformats.org/officeDocument/2006/relationships" xmlns:p="http://schemas.openxmlformats.org/presentationml/2006/main">
+  <p:cSld>
+    <p:spTree>
+      <p:nvGrpSpPr>
+        <p:cNvPr id="1" name=""/>
+        <p:cNvGrpSpPr/>
+        <p:nvPr/>
+      </p:nvGrpSpPr>
+      <p:grpSpPr>
+        <a:xfrm>
+          <a:off x="0" y="0"/>
+          <a:ext cx="0" cy="0"/>
+          <a:chOff x="0" y="0"/>
+          <a:chExt cx="0" cy="0"/>
+        </a:xfrm>
+      </p:grpSpPr>
+      <p:sp>
+        <p:nvSpPr>
+          <p:cNvPr id="7" name="Rectangle 6">
+            <a:extLst>
+              <a:ext uri="{FF2B5EF4-FFF2-40B4-BE49-F238E27FC236}">
+                <a16:creationId xmlns="" xmlns:a16="http://schemas.microsoft.com/office/drawing/2014/main" id="{1AF287C9-F3F3-D44E-9094-FCAA88BFA7BD}"/>
+              </a:ext>
+            </a:extLst>
+          </p:cNvPr>
+          <p:cNvSpPr/>
+          <p:nvPr/>
+        </p:nvSpPr>
+        <p:spPr>
+          <a:xfrm>
+            <a:off x="5703065" y="3246055"/>
+            <a:ext cx="6337572" cy="1821485"/>
+          </a:xfrm>
+          <a:prstGeom prst="rect">
+            <a:avLst/>
+          </a:prstGeom>
+        </p:spPr>
+        <p:txBody>
+          <a:bodyPr wrap="square">
+            <a:noAutofit/>
+          </a:bodyPr>
+          <a:lstStyle/>
+          <a:p>
+            <a:r>
+              <a:rPr lang="en-US" sz="1100" dirty="0" smtClean="0">
+                <a:solidFill>
+                  <a:srgbClr val="000000"/>
+                </a:solidFill>
+                <a:latin typeface="Courier" charset="0"/>
+                <a:ea typeface="Courier" charset="0"/>
+                <a:cs typeface="Courier" charset="0"/>
+              </a:rPr>
+              <a:t>                 Incremental </a:t>
+            </a:r>
+            <a:r>
+              <a:rPr lang="en-US" sz="1100" dirty="0">
+                <a:solidFill>
+                  <a:srgbClr val="000000"/>
+                </a:solidFill>
+                <a:latin typeface="Courier" charset="0"/>
+                <a:ea typeface="Courier" charset="0"/>
+                <a:cs typeface="Courier" charset="0"/>
+              </a:rPr>
+              <a:t>trace option header:</a:t>
+            </a:r>
+            <a:endParaRPr lang="en-US" sz="1100" dirty="0">
+              <a:effectLst/>
+              <a:latin typeface="Courier" charset="0"/>
+              <a:ea typeface="Courier" charset="0"/>
+              <a:cs typeface="Courier" charset="0"/>
+            </a:endParaRPr>
+          </a:p>
+          <a:p>
+            <a:pPr marL="0" marR="0">
+              <a:spcBef>
+                <a:spcPts val="0"/>
+              </a:spcBef>
+              <a:spcAft>
+                <a:spcPts val="0"/>
+              </a:spcAft>
+            </a:pPr>
+            <a:r>
+              <a:rPr lang="en-US" sz="1100" kern="1200" dirty="0">
+                <a:solidFill>
+                  <a:srgbClr val="000000"/>
+                </a:solidFill>
+                <a:effectLst/>
+                <a:latin typeface="Courier" charset="0"/>
+                <a:ea typeface="Courier" charset="0"/>
+                <a:cs typeface="Courier" charset="0"/>
+              </a:rPr>
+              <a:t> </a:t>
+            </a:r>
+            <a:endParaRPr lang="en-US" sz="1100" dirty="0">
+              <a:effectLst/>
+              <a:latin typeface="Times New Roman" charset="0"/>
+              <a:ea typeface="Times New Roman" charset="0"/>
+            </a:endParaRPr>
+          </a:p>
+          <a:p>
+            <a:pPr marL="0" marR="0">
+              <a:spcBef>
+                <a:spcPts val="0"/>
+              </a:spcBef>
+              <a:spcAft>
+                <a:spcPts val="0"/>
+              </a:spcAft>
+            </a:pPr>
+            <a:r>
+              <a:rPr lang="en-US" sz="1100" kern="1200" dirty="0">
+                <a:solidFill>
+                  <a:srgbClr val="000000"/>
+                </a:solidFill>
+                <a:effectLst/>
+                <a:latin typeface="Courier" charset="0"/>
+                <a:ea typeface="Courier" charset="0"/>
+                <a:cs typeface="Courier" charset="0"/>
+              </a:rPr>
+              <a:t> 0                   1                   2                   3</a:t>
+            </a:r>
+            <a:endParaRPr lang="en-US" sz="1100" dirty="0">
+              <a:effectLst/>
+              <a:latin typeface="Times New Roman" charset="0"/>
+              <a:ea typeface="Times New Roman" charset="0"/>
+            </a:endParaRPr>
+          </a:p>
+          <a:p>
+            <a:pPr marL="0" marR="0">
+              <a:spcBef>
+                <a:spcPts val="0"/>
+              </a:spcBef>
+              <a:spcAft>
+                <a:spcPts val="0"/>
+              </a:spcAft>
+            </a:pPr>
+            <a:r>
+              <a:rPr lang="en-US" sz="1100" kern="1200" dirty="0">
+                <a:solidFill>
+                  <a:srgbClr val="000000"/>
+                </a:solidFill>
+                <a:effectLst/>
+                <a:latin typeface="Courier" charset="0"/>
+                <a:ea typeface="Courier" charset="0"/>
+                <a:cs typeface="Courier" charset="0"/>
+              </a:rPr>
+              <a:t> 0 1 2 3 4 5 6 7 8 9 0 1 2 3 4 5 6 7 8 9 0 1 2 3 4 5 6 7 8 9 0 1</a:t>
+            </a:r>
+            <a:endParaRPr lang="en-US" sz="1100" dirty="0">
+              <a:effectLst/>
+              <a:latin typeface="Times New Roman" charset="0"/>
+              <a:ea typeface="Times New Roman" charset="0"/>
+            </a:endParaRPr>
+          </a:p>
+          <a:p>
+            <a:pPr marL="0" marR="0">
+              <a:spcBef>
+                <a:spcPts val="0"/>
+              </a:spcBef>
+              <a:spcAft>
+                <a:spcPts val="0"/>
+              </a:spcAft>
+            </a:pPr>
+            <a:r>
+              <a:rPr lang="en-US" sz="1100" kern="1200" dirty="0">
+                <a:solidFill>
+                  <a:srgbClr val="000000"/>
+                </a:solidFill>
+                <a:effectLst/>
+                <a:latin typeface="Courier" charset="0"/>
+                <a:ea typeface="Courier" charset="0"/>
+                <a:cs typeface="Courier" charset="0"/>
+              </a:rPr>
+              <a:t>+-+-+-+-+-+-+-+-+-+-+-+-+-+-+-+-+-+-+-+-+-+-+-+-+-+-+-+-+-+-+-+-+</a:t>
+            </a:r>
+            <a:endParaRPr lang="en-US" sz="1100" dirty="0">
+              <a:effectLst/>
+              <a:latin typeface="Times New Roman" charset="0"/>
+              <a:ea typeface="Times New Roman" charset="0"/>
+            </a:endParaRPr>
+          </a:p>
+          <a:p>
+            <a:pPr marL="0" marR="0">
+              <a:spcBef>
+                <a:spcPts val="0"/>
+              </a:spcBef>
+              <a:spcAft>
+                <a:spcPts val="0"/>
+              </a:spcAft>
+            </a:pPr>
+            <a:r>
+              <a:rPr lang="en-US" sz="1100" kern="1200" dirty="0">
+                <a:solidFill>
+                  <a:srgbClr val="000000"/>
+                </a:solidFill>
+                <a:effectLst/>
+                <a:latin typeface="Courier" charset="0"/>
+                <a:ea typeface="Courier" charset="0"/>
+                <a:cs typeface="Courier" charset="0"/>
+              </a:rPr>
+              <a:t>|       IOAM-Trace-Type         | </a:t>
+            </a:r>
+            <a:r>
+              <a:rPr lang="en-US" sz="1100" kern="1200" dirty="0" err="1">
+                <a:solidFill>
+                  <a:srgbClr val="000000"/>
+                </a:solidFill>
+                <a:effectLst/>
+                <a:latin typeface="Courier" charset="0"/>
+                <a:ea typeface="Courier" charset="0"/>
+                <a:cs typeface="Courier" charset="0"/>
+              </a:rPr>
+              <a:t>NodeLen</a:t>
+            </a:r>
+            <a:r>
+              <a:rPr lang="en-US" sz="1100" kern="1200" dirty="0">
+                <a:solidFill>
+                  <a:srgbClr val="000000"/>
+                </a:solidFill>
+                <a:effectLst/>
+                <a:latin typeface="Courier" charset="0"/>
+                <a:ea typeface="Courier" charset="0"/>
+                <a:cs typeface="Courier" charset="0"/>
+              </a:rPr>
+              <a:t> | Flags |  Max Length |             </a:t>
+            </a:r>
+            <a:endParaRPr lang="en-US" sz="1100" dirty="0">
+              <a:effectLst/>
+              <a:latin typeface="Times New Roman" charset="0"/>
+              <a:ea typeface="Times New Roman" charset="0"/>
+            </a:endParaRPr>
+          </a:p>
+          <a:p>
+            <a:pPr marL="0" marR="0">
+              <a:spcBef>
+                <a:spcPts val="0"/>
+              </a:spcBef>
+              <a:spcAft>
+                <a:spcPts val="0"/>
+              </a:spcAft>
+            </a:pPr>
+            <a:r>
+              <a:rPr lang="en-US" sz="1100" kern="1200" dirty="0">
+                <a:solidFill>
+                  <a:srgbClr val="000000"/>
+                </a:solidFill>
+                <a:effectLst/>
+                <a:latin typeface="Courier" charset="0"/>
+                <a:ea typeface="Courier" charset="0"/>
+                <a:cs typeface="Courier" charset="0"/>
+              </a:rPr>
+              <a:t>+-+-+-+-+-+-+-+-+-+-+-+-+-+-+-+-+-+-+-+-+-+-+-+-+-+-+-+-+-+-+-+-+</a:t>
+            </a:r>
+          </a:p>
+          <a:p>
+            <a:r>
+              <a:rPr lang="en-US" sz="1100" dirty="0">
+                <a:solidFill>
+                  <a:srgbClr val="000000"/>
+                </a:solidFill>
+                <a:latin typeface="Courier" charset="0"/>
+                <a:ea typeface="Courier" charset="0"/>
+                <a:cs typeface="Courier" charset="0"/>
+              </a:rPr>
+              <a:t>|            Namespace ID       |    Namespace Specific </a:t>
+            </a:r>
+            <a:r>
+              <a:rPr lang="en-US" sz="1100" dirty="0" smtClean="0">
+                <a:solidFill>
+                  <a:srgbClr val="000000"/>
+                </a:solidFill>
+                <a:latin typeface="Courier" charset="0"/>
+                <a:ea typeface="Courier" charset="0"/>
+                <a:cs typeface="Courier" charset="0"/>
+              </a:rPr>
+              <a:t>data    </a:t>
+            </a:r>
+            <a:r>
+              <a:rPr lang="en-US" sz="1100" dirty="0">
+                <a:solidFill>
+                  <a:srgbClr val="000000"/>
+                </a:solidFill>
+                <a:latin typeface="Courier" charset="0"/>
+                <a:ea typeface="Courier" charset="0"/>
+                <a:cs typeface="Courier" charset="0"/>
+              </a:rPr>
+              <a:t>|</a:t>
+            </a:r>
+            <a:endParaRPr lang="en-US" sz="1100" dirty="0" smtClean="0">
+              <a:solidFill>
+                <a:srgbClr val="000000"/>
+              </a:solidFill>
+              <a:latin typeface="Courier" charset="0"/>
+              <a:ea typeface="Courier" charset="0"/>
+              <a:cs typeface="Courier" charset="0"/>
+            </a:endParaRPr>
+          </a:p>
+          <a:p>
+            <a:r>
+              <a:rPr lang="en-US" sz="1100" dirty="0" smtClean="0">
+                <a:solidFill>
+                  <a:srgbClr val="000000"/>
+                </a:solidFill>
+                <a:latin typeface="Courier" charset="0"/>
+                <a:ea typeface="Courier" charset="0"/>
+                <a:cs typeface="Courier" charset="0"/>
+              </a:rPr>
+              <a:t>+-+-+-+-+-+-+-+-+-+-+-+-+-+-+-+-+-+-+-+-+-+-+-+-+-+-+-+-+-+-+-+-+</a:t>
+            </a:r>
+            <a:endParaRPr lang="en-US" sz="1100" dirty="0">
+              <a:solidFill>
+                <a:srgbClr val="000000"/>
+              </a:solidFill>
+              <a:latin typeface="Courier" charset="0"/>
+              <a:ea typeface="Courier" charset="0"/>
+              <a:cs typeface="Courier" charset="0"/>
+            </a:endParaRPr>
+          </a:p>
+          <a:p>
+            <a:endParaRPr lang="en-US" sz="1100" dirty="0">
+              <a:latin typeface="Times New Roman" charset="0"/>
+              <a:ea typeface="Times New Roman" charset="0"/>
+            </a:endParaRPr>
+          </a:p>
+          <a:p>
+            <a:pPr marL="0" marR="0">
+              <a:spcBef>
+                <a:spcPts val="0"/>
+              </a:spcBef>
+              <a:spcAft>
+                <a:spcPts val="0"/>
+              </a:spcAft>
+            </a:pPr>
+            <a:endParaRPr lang="en-US" sz="1100" dirty="0">
+              <a:effectLst/>
+              <a:latin typeface="Times New Roman" charset="0"/>
+              <a:ea typeface="Times New Roman" charset="0"/>
+            </a:endParaRPr>
+          </a:p>
+        </p:txBody>
+      </p:sp>
+      <p:sp>
+        <p:nvSpPr>
+          <p:cNvPr id="4" name="Title 3"/>
+          <p:cNvSpPr>
+            <a:spLocks noGrp="1"/>
+          </p:cNvSpPr>
+          <p:nvPr>
+            <p:ph type="title"/>
+          </p:nvPr>
+        </p:nvSpPr>
+        <p:spPr/>
+        <p:txBody>
+          <a:bodyPr/>
+          <a:lstStyle/>
+          <a:p>
+            <a:r>
+              <a:rPr lang="en-US" dirty="0" smtClean="0"/>
+              <a:t>Namespace-ID proposal</a:t>
+            </a:r>
+            <a:endParaRPr lang="en-US" dirty="0"/>
+          </a:p>
+        </p:txBody>
+      </p:sp>
+      <p:sp>
+        <p:nvSpPr>
+          <p:cNvPr id="9" name="Content Placeholder 8"/>
+          <p:cNvSpPr>
+            <a:spLocks noGrp="1"/>
+          </p:cNvSpPr>
+          <p:nvPr>
+            <p:ph idx="1"/>
+          </p:nvPr>
+        </p:nvSpPr>
+        <p:spPr>
+          <a:xfrm>
+            <a:off x="838200" y="1825625"/>
+            <a:ext cx="10747986" cy="4351338"/>
+          </a:xfrm>
+        </p:spPr>
+        <p:txBody>
+          <a:bodyPr>
+            <a:normAutofit/>
+          </a:bodyPr>
+          <a:lstStyle/>
+          <a:p>
+            <a:r>
+              <a:rPr lang="de-DE" sz="2400" dirty="0" smtClean="0"/>
+              <a:t>Extend base header by 4-bytes, adding namespace specific information</a:t>
+            </a:r>
+          </a:p>
+          <a:p>
+            <a:r>
+              <a:rPr lang="de-DE" sz="2400" dirty="0" smtClean="0"/>
+              <a:t>Flag (Namespace bit) to identify whether the namespace ID is populated </a:t>
+            </a:r>
+            <a:endParaRPr lang="de-DE" sz="2400" dirty="0"/>
+          </a:p>
+        </p:txBody>
+      </p:sp>
+      <p:sp>
+        <p:nvSpPr>
+          <p:cNvPr id="6" name="Rectangle 5">
+            <a:extLst>
+              <a:ext uri="{FF2B5EF4-FFF2-40B4-BE49-F238E27FC236}">
+                <a16:creationId xmlns="" xmlns:a16="http://schemas.microsoft.com/office/drawing/2014/main" id="{DA473FD1-B608-734F-8E7D-6E8EE15BCA6C}"/>
+              </a:ext>
+            </a:extLst>
+          </p:cNvPr>
+          <p:cNvSpPr/>
+          <p:nvPr/>
+        </p:nvSpPr>
+        <p:spPr>
+          <a:xfrm>
+            <a:off x="98419" y="3232728"/>
+            <a:ext cx="5671956" cy="1748418"/>
+          </a:xfrm>
+          <a:prstGeom prst="rect">
+            <a:avLst/>
+          </a:prstGeom>
+          <a:solidFill>
+            <a:schemeClr val="bg1"/>
+          </a:solidFill>
+        </p:spPr>
+        <p:txBody>
+          <a:bodyPr wrap="square">
+            <a:noAutofit/>
+          </a:bodyPr>
+          <a:lstStyle/>
+          <a:p>
+            <a:r>
+              <a:rPr lang="en-US" sz="1100" dirty="0">
+                <a:solidFill>
+                  <a:srgbClr val="000000"/>
+                </a:solidFill>
+                <a:latin typeface="Courier" charset="0"/>
+                <a:ea typeface="Courier" charset="0"/>
+                <a:cs typeface="Courier" charset="0"/>
+              </a:rPr>
+              <a:t>Pre-Allocated trace option header:</a:t>
+            </a:r>
+            <a:endParaRPr lang="en-US" sz="1100" dirty="0">
+              <a:effectLst/>
+              <a:latin typeface="Courier" charset="0"/>
+              <a:ea typeface="Courier" charset="0"/>
+              <a:cs typeface="Courier" charset="0"/>
+            </a:endParaRPr>
+          </a:p>
+          <a:p>
+            <a:pPr marL="0" marR="0">
+              <a:spcBef>
+                <a:spcPts val="0"/>
+              </a:spcBef>
+              <a:spcAft>
+                <a:spcPts val="0"/>
+              </a:spcAft>
+            </a:pPr>
+            <a:r>
+              <a:rPr lang="en-US" sz="1100" kern="1200" dirty="0">
+                <a:solidFill>
+                  <a:srgbClr val="000000"/>
+                </a:solidFill>
+                <a:effectLst/>
+                <a:latin typeface="Courier" charset="0"/>
+                <a:ea typeface="Courier" charset="0"/>
+                <a:cs typeface="Courier" charset="0"/>
+              </a:rPr>
+              <a:t> </a:t>
+            </a:r>
+            <a:endParaRPr lang="en-US" sz="1100" dirty="0">
+              <a:latin typeface="Courier" charset="0"/>
+              <a:ea typeface="Courier" charset="0"/>
+              <a:cs typeface="Courier" charset="0"/>
+            </a:endParaRPr>
+          </a:p>
+          <a:p>
+            <a:pPr marL="0" marR="0">
+              <a:spcBef>
+                <a:spcPts val="0"/>
+              </a:spcBef>
+              <a:spcAft>
+                <a:spcPts val="0"/>
+              </a:spcAft>
+            </a:pPr>
+            <a:r>
+              <a:rPr lang="en-US" sz="1100" kern="1200" dirty="0">
+                <a:solidFill>
+                  <a:srgbClr val="000000"/>
+                </a:solidFill>
+                <a:effectLst/>
+                <a:latin typeface="Courier" charset="0"/>
+                <a:ea typeface="Courier" charset="0"/>
+                <a:cs typeface="Courier" charset="0"/>
+              </a:rPr>
+              <a:t>0                   1                   2                   3</a:t>
+            </a:r>
+            <a:endParaRPr lang="en-US" sz="1100" dirty="0">
+              <a:latin typeface="Courier" charset="0"/>
+              <a:ea typeface="Courier" charset="0"/>
+              <a:cs typeface="Courier" charset="0"/>
+            </a:endParaRPr>
+          </a:p>
+          <a:p>
+            <a:pPr marL="0" marR="0">
+              <a:spcBef>
+                <a:spcPts val="0"/>
+              </a:spcBef>
+              <a:spcAft>
+                <a:spcPts val="0"/>
+              </a:spcAft>
+            </a:pPr>
+            <a:r>
+              <a:rPr lang="en-US" sz="1100" kern="1200" dirty="0">
+                <a:solidFill>
+                  <a:srgbClr val="000000"/>
+                </a:solidFill>
+                <a:effectLst/>
+                <a:latin typeface="Courier" charset="0"/>
+                <a:ea typeface="Courier" charset="0"/>
+                <a:cs typeface="Courier" charset="0"/>
+              </a:rPr>
+              <a:t>0 1 2 3 4 5 6 7 8 9 0 1 2 3 4 5 6 7 8 9 0 1 2 3 4 5 6 7 8 9 0 1</a:t>
+            </a:r>
+            <a:endParaRPr lang="en-US" sz="1100" dirty="0">
+              <a:effectLst/>
+              <a:latin typeface="Courier" charset="0"/>
+              <a:ea typeface="Courier" charset="0"/>
+              <a:cs typeface="Courier" charset="0"/>
+            </a:endParaRPr>
+          </a:p>
+          <a:p>
+            <a:pPr marL="0" marR="0">
+              <a:spcBef>
+                <a:spcPts val="0"/>
+              </a:spcBef>
+              <a:spcAft>
+                <a:spcPts val="0"/>
+              </a:spcAft>
+            </a:pPr>
+            <a:r>
+              <a:rPr lang="en-US" sz="1100" kern="1200" dirty="0">
+                <a:solidFill>
+                  <a:srgbClr val="000000"/>
+                </a:solidFill>
+                <a:effectLst/>
+                <a:latin typeface="Courier" charset="0"/>
+                <a:ea typeface="Courier" charset="0"/>
+                <a:cs typeface="Courier" charset="0"/>
+              </a:rPr>
+              <a:t>+-+-+-+-+-+-+-+-+-+-+-+-+-+-+-+-+-+-+-+-+-+-+-+-+-+-+-+-+-+-+-+-+</a:t>
+            </a:r>
+            <a:endParaRPr lang="en-US" sz="1100" dirty="0">
+              <a:effectLst/>
+              <a:latin typeface="Courier" charset="0"/>
+              <a:ea typeface="Courier" charset="0"/>
+              <a:cs typeface="Courier" charset="0"/>
+            </a:endParaRPr>
+          </a:p>
+          <a:p>
+            <a:pPr marL="0" marR="0">
+              <a:spcBef>
+                <a:spcPts val="0"/>
+              </a:spcBef>
+              <a:spcAft>
+                <a:spcPts val="0"/>
+              </a:spcAft>
+            </a:pPr>
+            <a:r>
+              <a:rPr lang="en-US" sz="1100" kern="1200" dirty="0">
+                <a:solidFill>
+                  <a:srgbClr val="000000"/>
+                </a:solidFill>
+                <a:effectLst/>
+                <a:latin typeface="Courier" charset="0"/>
+                <a:ea typeface="Courier" charset="0"/>
+                <a:cs typeface="Courier" charset="0"/>
+              </a:rPr>
+              <a:t>|       IOAM-Trace-Type         | </a:t>
+            </a:r>
+            <a:r>
+              <a:rPr lang="en-US" sz="1100" kern="1200" dirty="0" err="1">
+                <a:solidFill>
+                  <a:srgbClr val="000000"/>
+                </a:solidFill>
+                <a:effectLst/>
+                <a:latin typeface="Courier" charset="0"/>
+                <a:ea typeface="Courier" charset="0"/>
+                <a:cs typeface="Courier" charset="0"/>
+              </a:rPr>
+              <a:t>NodeLen</a:t>
+            </a:r>
+            <a:r>
+              <a:rPr lang="en-US" sz="1100" kern="1200" dirty="0">
+                <a:solidFill>
+                  <a:srgbClr val="000000"/>
+                </a:solidFill>
+                <a:effectLst/>
+                <a:latin typeface="Courier" charset="0"/>
+                <a:ea typeface="Courier" charset="0"/>
+                <a:cs typeface="Courier" charset="0"/>
+              </a:rPr>
+              <a:t> | Flags |</a:t>
+            </a:r>
+            <a:r>
+              <a:rPr lang="en-US" sz="1100" kern="1200" dirty="0" err="1">
+                <a:solidFill>
+                  <a:srgbClr val="000000"/>
+                </a:solidFill>
+                <a:effectLst/>
+                <a:latin typeface="Courier" charset="0"/>
+                <a:ea typeface="Courier" charset="0"/>
+                <a:cs typeface="Courier" charset="0"/>
+              </a:rPr>
+              <a:t>RemainingLen</a:t>
+            </a:r>
+            <a:r>
+              <a:rPr lang="en-US" sz="1100" kern="1200" dirty="0">
+                <a:solidFill>
+                  <a:srgbClr val="000000"/>
+                </a:solidFill>
+                <a:effectLst/>
+                <a:latin typeface="Courier" charset="0"/>
+                <a:ea typeface="Courier" charset="0"/>
+                <a:cs typeface="Courier" charset="0"/>
+              </a:rPr>
+              <a:t> |             </a:t>
+            </a:r>
+            <a:endParaRPr lang="en-US" sz="1100" dirty="0">
+              <a:effectLst/>
+              <a:latin typeface="Courier" charset="0"/>
+              <a:ea typeface="Courier" charset="0"/>
+              <a:cs typeface="Courier" charset="0"/>
+            </a:endParaRPr>
+          </a:p>
+          <a:p>
+            <a:pPr marL="0" marR="0">
+              <a:spcBef>
+                <a:spcPts val="0"/>
+              </a:spcBef>
+              <a:spcAft>
+                <a:spcPts val="0"/>
+              </a:spcAft>
+            </a:pPr>
+            <a:r>
+              <a:rPr lang="en-US" sz="1100" kern="1200" dirty="0">
+                <a:solidFill>
+                  <a:srgbClr val="000000"/>
+                </a:solidFill>
+                <a:effectLst/>
+                <a:latin typeface="Courier" charset="0"/>
+                <a:ea typeface="Courier" charset="0"/>
+                <a:cs typeface="Courier" charset="0"/>
+              </a:rPr>
+              <a:t>+-+-+-+-+-+-+-+-+-+-+-+-+-+-+-+-+-+-+-+-+-+-+-+-+-+-+-+-+-+-+-+-+</a:t>
+            </a:r>
+          </a:p>
+          <a:p>
+            <a:pPr marL="0" marR="0">
+              <a:spcBef>
+                <a:spcPts val="0"/>
+              </a:spcBef>
+              <a:spcAft>
+                <a:spcPts val="0"/>
+              </a:spcAft>
+            </a:pPr>
+            <a:r>
+              <a:rPr lang="en-US" sz="1100" dirty="0">
+                <a:solidFill>
+                  <a:srgbClr val="000000"/>
+                </a:solidFill>
+                <a:latin typeface="Courier" charset="0"/>
+                <a:ea typeface="Courier" charset="0"/>
+                <a:cs typeface="Courier" charset="0"/>
+              </a:rPr>
+              <a:t>|            </a:t>
+            </a:r>
+            <a:r>
+              <a:rPr lang="en-US" sz="1100" dirty="0" smtClean="0">
+                <a:solidFill>
+                  <a:srgbClr val="000000"/>
+                </a:solidFill>
+                <a:latin typeface="Courier" charset="0"/>
+                <a:ea typeface="Courier" charset="0"/>
+                <a:cs typeface="Courier" charset="0"/>
+              </a:rPr>
+              <a:t>Namespace </a:t>
+            </a:r>
+            <a:r>
+              <a:rPr lang="en-US" sz="1100" dirty="0">
+                <a:solidFill>
+                  <a:srgbClr val="000000"/>
+                </a:solidFill>
+                <a:latin typeface="Courier" charset="0"/>
+                <a:ea typeface="Courier" charset="0"/>
+                <a:cs typeface="Courier" charset="0"/>
+              </a:rPr>
+              <a:t>ID       </a:t>
+            </a:r>
+            <a:r>
+              <a:rPr lang="en-US" sz="1100" dirty="0" smtClean="0">
+                <a:solidFill>
+                  <a:srgbClr val="000000"/>
+                </a:solidFill>
+                <a:latin typeface="Courier" charset="0"/>
+                <a:ea typeface="Courier" charset="0"/>
+                <a:cs typeface="Courier" charset="0"/>
+              </a:rPr>
+              <a:t>|    Namespace </a:t>
+            </a:r>
+            <a:r>
+              <a:rPr lang="en-US" sz="1100" dirty="0">
+                <a:solidFill>
+                  <a:srgbClr val="000000"/>
+                </a:solidFill>
+                <a:latin typeface="Courier" charset="0"/>
+                <a:ea typeface="Courier" charset="0"/>
+                <a:cs typeface="Courier" charset="0"/>
+              </a:rPr>
+              <a:t>Specific </a:t>
+            </a:r>
+            <a:r>
+              <a:rPr lang="en-US" sz="1100" dirty="0" smtClean="0">
+                <a:solidFill>
+                  <a:srgbClr val="000000"/>
+                </a:solidFill>
+                <a:latin typeface="Courier" charset="0"/>
+                <a:ea typeface="Courier" charset="0"/>
+                <a:cs typeface="Courier" charset="0"/>
+              </a:rPr>
+              <a:t>data    |</a:t>
+            </a:r>
+            <a:endParaRPr lang="en-US" sz="1100" dirty="0">
+              <a:solidFill>
+                <a:srgbClr val="000000"/>
+              </a:solidFill>
+              <a:latin typeface="Courier" charset="0"/>
+              <a:ea typeface="Courier" charset="0"/>
+              <a:cs typeface="Courier" charset="0"/>
+            </a:endParaRPr>
+          </a:p>
+          <a:p>
+            <a:r>
+              <a:rPr lang="en-US" sz="1100" dirty="0">
+                <a:solidFill>
+                  <a:srgbClr val="000000"/>
+                </a:solidFill>
+                <a:latin typeface="Courier" charset="0"/>
+                <a:ea typeface="Courier" charset="0"/>
+                <a:cs typeface="Courier" charset="0"/>
+              </a:rPr>
+              <a:t>+-+-+-+-+-+-+-+-+-+-+-+-+-+-+-+-+-+-+-+-+-+-+-+-+-+-+-+-+-+-+-+-+</a:t>
+            </a:r>
+            <a:endParaRPr lang="en-US" sz="1100" kern="1200" dirty="0">
+              <a:solidFill>
+                <a:srgbClr val="000000"/>
+              </a:solidFill>
+              <a:effectLst/>
+              <a:latin typeface="Courier" charset="0"/>
+              <a:ea typeface="Courier" charset="0"/>
+              <a:cs typeface="Courier" charset="0"/>
+            </a:endParaRPr>
+          </a:p>
+          <a:p>
+            <a:pPr marL="0" marR="0">
+              <a:spcBef>
+                <a:spcPts val="0"/>
+              </a:spcBef>
+              <a:spcAft>
+                <a:spcPts val="0"/>
+              </a:spcAft>
+            </a:pPr>
+            <a:endParaRPr lang="en-US" sz="1100" kern="1200" dirty="0">
+              <a:solidFill>
+                <a:srgbClr val="000000"/>
+              </a:solidFill>
+              <a:effectLst/>
+              <a:latin typeface="Courier" charset="0"/>
+              <a:ea typeface="Courier" charset="0"/>
+              <a:cs typeface="Courier" charset="0"/>
+            </a:endParaRPr>
+          </a:p>
+          <a:p>
+            <a:endParaRPr lang="en-US" sz="1100" dirty="0">
+              <a:latin typeface="Courier" charset="0"/>
+              <a:ea typeface="Courier" charset="0"/>
+              <a:cs typeface="Courier" charset="0"/>
+            </a:endParaRPr>
+          </a:p>
+          <a:p>
+            <a:pPr marL="0" marR="0">
+              <a:spcBef>
+                <a:spcPts val="0"/>
+              </a:spcBef>
+              <a:spcAft>
+                <a:spcPts val="0"/>
+              </a:spcAft>
+            </a:pPr>
+            <a:endParaRPr lang="en-US" sz="1100" dirty="0">
+              <a:effectLst/>
+              <a:latin typeface="Courier" charset="0"/>
+              <a:ea typeface="Courier" charset="0"/>
+              <a:cs typeface="Courier" charset="0"/>
+            </a:endParaRPr>
+          </a:p>
+        </p:txBody>
+      </p:sp>
+      <p:sp>
+        <p:nvSpPr>
+          <p:cNvPr id="12" name="Oval 11"/>
+          <p:cNvSpPr/>
+          <p:nvPr/>
+        </p:nvSpPr>
+        <p:spPr>
+          <a:xfrm>
+            <a:off x="3570654" y="3945223"/>
+            <a:ext cx="1143001" cy="613068"/>
+          </a:xfrm>
+          <a:prstGeom prst="ellipse">
+            <a:avLst/>
+          </a:prstGeom>
+          <a:noFill/>
+          <a:ln w="31750">
+            <a:solidFill>
+              <a:schemeClr val="accent1"/>
+            </a:solidFill>
+            <a:prstDash val="sysDash"/>
+            <a:round/>
+          </a:ln>
+        </p:spPr>
+        <p:style>
+          <a:lnRef idx="2">
+            <a:schemeClr val="accent1">
+              <a:shade val="50000"/>
+            </a:schemeClr>
+          </a:lnRef>
+          <a:fillRef idx="1">
+            <a:schemeClr val="accent1"/>
+          </a:fillRef>
+          <a:effectRef idx="0">
+            <a:schemeClr val="accent1"/>
+          </a:effectRef>
+          <a:fontRef idx="minor">
+            <a:schemeClr val="lt1"/>
+          </a:fontRef>
+        </p:style>
+        <p:txBody>
+          <a:bodyPr rtlCol="0" anchor="ctr"/>
+          <a:lstStyle/>
+          <a:p>
+            <a:pPr algn="ctr"/>
+            <a:endParaRPr lang="en-US"/>
+          </a:p>
+        </p:txBody>
+      </p:sp>
+      <p:sp>
+        <p:nvSpPr>
+          <p:cNvPr id="13" name="Oval 12"/>
+          <p:cNvSpPr/>
+          <p:nvPr/>
+        </p:nvSpPr>
+        <p:spPr>
+          <a:xfrm>
+            <a:off x="9152021" y="3923831"/>
+            <a:ext cx="1143001" cy="613068"/>
+          </a:xfrm>
+          <a:prstGeom prst="ellipse">
+            <a:avLst/>
+          </a:prstGeom>
+          <a:noFill/>
+          <a:ln w="31750">
+            <a:solidFill>
+              <a:schemeClr val="accent1"/>
+            </a:solidFill>
+            <a:prstDash val="sysDash"/>
+            <a:round/>
+          </a:ln>
+        </p:spPr>
+        <p:style>
+          <a:lnRef idx="2">
+            <a:schemeClr val="accent1">
+              <a:shade val="50000"/>
+            </a:schemeClr>
+          </a:lnRef>
+          <a:fillRef idx="1">
+            <a:schemeClr val="accent1"/>
+          </a:fillRef>
+          <a:effectRef idx="0">
+            <a:schemeClr val="accent1"/>
+          </a:effectRef>
+          <a:fontRef idx="minor">
+            <a:schemeClr val="lt1"/>
+          </a:fontRef>
+        </p:style>
+        <p:txBody>
+          <a:bodyPr rtlCol="0" anchor="ctr"/>
+          <a:lstStyle/>
+          <a:p>
+            <a:pPr algn="ctr"/>
+            <a:endParaRPr lang="en-US"/>
+          </a:p>
+        </p:txBody>
+      </p:sp>
+      <p:grpSp>
+        <p:nvGrpSpPr>
+          <p:cNvPr id="8" name="Group 7"/>
+          <p:cNvGrpSpPr/>
+          <p:nvPr/>
+        </p:nvGrpSpPr>
+        <p:grpSpPr>
+          <a:xfrm>
+            <a:off x="4142154" y="4492512"/>
+            <a:ext cx="5581368" cy="879175"/>
+            <a:chOff x="4289821" y="3678233"/>
+            <a:chExt cx="5581368" cy="1595445"/>
+          </a:xfrm>
+        </p:grpSpPr>
+        <p:cxnSp>
+          <p:nvCxnSpPr>
+            <p:cNvPr id="15" name="Straight Arrow Connector 14"/>
+            <p:cNvCxnSpPr/>
+            <p:nvPr/>
+          </p:nvCxnSpPr>
+          <p:spPr>
+            <a:xfrm>
+              <a:off x="4289821" y="3678233"/>
+              <a:ext cx="0" cy="1595445"/>
+            </a:xfrm>
+            <a:prstGeom prst="straightConnector1">
+              <a:avLst/>
+            </a:prstGeom>
+            <a:ln>
+              <a:tailEnd type="triangle"/>
+            </a:ln>
+          </p:spPr>
+          <p:style>
+            <a:lnRef idx="1">
+              <a:schemeClr val="accent1"/>
+            </a:lnRef>
+            <a:fillRef idx="0">
+              <a:schemeClr val="accent1"/>
+            </a:fillRef>
+            <a:effectRef idx="0">
+              <a:schemeClr val="accent1"/>
+            </a:effectRef>
+            <a:fontRef idx="minor">
+              <a:schemeClr val="tx1"/>
+            </a:fontRef>
+          </p:style>
+        </p:cxnSp>
+        <p:cxnSp>
+          <p:nvCxnSpPr>
+            <p:cNvPr id="17" name="Straight Arrow Connector 16"/>
+            <p:cNvCxnSpPr/>
+            <p:nvPr/>
+          </p:nvCxnSpPr>
+          <p:spPr>
+            <a:xfrm flipH="1">
+              <a:off x="9871188" y="3678233"/>
+              <a:ext cx="1" cy="1573543"/>
+            </a:xfrm>
+            <a:prstGeom prst="straightConnector1">
+              <a:avLst/>
+            </a:prstGeom>
+            <a:ln>
+              <a:tailEnd type="triangle"/>
+            </a:ln>
+          </p:spPr>
+          <p:style>
+            <a:lnRef idx="1">
+              <a:schemeClr val="accent1"/>
+            </a:lnRef>
+            <a:fillRef idx="0">
+              <a:schemeClr val="accent1"/>
+            </a:fillRef>
+            <a:effectRef idx="0">
+              <a:schemeClr val="accent1"/>
+            </a:effectRef>
+            <a:fontRef idx="minor">
+              <a:schemeClr val="tx1"/>
+            </a:fontRef>
+          </p:style>
+        </p:cxnSp>
+      </p:grpSp>
+      <p:sp>
+        <p:nvSpPr>
+          <p:cNvPr id="18" name="TextBox 17"/>
+          <p:cNvSpPr txBox="1"/>
+          <p:nvPr/>
+        </p:nvSpPr>
+        <p:spPr>
+          <a:xfrm>
+            <a:off x="2232222" y="5273224"/>
+            <a:ext cx="8907003" cy="1400383"/>
+          </a:xfrm>
+          <a:prstGeom prst="rect">
+            <a:avLst/>
+          </a:prstGeom>
+          <a:noFill/>
+          <a:ln>
+            <a:solidFill>
+              <a:schemeClr val="accent1"/>
+            </a:solidFill>
+            <a:prstDash val="sysDash"/>
+          </a:ln>
+        </p:spPr>
+        <p:txBody>
+          <a:bodyPr wrap="square" rtlCol="0">
+            <a:spAutoFit/>
+          </a:bodyPr>
+          <a:lstStyle/>
+          <a:p>
+            <a:r>
+              <a:rPr lang="en-US" sz="1400" dirty="0" smtClean="0">
+                <a:latin typeface="Courier" charset="0"/>
+                <a:ea typeface="Courier" charset="0"/>
+                <a:cs typeface="Courier" charset="0"/>
+              </a:rPr>
+              <a:t>Flags 4-bit field. New flag bit to extend the header for namespace specific data.</a:t>
+            </a:r>
+          </a:p>
+          <a:p>
+            <a:endParaRPr lang="en-US" sz="1100" dirty="0" smtClean="0">
+              <a:latin typeface="Courier" charset="0"/>
+              <a:ea typeface="Courier" charset="0"/>
+              <a:cs typeface="Courier" charset="0"/>
+            </a:endParaRPr>
+          </a:p>
+          <a:p>
+            <a:pPr marL="685800" lvl="1" indent="-228600">
+              <a:buFont typeface="+mj-lt"/>
+              <a:buAutoNum type="arabicPeriod"/>
+            </a:pPr>
+            <a:r>
+              <a:rPr lang="en-US" sz="1200" b="1" dirty="0" smtClean="0">
+                <a:latin typeface="Courier" charset="0"/>
+                <a:ea typeface="Courier" charset="0"/>
+                <a:cs typeface="Courier" charset="0"/>
+              </a:rPr>
+              <a:t>Bit 0</a:t>
+            </a:r>
+            <a:r>
+              <a:rPr lang="en-US" sz="1200" dirty="0" smtClean="0">
+                <a:latin typeface="Courier" charset="0"/>
+                <a:ea typeface="Courier" charset="0"/>
+                <a:cs typeface="Courier" charset="0"/>
+              </a:rPr>
+              <a:t>    “Overflow (O-bit) (most significant bit). </a:t>
+            </a:r>
+          </a:p>
+          <a:p>
+            <a:pPr marL="685800" lvl="1" indent="-228600">
+              <a:buFont typeface="+mj-lt"/>
+              <a:buAutoNum type="arabicPeriod"/>
+            </a:pPr>
+            <a:r>
+              <a:rPr lang="en-US" sz="1200" b="1" dirty="0" smtClean="0">
+                <a:latin typeface="Courier" charset="0"/>
+                <a:ea typeface="Courier" charset="0"/>
+                <a:cs typeface="Courier" charset="0"/>
+              </a:rPr>
+              <a:t>Bit 1</a:t>
+            </a:r>
+            <a:r>
+              <a:rPr lang="en-US" sz="1200" dirty="0" smtClean="0">
+                <a:latin typeface="Courier" charset="0"/>
+                <a:ea typeface="Courier" charset="0"/>
+                <a:cs typeface="Courier" charset="0"/>
+              </a:rPr>
+              <a:t>    “Loopback” (L-bit). </a:t>
+            </a:r>
+          </a:p>
+          <a:p>
+            <a:pPr marL="685800" lvl="1" indent="-228600">
+              <a:buFont typeface="+mj-lt"/>
+              <a:buAutoNum type="arabicPeriod"/>
+            </a:pPr>
+            <a:r>
+              <a:rPr lang="en-US" sz="1200" b="1" i="1" dirty="0" smtClean="0">
+                <a:solidFill>
+                  <a:srgbClr val="00B050"/>
+                </a:solidFill>
+                <a:latin typeface="Courier" charset="0"/>
+                <a:ea typeface="Courier" charset="0"/>
+                <a:cs typeface="Courier" charset="0"/>
+              </a:rPr>
+              <a:t>Bit 2     </a:t>
+            </a:r>
+            <a:r>
+              <a:rPr lang="en-US" sz="1200" i="1" dirty="0" smtClean="0">
+                <a:solidFill>
+                  <a:srgbClr val="00B050"/>
+                </a:solidFill>
+                <a:latin typeface="Courier" charset="0"/>
+                <a:ea typeface="Courier" charset="0"/>
+                <a:cs typeface="Courier" charset="0"/>
+              </a:rPr>
+              <a:t>Namespace-ID (N-bit). Namespace-ID bit is used to indicate that the 4-octet of a namespace identifier and data is populated.</a:t>
+            </a:r>
+            <a:endParaRPr lang="en-US" sz="1200" dirty="0" smtClean="0">
+              <a:latin typeface="Courier" charset="0"/>
+              <a:ea typeface="Courier" charset="0"/>
+              <a:cs typeface="Courier" charset="0"/>
+            </a:endParaRPr>
+          </a:p>
+          <a:p>
+            <a:pPr marL="685800" lvl="1" indent="-228600">
+              <a:buFont typeface="+mj-lt"/>
+              <a:buAutoNum type="arabicPeriod"/>
+            </a:pPr>
+            <a:r>
+              <a:rPr lang="en-US" sz="1200" b="1" dirty="0" smtClean="0">
+                <a:latin typeface="Courier" charset="0"/>
+                <a:ea typeface="Courier" charset="0"/>
+                <a:cs typeface="Courier" charset="0"/>
+              </a:rPr>
+              <a:t>Bit 3 </a:t>
+            </a:r>
+            <a:r>
+              <a:rPr lang="en-US" sz="1200" dirty="0" smtClean="0">
+                <a:latin typeface="Courier" charset="0"/>
+                <a:ea typeface="Courier" charset="0"/>
+                <a:cs typeface="Courier" charset="0"/>
+              </a:rPr>
+              <a:t>Reserved: Must be zero</a:t>
+            </a:r>
+          </a:p>
+        </p:txBody>
+      </p:sp>
+      <p:sp>
+        <p:nvSpPr>
+          <p:cNvPr id="22" name="Rectangle 21"/>
+          <p:cNvSpPr/>
+          <p:nvPr/>
+        </p:nvSpPr>
+        <p:spPr>
+          <a:xfrm>
+            <a:off x="221501" y="4375196"/>
+            <a:ext cx="5401207" cy="359427"/>
+          </a:xfrm>
+          <a:prstGeom prst="rect">
+            <a:avLst/>
+          </a:prstGeom>
+          <a:noFill/>
+          <a:ln w="34925">
+            <a:solidFill>
+              <a:schemeClr val="accent6"/>
+            </a:solidFill>
+            <a:prstDash val="dash"/>
+          </a:ln>
+        </p:spPr>
+        <p:style>
+          <a:lnRef idx="2">
+            <a:schemeClr val="accent1">
+              <a:shade val="50000"/>
+            </a:schemeClr>
+          </a:lnRef>
+          <a:fillRef idx="1">
+            <a:schemeClr val="accent1"/>
+          </a:fillRef>
+          <a:effectRef idx="0">
+            <a:schemeClr val="accent1"/>
+          </a:effectRef>
+          <a:fontRef idx="minor">
+            <a:schemeClr val="lt1"/>
+          </a:fontRef>
+        </p:style>
+        <p:txBody>
+          <a:bodyPr rtlCol="0" anchor="ctr"/>
+          <a:lstStyle/>
+          <a:p>
+            <a:pPr algn="ctr"/>
+            <a:endParaRPr lang="en-US"/>
+          </a:p>
+        </p:txBody>
+      </p:sp>
+      <p:sp>
+        <p:nvSpPr>
+          <p:cNvPr id="14" name="Rectangle 13"/>
+          <p:cNvSpPr/>
+          <p:nvPr/>
+        </p:nvSpPr>
+        <p:spPr>
+          <a:xfrm>
+            <a:off x="5770376" y="4375196"/>
+            <a:ext cx="5514797" cy="359427"/>
+          </a:xfrm>
+          <a:prstGeom prst="rect">
+            <a:avLst/>
+          </a:prstGeom>
+          <a:noFill/>
+          <a:ln w="34925">
+            <a:solidFill>
+              <a:schemeClr val="accent6"/>
+            </a:solidFill>
+            <a:prstDash val="dash"/>
+          </a:ln>
+        </p:spPr>
+        <p:style>
+          <a:lnRef idx="2">
+            <a:schemeClr val="accent1">
+              <a:shade val="50000"/>
+            </a:schemeClr>
+          </a:lnRef>
+          <a:fillRef idx="1">
+            <a:schemeClr val="accent1"/>
+          </a:fillRef>
+          <a:effectRef idx="0">
+            <a:schemeClr val="accent1"/>
+          </a:effectRef>
+          <a:fontRef idx="minor">
+            <a:schemeClr val="lt1"/>
+          </a:fontRef>
+        </p:style>
+        <p:txBody>
+          <a:bodyPr rtlCol="0" anchor="ctr"/>
+          <a:lstStyle/>
+          <a:p>
+            <a:pPr algn="ctr"/>
+            <a:endParaRPr lang="en-US"/>
+          </a:p>
+        </p:txBody>
+      </p:sp>
+      <p:sp>
+        <p:nvSpPr>
+          <p:cNvPr id="2" name="Slide Number Placeholder 1"/>
+          <p:cNvSpPr>
+            <a:spLocks noGrp="1"/>
+          </p:cNvSpPr>
+          <p:nvPr>
+            <p:ph type="sldNum" sz="quarter" idx="12"/>
+          </p:nvPr>
+        </p:nvSpPr>
+        <p:spPr/>
+        <p:txBody>
+          <a:bodyPr/>
+          <a:lstStyle/>
+          <a:p>
+            <a:fld id="{BE427A2F-4327-CD41-8979-22A6985694E5}" type="slidenum">
+              <a:rPr lang="en-US" smtClean="0"/>
+              <a:t>6</a:t>
+            </a:fld>
+            <a:endParaRPr lang="en-US"/>
+          </a:p>
+        </p:txBody>
+      </p:sp>
+    </p:spTree>
+    <p:extLst>
+      <p:ext uri="{BB962C8B-B14F-4D97-AF65-F5344CB8AC3E}">
+        <p14:creationId xmlns:p14="http://schemas.microsoft.com/office/powerpoint/2010/main" val="230538031"/>
+      </p:ext>
+    </p:extLst>
+  </p:cSld>
+  <p:clrMapOvr>
+    <a:masterClrMapping/>
+  </p:clrMapOvr>
+  <p:timing>
+    <p:tnLst>
+      <p:par>
+        <p:cTn id="1" dur="indefinite" restart="never" nodeType="tmRoot"/>
+      </p:par>
+    </p:tnLst>
+  </p:timing>
+</p:sld>
+</file>
+
+<file path=ppt/slides/slide7.xml><?xml version="1.0" encoding="utf-8"?>
+<p:sld xmlns:a="http://schemas.openxmlformats.org/drawingml/2006/main" xmlns:r="http://schemas.openxmlformats.org/officeDocument/2006/relationships" xmlns:p="http://schemas.openxmlformats.org/presentationml/2006/main">
+  <p:cSld>
+    <p:spTree>
+      <p:nvGrpSpPr>
+        <p:cNvPr id="1" name=""/>
+        <p:cNvGrpSpPr/>
+        <p:nvPr/>
+      </p:nvGrpSpPr>
+      <p:grpSpPr>
+        <a:xfrm>
+          <a:off x="0" y="0"/>
+          <a:ext cx="0" cy="0"/>
+          <a:chOff x="0" y="0"/>
+          <a:chExt cx="0" cy="0"/>
+        </a:xfrm>
+      </p:grpSpPr>
+      <p:sp>
+        <p:nvSpPr>
+          <p:cNvPr id="2" name="Title 1"/>
+          <p:cNvSpPr>
+            <a:spLocks noGrp="1"/>
+          </p:cNvSpPr>
+          <p:nvPr>
+            <p:ph type="title"/>
+          </p:nvPr>
+        </p:nvSpPr>
+        <p:spPr/>
+        <p:txBody>
+          <a:bodyPr/>
+          <a:lstStyle/>
+          <a:p>
+            <a:r>
+              <a:rPr lang="de-DE" dirty="0" smtClean="0"/>
+              <a:t>Leveraging Namespace-ID for added flexibility</a:t>
+            </a:r>
+            <a:endParaRPr lang="de-DE" dirty="0"/>
+          </a:p>
+        </p:txBody>
+      </p:sp>
+      <p:sp>
+        <p:nvSpPr>
+          <p:cNvPr id="3" name="Content Placeholder 2"/>
+          <p:cNvSpPr>
+            <a:spLocks noGrp="1"/>
+          </p:cNvSpPr>
+          <p:nvPr>
+            <p:ph idx="1"/>
+          </p:nvPr>
+        </p:nvSpPr>
+        <p:spPr>
+          <a:xfrm>
+            <a:off x="838200" y="1575727"/>
+            <a:ext cx="10515600" cy="4351338"/>
+          </a:xfrm>
+        </p:spPr>
+        <p:txBody>
+          <a:bodyPr>
+            <a:normAutofit fontScale="77500" lnSpcReduction="20000"/>
+          </a:bodyPr>
+          <a:lstStyle/>
+          <a:p>
+            <a:r>
+              <a:rPr lang="en-US" sz="2400" dirty="0" smtClean="0"/>
+              <a:t>IOAM trace options fields in draft-</a:t>
+            </a:r>
+            <a:r>
+              <a:rPr lang="en-US" sz="2400" dirty="0" err="1" smtClean="0"/>
+              <a:t>ietf</a:t>
+            </a:r>
+            <a:r>
+              <a:rPr lang="en-US" sz="2400" dirty="0" smtClean="0"/>
+              <a:t>-</a:t>
+            </a:r>
+            <a:r>
+              <a:rPr lang="en-US" sz="2400" dirty="0" err="1" smtClean="0"/>
+              <a:t>ippm</a:t>
+            </a:r>
+            <a:r>
+              <a:rPr lang="en-US" sz="2400" dirty="0" smtClean="0"/>
+              <a:t>-</a:t>
+            </a:r>
+            <a:r>
+              <a:rPr lang="en-US" sz="2400" dirty="0" err="1" smtClean="0"/>
+              <a:t>ioam</a:t>
+            </a:r>
+            <a:r>
+              <a:rPr lang="en-US" sz="2400" dirty="0" smtClean="0"/>
+              <a:t>-data represent the main set of industry use-cases, but not all</a:t>
+            </a:r>
+          </a:p>
+          <a:p>
+            <a:r>
+              <a:rPr lang="en-US" sz="2400" dirty="0" smtClean="0"/>
+              <a:t>Several cases have been made for specific enhancements, though they haven’t found wider consensus so far. Examples:</a:t>
+            </a:r>
+          </a:p>
+          <a:p>
+            <a:pPr lvl="1"/>
+            <a:r>
+              <a:rPr lang="en-US" sz="2000" dirty="0" smtClean="0"/>
+              <a:t>draft-kumar-ifa-00: Indicate per-node which data fields are filled/supported</a:t>
+            </a:r>
+            <a:br>
+              <a:rPr lang="en-US" sz="2000" dirty="0" smtClean="0"/>
+            </a:br>
+            <a:r>
+              <a:rPr lang="en-US" sz="2000" dirty="0" smtClean="0"/>
+              <a:t>(which let IFA to define new fields rather than reuse IOAM data fields)</a:t>
+            </a:r>
+          </a:p>
+          <a:p>
+            <a:pPr lvl="1"/>
+            <a:r>
+              <a:rPr lang="en-US" sz="2000" dirty="0" smtClean="0"/>
+              <a:t>draft-song-ippm-ioam-scalability-00: Additional trace types for specific use-cases (e.g. record inter-packet gap, etc.)</a:t>
+            </a:r>
+          </a:p>
+          <a:p>
+            <a:r>
+              <a:rPr lang="en-US" sz="2400" dirty="0"/>
+              <a:t>Current approach to </a:t>
+            </a:r>
+            <a:r>
+              <a:rPr lang="en-US" sz="2400" dirty="0" smtClean="0"/>
+              <a:t>domain </a:t>
+            </a:r>
+            <a:r>
+              <a:rPr lang="en-US" sz="2400" dirty="0"/>
+              <a:t>specific data fields and data interpretation is to use either “app-data” (short/wide) or “opaque state snapshot</a:t>
+            </a:r>
+            <a:r>
+              <a:rPr lang="en-US" sz="2400" dirty="0" smtClean="0"/>
+              <a:t>”</a:t>
+            </a:r>
+          </a:p>
+          <a:p>
+            <a:pPr lvl="1"/>
+            <a:r>
+              <a:rPr lang="en-US" sz="2000" dirty="0" smtClean="0"/>
+              <a:t>App-data is fixed free format, syntax/semantic is undefined</a:t>
+            </a:r>
+          </a:p>
+          <a:p>
+            <a:pPr lvl="1"/>
+            <a:r>
+              <a:rPr lang="en-US" sz="2000" dirty="0" smtClean="0"/>
+              <a:t>Opaque state snapshot is length/schema-id free format, syntax/semantic is undefined</a:t>
+            </a:r>
+          </a:p>
+          <a:p>
+            <a:r>
+              <a:rPr lang="en-US" sz="2400" dirty="0" smtClean="0"/>
+              <a:t>Namespace concept allows to specify how fields like app-data, opaque-state snapshot are interpreted: Examples:</a:t>
+            </a:r>
+          </a:p>
+          <a:p>
+            <a:pPr lvl="1"/>
+            <a:r>
+              <a:rPr lang="en-US" sz="2000" dirty="0" smtClean="0"/>
+              <a:t>For draft-kumar-ifa-00: Interpret app-data as a bit-field to express which fields a node updated</a:t>
+            </a:r>
+          </a:p>
+          <a:p>
+            <a:pPr lvl="1"/>
+            <a:r>
+              <a:rPr lang="en-US" sz="2000" dirty="0" smtClean="0"/>
+              <a:t>For draft-song-ippm-ioam-scalability-00: Interpret app-data / opaque-state snapshot as per the newly identified use-cases</a:t>
+            </a:r>
+          </a:p>
+          <a:p>
+            <a:pPr lvl="1"/>
+            <a:endParaRPr lang="en-US" sz="2000" dirty="0"/>
+          </a:p>
+          <a:p>
+            <a:pPr marL="457200" lvl="1" indent="0">
+              <a:buNone/>
+            </a:pPr>
+            <a:r>
+              <a:rPr lang="en-US" sz="2000" dirty="0" smtClean="0"/>
+              <a:t>Consider renaming “app-data” field to “namespace-specific-data”.</a:t>
+            </a:r>
+            <a:endParaRPr lang="en-US" sz="2000" dirty="0"/>
+          </a:p>
+          <a:p>
+            <a:pPr lvl="1"/>
+            <a:endParaRPr lang="en-US" sz="2000" dirty="0"/>
+          </a:p>
+        </p:txBody>
+      </p:sp>
+      <p:sp>
+        <p:nvSpPr>
+          <p:cNvPr id="4" name="Slide Number Placeholder 3"/>
+          <p:cNvSpPr>
+            <a:spLocks noGrp="1"/>
+          </p:cNvSpPr>
+          <p:nvPr>
+            <p:ph type="sldNum" sz="quarter" idx="12"/>
+          </p:nvPr>
+        </p:nvSpPr>
+        <p:spPr/>
+        <p:txBody>
+          <a:bodyPr/>
+          <a:lstStyle/>
+          <a:p>
+            <a:fld id="{BE427A2F-4327-CD41-8979-22A6985694E5}" type="slidenum">
+              <a:rPr lang="en-US" smtClean="0"/>
+              <a:t>7</a:t>
+            </a:fld>
+            <a:endParaRPr lang="en-US"/>
+          </a:p>
+        </p:txBody>
+      </p:sp>
+    </p:spTree>
+    <p:extLst>
+      <p:ext uri="{BB962C8B-B14F-4D97-AF65-F5344CB8AC3E}">
+        <p14:creationId xmlns:p14="http://schemas.microsoft.com/office/powerpoint/2010/main" val="1961294759"/>
+      </p:ext>
+    </p:extLst>
+  </p:cSld>
+  <p:clrMapOvr>
+    <a:masterClrMapping/>
+  </p:clrMapOvr>
+</p:sld>
+</file>
+
+<file path=ppt/slides/slide8.xml><?xml version="1.0" encoding="utf-8"?>
+<p:sld xmlns:a="http://schemas.openxmlformats.org/drawingml/2006/main" xmlns:r="http://schemas.openxmlformats.org/officeDocument/2006/relationships" xmlns:p="http://schemas.openxmlformats.org/presentationml/2006/main">
+  <p:cSld>
+    <p:spTree>
+      <p:nvGrpSpPr>
+        <p:cNvPr id="1" name=""/>
+        <p:cNvGrpSpPr/>
+        <p:nvPr/>
+      </p:nvGrpSpPr>
+      <p:grpSpPr>
+        <a:xfrm>
+          <a:off x="0" y="0"/>
+          <a:ext cx="0" cy="0"/>
+          <a:chOff x="0" y="0"/>
+          <a:chExt cx="0" cy="0"/>
+        </a:xfrm>
+      </p:grpSpPr>
+      <p:sp>
+        <p:nvSpPr>
           <p:cNvPr id="6" name="Title 5"/>
           <p:cNvSpPr>
             <a:spLocks noGrp="1"/>
@@ -18662,7 +22943,7 @@
 </p:sld>
 </file>
 
-<file path=ppt/slides/slide6.xml><?xml version="1.0" encoding="utf-8"?>
+<file path=ppt/slides/slide9.xml><?xml version="1.0" encoding="utf-8"?>
 <p:sld xmlns:a="http://schemas.openxmlformats.org/drawingml/2006/main" xmlns:r="http://schemas.openxmlformats.org/officeDocument/2006/relationships" xmlns:p="http://schemas.openxmlformats.org/presentationml/2006/main">
   <p:cSld>
     <p:spTree>
@@ -19484,7 +23765,7 @@
           <a:p>
             <a:fld id="{BE427A2F-4327-CD41-8979-22A6985694E5}" type="slidenum">
               <a:rPr lang="en-US" smtClean="0"/>
-              <a:t>6</a:t>
+              <a:t>9</a:t>
             </a:fld>
             <a:endParaRPr lang="en-US"/>
           </a:p>
@@ -19677,1416 +23958,6 @@
       <p:bldP spid="10" grpId="0"/>
       <p:bldP spid="12" grpId="0"/>
     </p:bldLst>
-  </p:timing>
-</p:sld>
-</file>
-
-<file path=ppt/slides/slide7.xml><?xml version="1.0" encoding="utf-8"?>
-<p:sld xmlns:a="http://schemas.openxmlformats.org/drawingml/2006/main" xmlns:r="http://schemas.openxmlformats.org/officeDocument/2006/relationships" xmlns:p="http://schemas.openxmlformats.org/presentationml/2006/main">
-  <p:cSld>
-    <p:spTree>
-      <p:nvGrpSpPr>
-        <p:cNvPr id="1" name=""/>
-        <p:cNvGrpSpPr/>
-        <p:nvPr/>
-      </p:nvGrpSpPr>
-      <p:grpSpPr>
-        <a:xfrm>
-          <a:off x="0" y="0"/>
-          <a:ext cx="0" cy="0"/>
-          <a:chOff x="0" y="0"/>
-          <a:chExt cx="0" cy="0"/>
-        </a:xfrm>
-      </p:grpSpPr>
-      <p:sp>
-        <p:nvSpPr>
-          <p:cNvPr id="2" name="Title 1"/>
-          <p:cNvSpPr>
-            <a:spLocks noGrp="1"/>
-          </p:cNvSpPr>
-          <p:nvPr>
-            <p:ph type="title"/>
-          </p:nvPr>
-        </p:nvSpPr>
-        <p:spPr>
-          <a:xfrm>
-            <a:off x="836341" y="533881"/>
-            <a:ext cx="10874664" cy="975783"/>
-          </a:xfrm>
-        </p:spPr>
-        <p:txBody>
-          <a:bodyPr>
-            <a:normAutofit fontScale="90000"/>
-          </a:bodyPr>
-          <a:lstStyle/>
-          <a:p>
-            <a:r>
-              <a:rPr lang="de-DE" dirty="0" smtClean="0"/>
-              <a:t>IOAM in </a:t>
-            </a:r>
-            <a:r>
-              <a:rPr lang="de-DE" dirty="0" err="1" smtClean="0"/>
-              <a:t>Geneve</a:t>
-            </a:r>
-            <a:r>
-              <a:rPr lang="de-DE" dirty="0" smtClean="0"/>
-              <a:t> </a:t>
-            </a:r>
-            <a:br>
-              <a:rPr lang="de-DE" dirty="0" smtClean="0"/>
-            </a:br>
-            <a:r>
-              <a:rPr lang="de-DE" sz="3100" dirty="0" err="1" smtClean="0">
-                <a:solidFill>
-                  <a:schemeClr val="tx1">
-                    <a:lumMod val="50000"/>
-                  </a:schemeClr>
-                </a:solidFill>
-                <a:hlinkClick r:id="rId3"/>
-              </a:rPr>
-              <a:t>draft-brockners-ippm-ioam-geneve</a:t>
-            </a:r>
-            <a:endParaRPr lang="de-DE" sz="3100" dirty="0"/>
-          </a:p>
-        </p:txBody>
-      </p:sp>
-      <p:cxnSp>
-        <p:nvCxnSpPr>
-          <p:cNvPr id="7" name="Straight Arrow Connector 6"/>
-          <p:cNvCxnSpPr/>
-          <p:nvPr/>
-        </p:nvCxnSpPr>
-        <p:spPr>
-          <a:xfrm flipV="1">
-            <a:off x="6957540" y="2579081"/>
-            <a:ext cx="1533236" cy="1"/>
-          </a:xfrm>
-          <a:prstGeom prst="straightConnector1">
-            <a:avLst/>
-          </a:prstGeom>
-          <a:ln w="25400">
-            <a:tailEnd type="triangle"/>
-          </a:ln>
-        </p:spPr>
-        <p:style>
-          <a:lnRef idx="1">
-            <a:schemeClr val="accent1"/>
-          </a:lnRef>
-          <a:fillRef idx="0">
-            <a:schemeClr val="accent1"/>
-          </a:fillRef>
-          <a:effectRef idx="0">
-            <a:schemeClr val="accent1"/>
-          </a:effectRef>
-          <a:fontRef idx="minor">
-            <a:schemeClr val="tx1"/>
-          </a:fontRef>
-        </p:style>
-      </p:cxnSp>
-      <p:sp>
-        <p:nvSpPr>
-          <p:cNvPr id="8" name="Content Placeholder 4"/>
-          <p:cNvSpPr txBox="1">
-            <a:spLocks/>
-          </p:cNvSpPr>
-          <p:nvPr/>
-        </p:nvSpPr>
-        <p:spPr bwMode="auto">
-          <a:xfrm>
-            <a:off x="8490776" y="2334210"/>
-            <a:ext cx="2455591" cy="489745"/>
-          </a:xfrm>
-          <a:prstGeom prst="rect">
-            <a:avLst/>
-          </a:prstGeom>
-          <a:noFill/>
-          <a:ln>
-            <a:noFill/>
-          </a:ln>
-          <a:extLst>
-            <a:ext uri="{909E8E84-426E-40DD-AFC4-6F175D3DCCD1}">
-              <a14:hiddenFill xmlns:a14="http://schemas.microsoft.com/office/drawing/2010/main">
-                <a:solidFill>
-                  <a:srgbClr val="FFFFFF"/>
-                </a:solidFill>
-              </a14:hiddenFill>
-            </a:ext>
-            <a:ext uri="{91240B29-F687-4F45-9708-019B960494DF}">
-              <a14:hiddenLine xmlns:a14="http://schemas.microsoft.com/office/drawing/2010/main" w="12700">
-                <a:solidFill>
-                  <a:srgbClr val="000000"/>
-                </a:solidFill>
-                <a:miter lim="800000"/>
-                <a:headEnd/>
-                <a:tailEnd/>
-              </a14:hiddenLine>
-            </a:ext>
-          </a:extLst>
-        </p:spPr>
-        <p:txBody>
-          <a:bodyPr vert="horz" wrap="square" lIns="121920" tIns="60960" rIns="121920" bIns="60960" numCol="1" anchor="t" anchorCtr="0" compatLnSpc="1">
-            <a:prstTxWarp prst="textNoShape">
-              <a:avLst/>
-            </a:prstTxWarp>
-          </a:bodyPr>
-          <a:lstStyle>
-            <a:lvl1pPr marL="187325" indent="-185738" algn="l" rtl="0" eaLnBrk="0" fontAlgn="base" hangingPunct="0">
-              <a:lnSpc>
-                <a:spcPct val="90000"/>
-              </a:lnSpc>
-              <a:spcBef>
-                <a:spcPts val="1200"/>
-              </a:spcBef>
-              <a:spcAft>
-                <a:spcPct val="0"/>
-              </a:spcAft>
-              <a:buSzPct val="80000"/>
-              <a:buFont typeface="Arial" panose="020B0604020202020204" pitchFamily="34" charset="0"/>
-              <a:buChar char="•"/>
-              <a:defRPr>
-                <a:solidFill>
-                  <a:schemeClr val="tx1"/>
-                </a:solidFill>
-                <a:latin typeface="+mn-lt"/>
-                <a:ea typeface="+mn-ea"/>
-                <a:cs typeface="+mn-cs"/>
-                <a:sym typeface="Arial" panose="020B0604020202020204" pitchFamily="34" charset="0"/>
-              </a:defRPr>
-            </a:lvl1pPr>
-            <a:lvl2pPr marL="385763" indent="-193675" algn="l" rtl="0" eaLnBrk="0" fontAlgn="base" hangingPunct="0">
-              <a:lnSpc>
-                <a:spcPct val="90000"/>
-              </a:lnSpc>
-              <a:spcBef>
-                <a:spcPts val="400"/>
-              </a:spcBef>
-              <a:spcAft>
-                <a:spcPct val="0"/>
-              </a:spcAft>
-              <a:buSzPct val="80000"/>
-              <a:buFont typeface="Arial" panose="020B0604020202020204" pitchFamily="34" charset="0"/>
-              <a:buChar char="•"/>
-              <a:defRPr sz="1600">
-                <a:solidFill>
-                  <a:schemeClr val="tx1"/>
-                </a:solidFill>
-                <a:latin typeface="+mn-lt"/>
-                <a:ea typeface="+mn-ea"/>
-                <a:cs typeface="+mn-cs"/>
-                <a:sym typeface="Arial" panose="020B0604020202020204" pitchFamily="34" charset="0"/>
-              </a:defRPr>
-            </a:lvl2pPr>
-            <a:lvl3pPr marL="546100" indent="-158750" algn="l" rtl="0" eaLnBrk="0" fontAlgn="base" hangingPunct="0">
-              <a:lnSpc>
-                <a:spcPct val="90000"/>
-              </a:lnSpc>
-              <a:spcBef>
-                <a:spcPts val="200"/>
-              </a:spcBef>
-              <a:spcAft>
-                <a:spcPct val="0"/>
-              </a:spcAft>
-              <a:buSzPct val="80000"/>
-              <a:buFont typeface="Arial" panose="020B0604020202020204" pitchFamily="34" charset="0"/>
-              <a:buChar char="•"/>
-              <a:defRPr sz="1400">
-                <a:solidFill>
-                  <a:schemeClr val="tx1"/>
-                </a:solidFill>
-                <a:latin typeface="+mn-lt"/>
-                <a:ea typeface="+mn-ea"/>
-                <a:cs typeface="+mn-cs"/>
-                <a:sym typeface="Arial" panose="020B0604020202020204" pitchFamily="34" charset="0"/>
-              </a:defRPr>
-            </a:lvl3pPr>
-            <a:lvl4pPr marL="704850" indent="-158750" algn="l" rtl="0" eaLnBrk="0" fontAlgn="base" hangingPunct="0">
-              <a:lnSpc>
-                <a:spcPct val="90000"/>
-              </a:lnSpc>
-              <a:spcBef>
-                <a:spcPts val="200"/>
-              </a:spcBef>
-              <a:spcAft>
-                <a:spcPct val="0"/>
-              </a:spcAft>
-              <a:buSzPct val="80000"/>
-              <a:buFont typeface="Arial" panose="020B0604020202020204" pitchFamily="34" charset="0"/>
-              <a:buChar char="•"/>
-              <a:defRPr sz="1400">
-                <a:solidFill>
-                  <a:schemeClr val="tx1"/>
-                </a:solidFill>
-                <a:latin typeface="+mn-lt"/>
-                <a:ea typeface="+mn-ea"/>
-                <a:cs typeface="+mn-cs"/>
-                <a:sym typeface="Arial" panose="020B0604020202020204" pitchFamily="34" charset="0"/>
-              </a:defRPr>
-            </a:lvl4pPr>
-            <a:lvl5pPr marL="773113" indent="-66675" algn="l" rtl="0" eaLnBrk="0" fontAlgn="base" hangingPunct="0">
-              <a:lnSpc>
-                <a:spcPct val="95000"/>
-              </a:lnSpc>
-              <a:spcBef>
-                <a:spcPts val="675"/>
-              </a:spcBef>
-              <a:spcAft>
-                <a:spcPct val="0"/>
-              </a:spcAft>
-              <a:buClr>
-                <a:srgbClr val="FFFFFF"/>
-              </a:buClr>
-              <a:buSzPct val="100000"/>
-              <a:buFont typeface="Arial" pitchFamily="34" charset="0"/>
-              <a:buChar char="»"/>
-              <a:defRPr>
-                <a:solidFill>
-                  <a:schemeClr val="tx2"/>
-                </a:solidFill>
-                <a:latin typeface="+mn-lt"/>
-                <a:ea typeface="+mn-ea"/>
-                <a:cs typeface="+mn-cs"/>
-                <a:sym typeface="Arial" panose="020B0604020202020204" pitchFamily="34" charset="0"/>
-              </a:defRPr>
-            </a:lvl5pPr>
-            <a:lvl6pPr marL="1416248" indent="-128588" algn="l" rtl="0" eaLnBrk="1" fontAlgn="base" hangingPunct="1">
-              <a:lnSpc>
-                <a:spcPct val="95000"/>
-              </a:lnSpc>
-              <a:spcBef>
-                <a:spcPts val="1013"/>
-              </a:spcBef>
-              <a:spcAft>
-                <a:spcPct val="0"/>
-              </a:spcAft>
-              <a:buClr>
-                <a:srgbClr val="FFFFFF"/>
-              </a:buClr>
-              <a:buSzPct val="100000"/>
-              <a:buFont typeface="Arial" pitchFamily="-107" charset="0"/>
-              <a:buChar char="»"/>
-              <a:defRPr>
-                <a:solidFill>
-                  <a:schemeClr val="tx1"/>
-                </a:solidFill>
-                <a:latin typeface="+mn-lt"/>
-                <a:ea typeface="+mn-ea"/>
-                <a:cs typeface="+mn-cs"/>
-                <a:sym typeface="Arial" pitchFamily="-107" charset="0"/>
-              </a:defRPr>
-            </a:lvl6pPr>
-            <a:lvl7pPr marL="1673423" indent="-128588" algn="l" rtl="0" eaLnBrk="1" fontAlgn="base" hangingPunct="1">
-              <a:lnSpc>
-                <a:spcPct val="95000"/>
-              </a:lnSpc>
-              <a:spcBef>
-                <a:spcPts val="1013"/>
-              </a:spcBef>
-              <a:spcAft>
-                <a:spcPct val="0"/>
-              </a:spcAft>
-              <a:buClr>
-                <a:srgbClr val="FFFFFF"/>
-              </a:buClr>
-              <a:buSzPct val="100000"/>
-              <a:buFont typeface="Arial" pitchFamily="-107" charset="0"/>
-              <a:buChar char="»"/>
-              <a:defRPr>
-                <a:solidFill>
-                  <a:schemeClr val="tx1"/>
-                </a:solidFill>
-                <a:latin typeface="+mn-lt"/>
-                <a:ea typeface="+mn-ea"/>
-                <a:cs typeface="+mn-cs"/>
-                <a:sym typeface="Arial" pitchFamily="-107" charset="0"/>
-              </a:defRPr>
-            </a:lvl7pPr>
-            <a:lvl8pPr marL="1930598" indent="-128588" algn="l" rtl="0" eaLnBrk="1" fontAlgn="base" hangingPunct="1">
-              <a:lnSpc>
-                <a:spcPct val="95000"/>
-              </a:lnSpc>
-              <a:spcBef>
-                <a:spcPts val="1013"/>
-              </a:spcBef>
-              <a:spcAft>
-                <a:spcPct val="0"/>
-              </a:spcAft>
-              <a:buClr>
-                <a:srgbClr val="FFFFFF"/>
-              </a:buClr>
-              <a:buSzPct val="100000"/>
-              <a:buFont typeface="Arial" pitchFamily="-107" charset="0"/>
-              <a:buChar char="»"/>
-              <a:defRPr>
-                <a:solidFill>
-                  <a:schemeClr val="tx1"/>
-                </a:solidFill>
-                <a:latin typeface="+mn-lt"/>
-                <a:ea typeface="+mn-ea"/>
-                <a:cs typeface="+mn-cs"/>
-                <a:sym typeface="Arial" pitchFamily="-107" charset="0"/>
-              </a:defRPr>
-            </a:lvl8pPr>
-            <a:lvl9pPr marL="2187773" indent="-128588" algn="l" rtl="0" eaLnBrk="1" fontAlgn="base" hangingPunct="1">
-              <a:lnSpc>
-                <a:spcPct val="95000"/>
-              </a:lnSpc>
-              <a:spcBef>
-                <a:spcPts val="1013"/>
-              </a:spcBef>
-              <a:spcAft>
-                <a:spcPct val="0"/>
-              </a:spcAft>
-              <a:buClr>
-                <a:srgbClr val="FFFFFF"/>
-              </a:buClr>
-              <a:buSzPct val="100000"/>
-              <a:buFont typeface="Arial" pitchFamily="-107" charset="0"/>
-              <a:buChar char="»"/>
-              <a:defRPr>
-                <a:solidFill>
-                  <a:schemeClr val="tx1"/>
-                </a:solidFill>
-                <a:latin typeface="+mn-lt"/>
-                <a:ea typeface="+mn-ea"/>
-                <a:cs typeface="+mn-cs"/>
-                <a:sym typeface="Arial" pitchFamily="-107" charset="0"/>
-              </a:defRPr>
-            </a:lvl9pPr>
-          </a:lstStyle>
-          <a:p>
-            <a:pPr marL="2116" indent="0" defTabSz="1219170">
-              <a:buNone/>
-              <a:defRPr/>
-            </a:pPr>
-            <a:r>
-              <a:rPr lang="en-US" sz="1867" kern="0" smtClean="0">
-                <a:solidFill>
-                  <a:srgbClr val="676767">
-                    <a:lumMod val="50000"/>
-                  </a:srgbClr>
-                </a:solidFill>
-              </a:rPr>
-              <a:t>Geneve</a:t>
-            </a:r>
-            <a:r>
-              <a:rPr lang="en-US" sz="1867" kern="0" dirty="0" smtClean="0">
-                <a:solidFill>
-                  <a:srgbClr val="676767">
-                    <a:lumMod val="50000"/>
-                  </a:srgbClr>
-                </a:solidFill>
-              </a:rPr>
-              <a:t> </a:t>
-            </a:r>
-            <a:r>
-              <a:rPr lang="en-US" sz="1867" kern="0" dirty="0">
-                <a:solidFill>
-                  <a:srgbClr val="676767">
-                    <a:lumMod val="50000"/>
-                  </a:srgbClr>
-                </a:solidFill>
-              </a:rPr>
-              <a:t>header</a:t>
-            </a:r>
-            <a:endParaRPr lang="de-DE" sz="1600" kern="0" dirty="0">
-              <a:solidFill>
-                <a:srgbClr val="676767">
-                  <a:lumMod val="50000"/>
-                </a:srgbClr>
-              </a:solidFill>
-            </a:endParaRPr>
-          </a:p>
-        </p:txBody>
-      </p:sp>
-      <p:cxnSp>
-        <p:nvCxnSpPr>
-          <p:cNvPr id="10" name="Straight Arrow Connector 9"/>
-          <p:cNvCxnSpPr/>
-          <p:nvPr/>
-        </p:nvCxnSpPr>
-        <p:spPr>
-          <a:xfrm flipV="1">
-            <a:off x="6947792" y="3234184"/>
-            <a:ext cx="1533236" cy="1"/>
-          </a:xfrm>
-          <a:prstGeom prst="straightConnector1">
-            <a:avLst/>
-          </a:prstGeom>
-          <a:ln w="25400">
-            <a:tailEnd type="triangle"/>
-          </a:ln>
-        </p:spPr>
-        <p:style>
-          <a:lnRef idx="1">
-            <a:schemeClr val="accent1"/>
-          </a:lnRef>
-          <a:fillRef idx="0">
-            <a:schemeClr val="accent1"/>
-          </a:fillRef>
-          <a:effectRef idx="0">
-            <a:schemeClr val="accent1"/>
-          </a:effectRef>
-          <a:fontRef idx="minor">
-            <a:schemeClr val="tx1"/>
-          </a:fontRef>
-        </p:style>
-      </p:cxnSp>
-      <p:sp>
-        <p:nvSpPr>
-          <p:cNvPr id="11" name="Content Placeholder 4"/>
-          <p:cNvSpPr txBox="1">
-            <a:spLocks/>
-          </p:cNvSpPr>
-          <p:nvPr/>
-        </p:nvSpPr>
-        <p:spPr bwMode="auto">
-          <a:xfrm>
-            <a:off x="8490776" y="3030929"/>
-            <a:ext cx="3702497" cy="489745"/>
-          </a:xfrm>
-          <a:prstGeom prst="rect">
-            <a:avLst/>
-          </a:prstGeom>
-          <a:noFill/>
-          <a:ln>
-            <a:noFill/>
-          </a:ln>
-          <a:extLst>
-            <a:ext uri="{909E8E84-426E-40DD-AFC4-6F175D3DCCD1}">
-              <a14:hiddenFill xmlns:a14="http://schemas.microsoft.com/office/drawing/2010/main">
-                <a:solidFill>
-                  <a:srgbClr val="FFFFFF"/>
-                </a:solidFill>
-              </a14:hiddenFill>
-            </a:ext>
-            <a:ext uri="{91240B29-F687-4F45-9708-019B960494DF}">
-              <a14:hiddenLine xmlns:a14="http://schemas.microsoft.com/office/drawing/2010/main" w="12700">
-                <a:solidFill>
-                  <a:srgbClr val="000000"/>
-                </a:solidFill>
-                <a:miter lim="800000"/>
-                <a:headEnd/>
-                <a:tailEnd/>
-              </a14:hiddenLine>
-            </a:ext>
-          </a:extLst>
-        </p:spPr>
-        <p:txBody>
-          <a:bodyPr vert="horz" wrap="square" lIns="121920" tIns="60960" rIns="121920" bIns="60960" numCol="1" anchor="t" anchorCtr="0" compatLnSpc="1">
-            <a:prstTxWarp prst="textNoShape">
-              <a:avLst/>
-            </a:prstTxWarp>
-          </a:bodyPr>
-          <a:lstStyle>
-            <a:lvl1pPr marL="187325" indent="-185738" algn="l" rtl="0" eaLnBrk="0" fontAlgn="base" hangingPunct="0">
-              <a:lnSpc>
-                <a:spcPct val="90000"/>
-              </a:lnSpc>
-              <a:spcBef>
-                <a:spcPts val="1200"/>
-              </a:spcBef>
-              <a:spcAft>
-                <a:spcPct val="0"/>
-              </a:spcAft>
-              <a:buSzPct val="80000"/>
-              <a:buFont typeface="Arial" panose="020B0604020202020204" pitchFamily="34" charset="0"/>
-              <a:buChar char="•"/>
-              <a:defRPr>
-                <a:solidFill>
-                  <a:schemeClr val="tx1"/>
-                </a:solidFill>
-                <a:latin typeface="+mn-lt"/>
-                <a:ea typeface="+mn-ea"/>
-                <a:cs typeface="+mn-cs"/>
-                <a:sym typeface="Arial" panose="020B0604020202020204" pitchFamily="34" charset="0"/>
-              </a:defRPr>
-            </a:lvl1pPr>
-            <a:lvl2pPr marL="385763" indent="-193675" algn="l" rtl="0" eaLnBrk="0" fontAlgn="base" hangingPunct="0">
-              <a:lnSpc>
-                <a:spcPct val="90000"/>
-              </a:lnSpc>
-              <a:spcBef>
-                <a:spcPts val="400"/>
-              </a:spcBef>
-              <a:spcAft>
-                <a:spcPct val="0"/>
-              </a:spcAft>
-              <a:buSzPct val="80000"/>
-              <a:buFont typeface="Arial" panose="020B0604020202020204" pitchFamily="34" charset="0"/>
-              <a:buChar char="•"/>
-              <a:defRPr sz="1600">
-                <a:solidFill>
-                  <a:schemeClr val="tx1"/>
-                </a:solidFill>
-                <a:latin typeface="+mn-lt"/>
-                <a:ea typeface="+mn-ea"/>
-                <a:cs typeface="+mn-cs"/>
-                <a:sym typeface="Arial" panose="020B0604020202020204" pitchFamily="34" charset="0"/>
-              </a:defRPr>
-            </a:lvl2pPr>
-            <a:lvl3pPr marL="546100" indent="-158750" algn="l" rtl="0" eaLnBrk="0" fontAlgn="base" hangingPunct="0">
-              <a:lnSpc>
-                <a:spcPct val="90000"/>
-              </a:lnSpc>
-              <a:spcBef>
-                <a:spcPts val="200"/>
-              </a:spcBef>
-              <a:spcAft>
-                <a:spcPct val="0"/>
-              </a:spcAft>
-              <a:buSzPct val="80000"/>
-              <a:buFont typeface="Arial" panose="020B0604020202020204" pitchFamily="34" charset="0"/>
-              <a:buChar char="•"/>
-              <a:defRPr sz="1400">
-                <a:solidFill>
-                  <a:schemeClr val="tx1"/>
-                </a:solidFill>
-                <a:latin typeface="+mn-lt"/>
-                <a:ea typeface="+mn-ea"/>
-                <a:cs typeface="+mn-cs"/>
-                <a:sym typeface="Arial" panose="020B0604020202020204" pitchFamily="34" charset="0"/>
-              </a:defRPr>
-            </a:lvl3pPr>
-            <a:lvl4pPr marL="704850" indent="-158750" algn="l" rtl="0" eaLnBrk="0" fontAlgn="base" hangingPunct="0">
-              <a:lnSpc>
-                <a:spcPct val="90000"/>
-              </a:lnSpc>
-              <a:spcBef>
-                <a:spcPts val="200"/>
-              </a:spcBef>
-              <a:spcAft>
-                <a:spcPct val="0"/>
-              </a:spcAft>
-              <a:buSzPct val="80000"/>
-              <a:buFont typeface="Arial" panose="020B0604020202020204" pitchFamily="34" charset="0"/>
-              <a:buChar char="•"/>
-              <a:defRPr sz="1400">
-                <a:solidFill>
-                  <a:schemeClr val="tx1"/>
-                </a:solidFill>
-                <a:latin typeface="+mn-lt"/>
-                <a:ea typeface="+mn-ea"/>
-                <a:cs typeface="+mn-cs"/>
-                <a:sym typeface="Arial" panose="020B0604020202020204" pitchFamily="34" charset="0"/>
-              </a:defRPr>
-            </a:lvl4pPr>
-            <a:lvl5pPr marL="773113" indent="-66675" algn="l" rtl="0" eaLnBrk="0" fontAlgn="base" hangingPunct="0">
-              <a:lnSpc>
-                <a:spcPct val="95000"/>
-              </a:lnSpc>
-              <a:spcBef>
-                <a:spcPts val="675"/>
-              </a:spcBef>
-              <a:spcAft>
-                <a:spcPct val="0"/>
-              </a:spcAft>
-              <a:buClr>
-                <a:srgbClr val="FFFFFF"/>
-              </a:buClr>
-              <a:buSzPct val="100000"/>
-              <a:buFont typeface="Arial" pitchFamily="34" charset="0"/>
-              <a:buChar char="»"/>
-              <a:defRPr>
-                <a:solidFill>
-                  <a:schemeClr val="tx2"/>
-                </a:solidFill>
-                <a:latin typeface="+mn-lt"/>
-                <a:ea typeface="+mn-ea"/>
-                <a:cs typeface="+mn-cs"/>
-                <a:sym typeface="Arial" panose="020B0604020202020204" pitchFamily="34" charset="0"/>
-              </a:defRPr>
-            </a:lvl5pPr>
-            <a:lvl6pPr marL="1416248" indent="-128588" algn="l" rtl="0" eaLnBrk="1" fontAlgn="base" hangingPunct="1">
-              <a:lnSpc>
-                <a:spcPct val="95000"/>
-              </a:lnSpc>
-              <a:spcBef>
-                <a:spcPts val="1013"/>
-              </a:spcBef>
-              <a:spcAft>
-                <a:spcPct val="0"/>
-              </a:spcAft>
-              <a:buClr>
-                <a:srgbClr val="FFFFFF"/>
-              </a:buClr>
-              <a:buSzPct val="100000"/>
-              <a:buFont typeface="Arial" pitchFamily="-107" charset="0"/>
-              <a:buChar char="»"/>
-              <a:defRPr>
-                <a:solidFill>
-                  <a:schemeClr val="tx1"/>
-                </a:solidFill>
-                <a:latin typeface="+mn-lt"/>
-                <a:ea typeface="+mn-ea"/>
-                <a:cs typeface="+mn-cs"/>
-                <a:sym typeface="Arial" pitchFamily="-107" charset="0"/>
-              </a:defRPr>
-            </a:lvl6pPr>
-            <a:lvl7pPr marL="1673423" indent="-128588" algn="l" rtl="0" eaLnBrk="1" fontAlgn="base" hangingPunct="1">
-              <a:lnSpc>
-                <a:spcPct val="95000"/>
-              </a:lnSpc>
-              <a:spcBef>
-                <a:spcPts val="1013"/>
-              </a:spcBef>
-              <a:spcAft>
-                <a:spcPct val="0"/>
-              </a:spcAft>
-              <a:buClr>
-                <a:srgbClr val="FFFFFF"/>
-              </a:buClr>
-              <a:buSzPct val="100000"/>
-              <a:buFont typeface="Arial" pitchFamily="-107" charset="0"/>
-              <a:buChar char="»"/>
-              <a:defRPr>
-                <a:solidFill>
-                  <a:schemeClr val="tx1"/>
-                </a:solidFill>
-                <a:latin typeface="+mn-lt"/>
-                <a:ea typeface="+mn-ea"/>
-                <a:cs typeface="+mn-cs"/>
-                <a:sym typeface="Arial" pitchFamily="-107" charset="0"/>
-              </a:defRPr>
-            </a:lvl7pPr>
-            <a:lvl8pPr marL="1930598" indent="-128588" algn="l" rtl="0" eaLnBrk="1" fontAlgn="base" hangingPunct="1">
-              <a:lnSpc>
-                <a:spcPct val="95000"/>
-              </a:lnSpc>
-              <a:spcBef>
-                <a:spcPts val="1013"/>
-              </a:spcBef>
-              <a:spcAft>
-                <a:spcPct val="0"/>
-              </a:spcAft>
-              <a:buClr>
-                <a:srgbClr val="FFFFFF"/>
-              </a:buClr>
-              <a:buSzPct val="100000"/>
-              <a:buFont typeface="Arial" pitchFamily="-107" charset="0"/>
-              <a:buChar char="»"/>
-              <a:defRPr>
-                <a:solidFill>
-                  <a:schemeClr val="tx1"/>
-                </a:solidFill>
-                <a:latin typeface="+mn-lt"/>
-                <a:ea typeface="+mn-ea"/>
-                <a:cs typeface="+mn-cs"/>
-                <a:sym typeface="Arial" pitchFamily="-107" charset="0"/>
-              </a:defRPr>
-            </a:lvl8pPr>
-            <a:lvl9pPr marL="2187773" indent="-128588" algn="l" rtl="0" eaLnBrk="1" fontAlgn="base" hangingPunct="1">
-              <a:lnSpc>
-                <a:spcPct val="95000"/>
-              </a:lnSpc>
-              <a:spcBef>
-                <a:spcPts val="1013"/>
-              </a:spcBef>
-              <a:spcAft>
-                <a:spcPct val="0"/>
-              </a:spcAft>
-              <a:buClr>
-                <a:srgbClr val="FFFFFF"/>
-              </a:buClr>
-              <a:buSzPct val="100000"/>
-              <a:buFont typeface="Arial" pitchFamily="-107" charset="0"/>
-              <a:buChar char="»"/>
-              <a:defRPr>
-                <a:solidFill>
-                  <a:schemeClr val="tx1"/>
-                </a:solidFill>
-                <a:latin typeface="+mn-lt"/>
-                <a:ea typeface="+mn-ea"/>
-                <a:cs typeface="+mn-cs"/>
-                <a:sym typeface="Arial" pitchFamily="-107" charset="0"/>
-              </a:defRPr>
-            </a:lvl9pPr>
-          </a:lstStyle>
-          <a:p>
-            <a:pPr marL="2116" indent="0" defTabSz="1219170">
-              <a:buNone/>
-              <a:defRPr/>
-            </a:pPr>
-            <a:r>
-              <a:rPr lang="en-US" sz="1867" kern="0" dirty="0" err="1">
-                <a:solidFill>
-                  <a:srgbClr val="676767">
-                    <a:lumMod val="50000"/>
-                  </a:srgbClr>
-                </a:solidFill>
-              </a:rPr>
-              <a:t>Geneve</a:t>
-            </a:r>
-            <a:r>
-              <a:rPr lang="en-US" sz="1867" kern="0" dirty="0">
-                <a:solidFill>
-                  <a:srgbClr val="676767">
-                    <a:lumMod val="50000"/>
-                  </a:srgbClr>
-                </a:solidFill>
-              </a:rPr>
-              <a:t> </a:t>
-            </a:r>
-            <a:r>
-              <a:rPr lang="en-US" sz="1867" kern="0" dirty="0" smtClean="0">
-                <a:solidFill>
-                  <a:srgbClr val="676767">
-                    <a:lumMod val="50000"/>
-                  </a:srgbClr>
-                </a:solidFill>
-              </a:rPr>
-              <a:t>option class = IOAM,</a:t>
-            </a:r>
-          </a:p>
-          <a:p>
-            <a:pPr marL="2116" indent="0" defTabSz="1219170">
-              <a:buNone/>
-              <a:defRPr/>
-            </a:pPr>
-            <a:r>
-              <a:rPr lang="en-US" sz="1867" kern="0" dirty="0" smtClean="0">
-                <a:solidFill>
-                  <a:srgbClr val="676767">
-                    <a:lumMod val="50000"/>
-                  </a:srgbClr>
-                </a:solidFill>
-              </a:rPr>
-              <a:t>Type as defined in: </a:t>
-            </a:r>
-          </a:p>
-          <a:p>
-            <a:pPr marL="2116" indent="0" defTabSz="1219170">
-              <a:buNone/>
-              <a:defRPr/>
-            </a:pPr>
-            <a:r>
-              <a:rPr lang="en-US" sz="1867" kern="0" dirty="0" smtClean="0">
-                <a:solidFill>
-                  <a:srgbClr val="676767">
-                    <a:lumMod val="50000"/>
-                  </a:srgbClr>
-                </a:solidFill>
-              </a:rPr>
-              <a:t>           </a:t>
-            </a:r>
-            <a:r>
-              <a:rPr lang="en-US" sz="1867" kern="0" dirty="0">
-                <a:solidFill>
-                  <a:srgbClr val="676767">
-                    <a:lumMod val="50000"/>
-                  </a:srgbClr>
-                </a:solidFill>
-              </a:rPr>
-              <a:t>draft-</a:t>
-            </a:r>
-            <a:r>
-              <a:rPr lang="en-US" sz="1867" kern="0" dirty="0" err="1">
-                <a:solidFill>
-                  <a:srgbClr val="676767">
-                    <a:lumMod val="50000"/>
-                  </a:srgbClr>
-                </a:solidFill>
-              </a:rPr>
-              <a:t>ietf</a:t>
-            </a:r>
-            <a:r>
-              <a:rPr lang="en-US" sz="1867" kern="0" dirty="0">
-                <a:solidFill>
-                  <a:srgbClr val="676767">
-                    <a:lumMod val="50000"/>
-                  </a:srgbClr>
-                </a:solidFill>
-              </a:rPr>
-              <a:t>-</a:t>
-            </a:r>
-            <a:r>
-              <a:rPr lang="en-US" sz="1867" kern="0" dirty="0" err="1">
-                <a:solidFill>
-                  <a:srgbClr val="676767">
-                    <a:lumMod val="50000"/>
-                  </a:srgbClr>
-                </a:solidFill>
-              </a:rPr>
-              <a:t>ippm</a:t>
-            </a:r>
-            <a:r>
-              <a:rPr lang="en-US" sz="1867" kern="0" dirty="0">
-                <a:solidFill>
-                  <a:srgbClr val="676767">
-                    <a:lumMod val="50000"/>
-                  </a:srgbClr>
-                </a:solidFill>
-              </a:rPr>
-              <a:t>-</a:t>
-            </a:r>
-            <a:r>
-              <a:rPr lang="en-US" sz="1867" kern="0" dirty="0" err="1">
-                <a:solidFill>
-                  <a:srgbClr val="676767">
-                    <a:lumMod val="50000"/>
-                  </a:srgbClr>
-                </a:solidFill>
-              </a:rPr>
-              <a:t>ioam</a:t>
-            </a:r>
-            <a:r>
-              <a:rPr lang="en-US" sz="1867" kern="0" dirty="0">
-                <a:solidFill>
-                  <a:srgbClr val="676767">
-                    <a:lumMod val="50000"/>
-                  </a:srgbClr>
-                </a:solidFill>
-              </a:rPr>
-              <a:t>-data </a:t>
-            </a:r>
-          </a:p>
-        </p:txBody>
-      </p:sp>
-      <p:pic>
-        <p:nvPicPr>
-          <p:cNvPr id="6" name="Picture 5"/>
-          <p:cNvPicPr>
-            <a:picLocks noChangeAspect="1"/>
-          </p:cNvPicPr>
-          <p:nvPr/>
-        </p:nvPicPr>
-        <p:blipFill>
-          <a:blip r:embed="rId4">
-            <a:extLst>
-              <a:ext uri="{28A0092B-C50C-407E-A947-70E740481C1C}">
-                <a14:useLocalDpi xmlns:a14="http://schemas.microsoft.com/office/drawing/2010/main" val="0"/>
-              </a:ext>
-            </a:extLst>
-          </a:blip>
-          <a:stretch>
-            <a:fillRect/>
-          </a:stretch>
-        </p:blipFill>
-        <p:spPr>
-          <a:xfrm>
-            <a:off x="836341" y="1654573"/>
-            <a:ext cx="7391400" cy="4457700"/>
-          </a:xfrm>
-          <a:prstGeom prst="rect">
-            <a:avLst/>
-          </a:prstGeom>
-        </p:spPr>
-      </p:pic>
-    </p:spTree>
-    <p:extLst>
-      <p:ext uri="{BB962C8B-B14F-4D97-AF65-F5344CB8AC3E}">
-        <p14:creationId xmlns:p14="http://schemas.microsoft.com/office/powerpoint/2010/main" val="1436223382"/>
-      </p:ext>
-    </p:extLst>
-  </p:cSld>
-  <p:clrMapOvr>
-    <a:masterClrMapping/>
-  </p:clrMapOvr>
-  <p:transition spd="med">
-    <p:fade/>
-  </p:transition>
-  <p:timing>
-    <p:tnLst>
-      <p:par>
-        <p:cTn id="1" dur="indefinite" restart="never" nodeType="tmRoot">
-          <p:childTnLst>
-            <p:seq concurrent="1" nextAc="seek">
-              <p:cTn id="2" dur="indefinite" nodeType="mainSeq">
-                <p:childTnLst>
-                  <p:par>
-                    <p:cTn id="3" fill="hold">
-                      <p:stCondLst>
-                        <p:cond delay="indefinite"/>
-                      </p:stCondLst>
-                      <p:childTnLst>
-                        <p:par>
-                          <p:cTn id="4" fill="hold">
-                            <p:stCondLst>
-                              <p:cond delay="0"/>
-                            </p:stCondLst>
-                            <p:childTnLst>
-                              <p:par>
-                                <p:cTn id="5" presetID="1" presetClass="entr" presetSubtype="0" fill="hold" grpId="0" nodeType="clickEffect">
-                                  <p:stCondLst>
-                                    <p:cond delay="0"/>
-                                  </p:stCondLst>
-                                  <p:childTnLst>
-                                    <p:set>
-                                      <p:cBhvr>
-                                        <p:cTn id="6" dur="1" fill="hold">
-                                          <p:stCondLst>
-                                            <p:cond delay="0"/>
-                                          </p:stCondLst>
-                                        </p:cTn>
-                                        <p:tgtEl>
-                                          <p:spTgt spid="8"/>
-                                        </p:tgtEl>
-                                        <p:attrNameLst>
-                                          <p:attrName>style.visibility</p:attrName>
-                                        </p:attrNameLst>
-                                      </p:cBhvr>
-                                      <p:to>
-                                        <p:strVal val="visible"/>
-                                      </p:to>
-                                    </p:set>
-                                  </p:childTnLst>
-                                </p:cTn>
-                              </p:par>
-                              <p:par>
-                                <p:cTn id="7" presetID="1" presetClass="entr" presetSubtype="0" fill="hold" nodeType="withEffect">
-                                  <p:stCondLst>
-                                    <p:cond delay="0"/>
-                                  </p:stCondLst>
-                                  <p:childTnLst>
-                                    <p:set>
-                                      <p:cBhvr>
-                                        <p:cTn id="8" dur="1" fill="hold">
-                                          <p:stCondLst>
-                                            <p:cond delay="0"/>
-                                          </p:stCondLst>
-                                        </p:cTn>
-                                        <p:tgtEl>
-                                          <p:spTgt spid="7"/>
-                                        </p:tgtEl>
-                                        <p:attrNameLst>
-                                          <p:attrName>style.visibility</p:attrName>
-                                        </p:attrNameLst>
-                                      </p:cBhvr>
-                                      <p:to>
-                                        <p:strVal val="visible"/>
-                                      </p:to>
-                                    </p:set>
-                                  </p:childTnLst>
-                                </p:cTn>
-                              </p:par>
-                            </p:childTnLst>
-                          </p:cTn>
-                        </p:par>
-                      </p:childTnLst>
-                    </p:cTn>
-                  </p:par>
-                  <p:par>
-                    <p:cTn id="9" fill="hold">
-                      <p:stCondLst>
-                        <p:cond delay="indefinite"/>
-                      </p:stCondLst>
-                      <p:childTnLst>
-                        <p:par>
-                          <p:cTn id="10" fill="hold">
-                            <p:stCondLst>
-                              <p:cond delay="0"/>
-                            </p:stCondLst>
-                            <p:childTnLst>
-                              <p:par>
-                                <p:cTn id="11" presetID="1" presetClass="entr" presetSubtype="0" fill="hold" grpId="0" nodeType="clickEffect">
-                                  <p:stCondLst>
-                                    <p:cond delay="0"/>
-                                  </p:stCondLst>
-                                  <p:childTnLst>
-                                    <p:set>
-                                      <p:cBhvr>
-                                        <p:cTn id="12" dur="1" fill="hold">
-                                          <p:stCondLst>
-                                            <p:cond delay="0"/>
-                                          </p:stCondLst>
-                                        </p:cTn>
-                                        <p:tgtEl>
-                                          <p:spTgt spid="11"/>
-                                        </p:tgtEl>
-                                        <p:attrNameLst>
-                                          <p:attrName>style.visibility</p:attrName>
-                                        </p:attrNameLst>
-                                      </p:cBhvr>
-                                      <p:to>
-                                        <p:strVal val="visible"/>
-                                      </p:to>
-                                    </p:set>
-                                  </p:childTnLst>
-                                </p:cTn>
-                              </p:par>
-                              <p:par>
-                                <p:cTn id="13" presetID="1" presetClass="entr" presetSubtype="0" fill="hold" nodeType="withEffect">
-                                  <p:stCondLst>
-                                    <p:cond delay="0"/>
-                                  </p:stCondLst>
-                                  <p:childTnLst>
-                                    <p:set>
-                                      <p:cBhvr>
-                                        <p:cTn id="14" dur="1" fill="hold">
-                                          <p:stCondLst>
-                                            <p:cond delay="0"/>
-                                          </p:stCondLst>
-                                        </p:cTn>
-                                        <p:tgtEl>
-                                          <p:spTgt spid="10"/>
-                                        </p:tgtEl>
-                                        <p:attrNameLst>
-                                          <p:attrName>style.visibility</p:attrName>
-                                        </p:attrNameLst>
-                                      </p:cBhvr>
-                                      <p:to>
-                                        <p:strVal val="visible"/>
-                                      </p:to>
-                                    </p:set>
-                                  </p:childTnLst>
-                                </p:cTn>
-                              </p:par>
-                            </p:childTnLst>
-                          </p:cTn>
-                        </p:par>
-                      </p:childTnLst>
-                    </p:cTn>
-                  </p:par>
-                </p:childTnLst>
-              </p:cTn>
-              <p:prevCondLst>
-                <p:cond evt="onPrev" delay="0">
-                  <p:tgtEl>
-                    <p:sldTgt/>
-                  </p:tgtEl>
-                </p:cond>
-              </p:prevCondLst>
-              <p:nextCondLst>
-                <p:cond evt="onNext" delay="0">
-                  <p:tgtEl>
-                    <p:sldTgt/>
-                  </p:tgtEl>
-                </p:cond>
-              </p:nextCondLst>
-            </p:seq>
-          </p:childTnLst>
-        </p:cTn>
-      </p:par>
-    </p:tnLst>
-    <p:bldLst>
-      <p:bldP spid="8" grpId="0"/>
-      <p:bldP spid="11" grpId="0"/>
-    </p:bldLst>
-  </p:timing>
-</p:sld>
-</file>
-
-<file path=ppt/slides/slide8.xml><?xml version="1.0" encoding="utf-8"?>
-<p:sld xmlns:a="http://schemas.openxmlformats.org/drawingml/2006/main" xmlns:r="http://schemas.openxmlformats.org/officeDocument/2006/relationships" xmlns:p="http://schemas.openxmlformats.org/presentationml/2006/main">
-  <p:cSld>
-    <p:spTree>
-      <p:nvGrpSpPr>
-        <p:cNvPr id="1" name=""/>
-        <p:cNvGrpSpPr/>
-        <p:nvPr/>
-      </p:nvGrpSpPr>
-      <p:grpSpPr>
-        <a:xfrm>
-          <a:off x="0" y="0"/>
-          <a:ext cx="0" cy="0"/>
-          <a:chOff x="0" y="0"/>
-          <a:chExt cx="0" cy="0"/>
-        </a:xfrm>
-      </p:grpSpPr>
-      <p:sp>
-        <p:nvSpPr>
-          <p:cNvPr id="4" name="Title 3"/>
-          <p:cNvSpPr>
-            <a:spLocks noGrp="1"/>
-          </p:cNvSpPr>
-          <p:nvPr>
-            <p:ph type="title"/>
-          </p:nvPr>
-        </p:nvSpPr>
-        <p:spPr>
-          <a:xfrm>
-            <a:off x="858644" y="512956"/>
-            <a:ext cx="10852361" cy="1284095"/>
-          </a:xfrm>
-        </p:spPr>
-        <p:txBody>
-          <a:bodyPr>
-            <a:noAutofit/>
-          </a:bodyPr>
-          <a:lstStyle/>
-          <a:p>
-            <a:pPr lvl="1" algn="l" rtl="0">
-              <a:lnSpc>
-                <a:spcPct val="90000"/>
-              </a:lnSpc>
-              <a:spcBef>
-                <a:spcPct val="0"/>
-              </a:spcBef>
-            </a:pPr>
-            <a:r>
-              <a:rPr lang="en-US" sz="4000" dirty="0" smtClean="0">
-                <a:latin typeface="+mj-lt"/>
-              </a:rPr>
-              <a:t>IOAM in GRE</a:t>
-            </a:r>
-            <a:br>
-              <a:rPr lang="en-US" sz="4000" dirty="0" smtClean="0">
-                <a:latin typeface="+mj-lt"/>
-              </a:rPr>
-            </a:br>
-            <a:r>
-              <a:rPr lang="en-US" sz="2800" dirty="0" smtClean="0">
-                <a:latin typeface="+mj-lt"/>
-                <a:hlinkClick r:id="rId3"/>
-              </a:rPr>
-              <a:t>draft-weis-ippm-ioam-gre</a:t>
-            </a:r>
-            <a:endParaRPr lang="en-US" sz="2800" dirty="0">
-              <a:latin typeface="+mj-lt"/>
-            </a:endParaRPr>
-          </a:p>
-        </p:txBody>
-      </p:sp>
-      <p:pic>
-        <p:nvPicPr>
-          <p:cNvPr id="5" name="Picture 4"/>
-          <p:cNvPicPr>
-            <a:picLocks noChangeAspect="1"/>
-          </p:cNvPicPr>
-          <p:nvPr/>
-        </p:nvPicPr>
-        <p:blipFill>
-          <a:blip r:embed="rId4">
-            <a:extLst>
-              <a:ext uri="{28A0092B-C50C-407E-A947-70E740481C1C}">
-                <a14:useLocalDpi xmlns:a14="http://schemas.microsoft.com/office/drawing/2010/main" val="0"/>
-              </a:ext>
-            </a:extLst>
-          </a:blip>
-          <a:stretch>
-            <a:fillRect/>
-          </a:stretch>
-        </p:blipFill>
-        <p:spPr>
-          <a:xfrm>
-            <a:off x="1405362" y="2016165"/>
-            <a:ext cx="7569200" cy="3949700"/>
-          </a:xfrm>
-          <a:prstGeom prst="rect">
-            <a:avLst/>
-          </a:prstGeom>
-        </p:spPr>
-      </p:pic>
-    </p:spTree>
-    <p:extLst>
-      <p:ext uri="{BB962C8B-B14F-4D97-AF65-F5344CB8AC3E}">
-        <p14:creationId xmlns:p14="http://schemas.microsoft.com/office/powerpoint/2010/main" val="808031065"/>
-      </p:ext>
-    </p:extLst>
-  </p:cSld>
-  <p:clrMapOvr>
-    <a:masterClrMapping/>
-  </p:clrMapOvr>
-  <p:transition spd="med">
-    <p:fade/>
-  </p:transition>
-  <p:timing>
-    <p:tnLst>
-      <p:par>
-        <p:cTn id="1" dur="indefinite" restart="never" nodeType="tmRoot"/>
-      </p:par>
-    </p:tnLst>
-  </p:timing>
-</p:sld>
-</file>
-
-<file path=ppt/slides/slide9.xml><?xml version="1.0" encoding="utf-8"?>
-<p:sld xmlns:a="http://schemas.openxmlformats.org/drawingml/2006/main" xmlns:r="http://schemas.openxmlformats.org/officeDocument/2006/relationships" xmlns:p="http://schemas.openxmlformats.org/presentationml/2006/main">
-  <p:cSld>
-    <p:spTree>
-      <p:nvGrpSpPr>
-        <p:cNvPr id="1" name=""/>
-        <p:cNvGrpSpPr/>
-        <p:nvPr/>
-      </p:nvGrpSpPr>
-      <p:grpSpPr>
-        <a:xfrm>
-          <a:off x="0" y="0"/>
-          <a:ext cx="0" cy="0"/>
-          <a:chOff x="0" y="0"/>
-          <a:chExt cx="0" cy="0"/>
-        </a:xfrm>
-      </p:grpSpPr>
-      <p:sp>
-        <p:nvSpPr>
-          <p:cNvPr id="2" name="Text Placeholder 1"/>
-          <p:cNvSpPr>
-            <a:spLocks noGrp="1"/>
-          </p:cNvSpPr>
-          <p:nvPr>
-            <p:ph type="body" sz="quarter" idx="10"/>
-          </p:nvPr>
-        </p:nvSpPr>
-        <p:spPr>
-          <a:xfrm>
-            <a:off x="1142999" y="4769496"/>
-            <a:ext cx="5201497" cy="1031874"/>
-          </a:xfrm>
-        </p:spPr>
-        <p:txBody>
-          <a:bodyPr/>
-          <a:lstStyle/>
-          <a:p>
-            <a:r>
-              <a:rPr lang="en-US" dirty="0" smtClean="0"/>
-              <a:t>IPv6 Hop-by-Hop options</a:t>
-            </a:r>
-          </a:p>
-          <a:p>
-            <a:pPr lvl="1"/>
-            <a:r>
-              <a:rPr lang="en-US" dirty="0"/>
-              <a:t>Pre-allocated Tracing </a:t>
-            </a:r>
-            <a:r>
-              <a:rPr lang="en-US" dirty="0" smtClean="0"/>
-              <a:t>Option</a:t>
-            </a:r>
-          </a:p>
-          <a:p>
-            <a:pPr lvl="1"/>
-            <a:r>
-              <a:rPr lang="en-US" dirty="0"/>
-              <a:t>Incremental Tracing </a:t>
-            </a:r>
-            <a:r>
-              <a:rPr lang="en-US" dirty="0" smtClean="0"/>
-              <a:t>Option</a:t>
-            </a:r>
-          </a:p>
-          <a:p>
-            <a:pPr lvl="1"/>
-            <a:r>
-              <a:rPr lang="en-US" dirty="0"/>
-              <a:t>Proof of Transit Option</a:t>
-            </a:r>
-          </a:p>
-          <a:p>
-            <a:endParaRPr lang="en-US" dirty="0"/>
-          </a:p>
-        </p:txBody>
-      </p:sp>
-      <p:sp>
-        <p:nvSpPr>
-          <p:cNvPr id="3" name="Text Placeholder 2"/>
-          <p:cNvSpPr>
-            <a:spLocks noGrp="1"/>
-          </p:cNvSpPr>
-          <p:nvPr>
-            <p:ph type="body" sz="quarter" idx="11"/>
-          </p:nvPr>
-        </p:nvSpPr>
-        <p:spPr>
-          <a:xfrm>
-            <a:off x="6147346" y="4769496"/>
-            <a:ext cx="5624613" cy="898109"/>
-          </a:xfrm>
-        </p:spPr>
-        <p:txBody>
-          <a:bodyPr/>
-          <a:lstStyle/>
-          <a:p>
-            <a:r>
-              <a:rPr lang="en-US" dirty="0" smtClean="0"/>
-              <a:t>IPv6 Destination Option</a:t>
-            </a:r>
-          </a:p>
-          <a:p>
-            <a:pPr lvl="1"/>
-            <a:r>
-              <a:rPr lang="en-US" dirty="0"/>
-              <a:t>Edge to Edge Option</a:t>
-            </a:r>
-          </a:p>
-        </p:txBody>
-      </p:sp>
-      <p:sp>
-        <p:nvSpPr>
-          <p:cNvPr id="4" name="Title 3"/>
-          <p:cNvSpPr>
-            <a:spLocks noGrp="1"/>
-          </p:cNvSpPr>
-          <p:nvPr>
-            <p:ph type="title"/>
-          </p:nvPr>
-        </p:nvSpPr>
-        <p:spPr>
-          <a:xfrm>
-            <a:off x="825190" y="455085"/>
-            <a:ext cx="10885815" cy="975783"/>
-          </a:xfrm>
-        </p:spPr>
-        <p:txBody>
-          <a:bodyPr>
-            <a:normAutofit fontScale="90000"/>
-          </a:bodyPr>
-          <a:lstStyle/>
-          <a:p>
-            <a:r>
-              <a:rPr lang="en-US" dirty="0" smtClean="0"/>
-              <a:t>IOAM in IPv6</a:t>
-            </a:r>
-            <a:br>
-              <a:rPr lang="en-US" dirty="0" smtClean="0"/>
-            </a:br>
-            <a:r>
-              <a:rPr lang="en-US" sz="3100" dirty="0" smtClean="0">
-                <a:hlinkClick r:id="rId3"/>
-              </a:rPr>
-              <a:t>draft-ioametal-ippm-6man-ioam-ipv6-options</a:t>
-            </a:r>
-            <a:endParaRPr lang="en-US" sz="3100" dirty="0"/>
-          </a:p>
-        </p:txBody>
-      </p:sp>
-      <p:pic>
-        <p:nvPicPr>
-          <p:cNvPr id="5" name="Picture 4"/>
-          <p:cNvPicPr>
-            <a:picLocks noChangeAspect="1"/>
-          </p:cNvPicPr>
-          <p:nvPr/>
-        </p:nvPicPr>
-        <p:blipFill>
-          <a:blip r:embed="rId4">
-            <a:extLst>
-              <a:ext uri="{28A0092B-C50C-407E-A947-70E740481C1C}">
-                <a14:useLocalDpi xmlns:a14="http://schemas.microsoft.com/office/drawing/2010/main" val="0"/>
-              </a:ext>
-            </a:extLst>
-          </a:blip>
-          <a:stretch>
-            <a:fillRect/>
-          </a:stretch>
-        </p:blipFill>
-        <p:spPr>
-          <a:xfrm>
-            <a:off x="1142999" y="1430868"/>
-            <a:ext cx="6446837" cy="3212028"/>
-          </a:xfrm>
-          <a:prstGeom prst="rect">
-            <a:avLst/>
-          </a:prstGeom>
-        </p:spPr>
-      </p:pic>
-    </p:spTree>
-    <p:extLst>
-      <p:ext uri="{BB962C8B-B14F-4D97-AF65-F5344CB8AC3E}">
-        <p14:creationId xmlns:p14="http://schemas.microsoft.com/office/powerpoint/2010/main" val="2060144791"/>
-      </p:ext>
-    </p:extLst>
-  </p:cSld>
-  <p:clrMapOvr>
-    <a:masterClrMapping/>
-  </p:clrMapOvr>
-  <p:transition spd="med">
-    <p:fade/>
-  </p:transition>
-  <p:timing>
-    <p:tnLst>
-      <p:par>
-        <p:cTn id="1" dur="indefinite" restart="never" nodeType="tmRoot"/>
-      </p:par>
-    </p:tnLst>
   </p:timing>
 </p:sld>
 </file>
